--- a/Documentation/Naked Functions/The Naked Functions programming model.pptx
+++ b/Documentation/Naked Functions/The Naked Functions programming model.pptx
@@ -6,32 +6,35 @@
   </p:sldMasterIdLst>
   <p:sldIdLst>
     <p:sldId id="293" r:id="rId2"/>
-    <p:sldId id="257" r:id="rId3"/>
-    <p:sldId id="264" r:id="rId4"/>
-    <p:sldId id="259" r:id="rId5"/>
-    <p:sldId id="261" r:id="rId6"/>
-    <p:sldId id="262" r:id="rId7"/>
-    <p:sldId id="258" r:id="rId8"/>
-    <p:sldId id="265" r:id="rId9"/>
-    <p:sldId id="266" r:id="rId10"/>
-    <p:sldId id="267" r:id="rId11"/>
-    <p:sldId id="268" r:id="rId12"/>
-    <p:sldId id="269" r:id="rId13"/>
-    <p:sldId id="271" r:id="rId14"/>
-    <p:sldId id="290" r:id="rId15"/>
-    <p:sldId id="289" r:id="rId16"/>
-    <p:sldId id="291" r:id="rId17"/>
-    <p:sldId id="292" r:id="rId18"/>
-    <p:sldId id="280" r:id="rId19"/>
-    <p:sldId id="281" r:id="rId20"/>
-    <p:sldId id="285" r:id="rId21"/>
-    <p:sldId id="286" r:id="rId22"/>
-    <p:sldId id="287" r:id="rId23"/>
-    <p:sldId id="288" r:id="rId24"/>
-    <p:sldId id="275" r:id="rId25"/>
-    <p:sldId id="277" r:id="rId26"/>
-    <p:sldId id="272" r:id="rId27"/>
-    <p:sldId id="273" r:id="rId28"/>
+    <p:sldId id="298" r:id="rId3"/>
+    <p:sldId id="257" r:id="rId4"/>
+    <p:sldId id="264" r:id="rId5"/>
+    <p:sldId id="259" r:id="rId6"/>
+    <p:sldId id="261" r:id="rId7"/>
+    <p:sldId id="262" r:id="rId8"/>
+    <p:sldId id="258" r:id="rId9"/>
+    <p:sldId id="265" r:id="rId10"/>
+    <p:sldId id="266" r:id="rId11"/>
+    <p:sldId id="267" r:id="rId12"/>
+    <p:sldId id="268" r:id="rId13"/>
+    <p:sldId id="269" r:id="rId14"/>
+    <p:sldId id="271" r:id="rId15"/>
+    <p:sldId id="294" r:id="rId16"/>
+    <p:sldId id="295" r:id="rId17"/>
+    <p:sldId id="296" r:id="rId18"/>
+    <p:sldId id="289" r:id="rId19"/>
+    <p:sldId id="291" r:id="rId20"/>
+    <p:sldId id="292" r:id="rId21"/>
+    <p:sldId id="280" r:id="rId22"/>
+    <p:sldId id="281" r:id="rId23"/>
+    <p:sldId id="285" r:id="rId24"/>
+    <p:sldId id="286" r:id="rId25"/>
+    <p:sldId id="287" r:id="rId26"/>
+    <p:sldId id="288" r:id="rId27"/>
+    <p:sldId id="275" r:id="rId28"/>
+    <p:sldId id="277" r:id="rId29"/>
+    <p:sldId id="272" r:id="rId30"/>
+    <p:sldId id="273" r:id="rId31"/>
   </p:sldIdLst>
   <p:sldSz cx="12192000" cy="6858000"/>
   <p:notesSz cx="6858000" cy="9144000"/>
@@ -313,7 +316,7 @@
           <a:p>
             <a:fld id="{E3F01F1A-3FFE-456C-AE2E-C951E976C8D1}" type="datetimeFigureOut">
               <a:rPr lang="en-GB" smtClean="0"/>
-              <a:t>03/03/2021</a:t>
+              <a:t>04/03/2021</a:t>
             </a:fld>
             <a:endParaRPr lang="en-GB"/>
           </a:p>
@@ -513,7 +516,7 @@
           <a:p>
             <a:fld id="{E3F01F1A-3FFE-456C-AE2E-C951E976C8D1}" type="datetimeFigureOut">
               <a:rPr lang="en-GB" smtClean="0"/>
-              <a:t>03/03/2021</a:t>
+              <a:t>04/03/2021</a:t>
             </a:fld>
             <a:endParaRPr lang="en-GB"/>
           </a:p>
@@ -723,7 +726,7 @@
           <a:p>
             <a:fld id="{E3F01F1A-3FFE-456C-AE2E-C951E976C8D1}" type="datetimeFigureOut">
               <a:rPr lang="en-GB" smtClean="0"/>
-              <a:t>03/03/2021</a:t>
+              <a:t>04/03/2021</a:t>
             </a:fld>
             <a:endParaRPr lang="en-GB"/>
           </a:p>
@@ -923,7 +926,7 @@
           <a:p>
             <a:fld id="{E3F01F1A-3FFE-456C-AE2E-C951E976C8D1}" type="datetimeFigureOut">
               <a:rPr lang="en-GB" smtClean="0"/>
-              <a:t>03/03/2021</a:t>
+              <a:t>04/03/2021</a:t>
             </a:fld>
             <a:endParaRPr lang="en-GB"/>
           </a:p>
@@ -1199,7 +1202,7 @@
           <a:p>
             <a:fld id="{E3F01F1A-3FFE-456C-AE2E-C951E976C8D1}" type="datetimeFigureOut">
               <a:rPr lang="en-GB" smtClean="0"/>
-              <a:t>03/03/2021</a:t>
+              <a:t>04/03/2021</a:t>
             </a:fld>
             <a:endParaRPr lang="en-GB"/>
           </a:p>
@@ -1467,7 +1470,7 @@
           <a:p>
             <a:fld id="{E3F01F1A-3FFE-456C-AE2E-C951E976C8D1}" type="datetimeFigureOut">
               <a:rPr lang="en-GB" smtClean="0"/>
-              <a:t>03/03/2021</a:t>
+              <a:t>04/03/2021</a:t>
             </a:fld>
             <a:endParaRPr lang="en-GB"/>
           </a:p>
@@ -1882,7 +1885,7 @@
           <a:p>
             <a:fld id="{E3F01F1A-3FFE-456C-AE2E-C951E976C8D1}" type="datetimeFigureOut">
               <a:rPr lang="en-GB" smtClean="0"/>
-              <a:t>03/03/2021</a:t>
+              <a:t>04/03/2021</a:t>
             </a:fld>
             <a:endParaRPr lang="en-GB"/>
           </a:p>
@@ -2024,7 +2027,7 @@
           <a:p>
             <a:fld id="{E3F01F1A-3FFE-456C-AE2E-C951E976C8D1}" type="datetimeFigureOut">
               <a:rPr lang="en-GB" smtClean="0"/>
-              <a:t>03/03/2021</a:t>
+              <a:t>04/03/2021</a:t>
             </a:fld>
             <a:endParaRPr lang="en-GB"/>
           </a:p>
@@ -2137,7 +2140,7 @@
           <a:p>
             <a:fld id="{E3F01F1A-3FFE-456C-AE2E-C951E976C8D1}" type="datetimeFigureOut">
               <a:rPr lang="en-GB" smtClean="0"/>
-              <a:t>03/03/2021</a:t>
+              <a:t>04/03/2021</a:t>
             </a:fld>
             <a:endParaRPr lang="en-GB"/>
           </a:p>
@@ -2450,7 +2453,7 @@
           <a:p>
             <a:fld id="{E3F01F1A-3FFE-456C-AE2E-C951E976C8D1}" type="datetimeFigureOut">
               <a:rPr lang="en-GB" smtClean="0"/>
-              <a:t>03/03/2021</a:t>
+              <a:t>04/03/2021</a:t>
             </a:fld>
             <a:endParaRPr lang="en-GB"/>
           </a:p>
@@ -2739,7 +2742,7 @@
           <a:p>
             <a:fld id="{E3F01F1A-3FFE-456C-AE2E-C951E976C8D1}" type="datetimeFigureOut">
               <a:rPr lang="en-GB" smtClean="0"/>
-              <a:t>03/03/2021</a:t>
+              <a:t>04/03/2021</a:t>
             </a:fld>
             <a:endParaRPr lang="en-GB"/>
           </a:p>
@@ -2982,7 +2985,7 @@
           <a:p>
             <a:fld id="{E3F01F1A-3FFE-456C-AE2E-C951E976C8D1}" type="datetimeFigureOut">
               <a:rPr lang="en-GB" smtClean="0"/>
-              <a:t>03/03/2021</a:t>
+              <a:t>04/03/2021</a:t>
             </a:fld>
             <a:endParaRPr lang="en-GB"/>
           </a:p>
@@ -3443,7 +3446,12 @@
             <p:ph type="subTitle" idx="1"/>
           </p:nvPr>
         </p:nvSpPr>
-        <p:spPr/>
+        <p:spPr>
+          <a:xfrm>
+            <a:off x="1384663" y="4229055"/>
+            <a:ext cx="9144000" cy="1655762"/>
+          </a:xfrm>
+        </p:spPr>
         <p:txBody>
           <a:bodyPr/>
           <a:lstStyle/>
@@ -3479,6 +3487,521 @@
 </file>
 
 <file path=ppt/slides/slide10.xml><?xml version="1.0" encoding="utf-8"?>
+<p:sld xmlns:a="http://schemas.openxmlformats.org/drawingml/2006/main" xmlns:r="http://schemas.openxmlformats.org/officeDocument/2006/relationships" xmlns:p="http://schemas.openxmlformats.org/presentationml/2006/main">
+  <p:cSld>
+    <p:spTree>
+      <p:nvGrpSpPr>
+        <p:cNvPr id="1" name=""/>
+        <p:cNvGrpSpPr/>
+        <p:nvPr/>
+      </p:nvGrpSpPr>
+      <p:grpSpPr>
+        <a:xfrm>
+          <a:off x="0" y="0"/>
+          <a:ext cx="0" cy="0"/>
+          <a:chOff x="0" y="0"/>
+          <a:chExt cx="0" cy="0"/>
+        </a:xfrm>
+      </p:grpSpPr>
+      <p:sp>
+        <p:nvSpPr>
+          <p:cNvPr id="2" name="Title 1">
+            <a:extLst>
+              <a:ext uri="{FF2B5EF4-FFF2-40B4-BE49-F238E27FC236}">
+                <a16:creationId xmlns:a16="http://schemas.microsoft.com/office/drawing/2014/main" id="{8EDDC412-877C-4510-B156-A22697AAD67E}"/>
+              </a:ext>
+            </a:extLst>
+          </p:cNvPr>
+          <p:cNvSpPr>
+            <a:spLocks noGrp="1"/>
+          </p:cNvSpPr>
+          <p:nvPr>
+            <p:ph type="title"/>
+          </p:nvPr>
+        </p:nvSpPr>
+        <p:spPr>
+          <a:xfrm>
+            <a:off x="838200" y="198669"/>
+            <a:ext cx="10515600" cy="482368"/>
+          </a:xfrm>
+        </p:spPr>
+        <p:txBody>
+          <a:bodyPr>
+            <a:normAutofit fontScale="90000"/>
+          </a:bodyPr>
+          <a:lstStyle/>
+          <a:p>
+            <a:r>
+              <a:rPr lang="en-GB" sz="3200" dirty="0"/>
+              <a:t>The dialog is derived directly from the function parameter list</a:t>
+            </a:r>
+          </a:p>
+        </p:txBody>
+      </p:sp>
+      <p:pic>
+        <p:nvPicPr>
+          <p:cNvPr id="6" name="Picture 5">
+            <a:extLst>
+              <a:ext uri="{FF2B5EF4-FFF2-40B4-BE49-F238E27FC236}">
+                <a16:creationId xmlns:a16="http://schemas.microsoft.com/office/drawing/2014/main" id="{ECD16EF6-F80D-4B76-9D9F-8A676E7FCBDD}"/>
+              </a:ext>
+            </a:extLst>
+          </p:cNvPr>
+          <p:cNvPicPr>
+            <a:picLocks noChangeAspect="1"/>
+          </p:cNvPicPr>
+          <p:nvPr/>
+        </p:nvPicPr>
+        <p:blipFill>
+          <a:blip r:embed="rId2"/>
+          <a:stretch>
+            <a:fillRect/>
+          </a:stretch>
+        </p:blipFill>
+        <p:spPr>
+          <a:xfrm>
+            <a:off x="0" y="681037"/>
+            <a:ext cx="6128491" cy="4532094"/>
+          </a:xfrm>
+          <a:prstGeom prst="rect">
+            <a:avLst/>
+          </a:prstGeom>
+        </p:spPr>
+      </p:pic>
+      <p:pic>
+        <p:nvPicPr>
+          <p:cNvPr id="8" name="Picture 7">
+            <a:extLst>
+              <a:ext uri="{FF2B5EF4-FFF2-40B4-BE49-F238E27FC236}">
+                <a16:creationId xmlns:a16="http://schemas.microsoft.com/office/drawing/2014/main" id="{5F033765-CDFD-4053-A999-F4D5BEBE4139}"/>
+              </a:ext>
+            </a:extLst>
+          </p:cNvPr>
+          <p:cNvPicPr>
+            <a:picLocks noChangeAspect="1"/>
+          </p:cNvPicPr>
+          <p:nvPr/>
+        </p:nvPicPr>
+        <p:blipFill rotWithShape="1">
+          <a:blip r:embed="rId3"/>
+          <a:srcRect t="21218" r="71121"/>
+          <a:stretch/>
+        </p:blipFill>
+        <p:spPr>
+          <a:xfrm>
+            <a:off x="0" y="1639683"/>
+            <a:ext cx="1760448" cy="3578634"/>
+          </a:xfrm>
+          <a:prstGeom prst="rect">
+            <a:avLst/>
+          </a:prstGeom>
+        </p:spPr>
+      </p:pic>
+      <p:pic>
+        <p:nvPicPr>
+          <p:cNvPr id="12" name="Picture 11">
+            <a:extLst>
+              <a:ext uri="{FF2B5EF4-FFF2-40B4-BE49-F238E27FC236}">
+                <a16:creationId xmlns:a16="http://schemas.microsoft.com/office/drawing/2014/main" id="{E066CD39-466C-48F9-A0A9-E2DBCC8EFC2E}"/>
+              </a:ext>
+            </a:extLst>
+          </p:cNvPr>
+          <p:cNvPicPr>
+            <a:picLocks noChangeAspect="1"/>
+          </p:cNvPicPr>
+          <p:nvPr/>
+        </p:nvPicPr>
+        <p:blipFill rotWithShape="1">
+          <a:blip r:embed="rId4"/>
+          <a:srcRect l="29828" t="21560" b="34375"/>
+          <a:stretch/>
+        </p:blipFill>
+        <p:spPr>
+          <a:xfrm>
+            <a:off x="1818289" y="1639683"/>
+            <a:ext cx="4277711" cy="1986017"/>
+          </a:xfrm>
+          <a:prstGeom prst="rect">
+            <a:avLst/>
+          </a:prstGeom>
+        </p:spPr>
+      </p:pic>
+      <p:pic>
+        <p:nvPicPr>
+          <p:cNvPr id="16" name="Picture 15">
+            <a:extLst>
+              <a:ext uri="{FF2B5EF4-FFF2-40B4-BE49-F238E27FC236}">
+                <a16:creationId xmlns:a16="http://schemas.microsoft.com/office/drawing/2014/main" id="{4BEB2A3E-991F-4F64-A719-10343F673F18}"/>
+              </a:ext>
+            </a:extLst>
+          </p:cNvPr>
+          <p:cNvPicPr>
+            <a:picLocks noChangeAspect="1"/>
+          </p:cNvPicPr>
+          <p:nvPr/>
+        </p:nvPicPr>
+        <p:blipFill>
+          <a:blip r:embed="rId5"/>
+          <a:stretch>
+            <a:fillRect/>
+          </a:stretch>
+        </p:blipFill>
+        <p:spPr>
+          <a:xfrm>
+            <a:off x="3467010" y="4028253"/>
+            <a:ext cx="8229600" cy="2543175"/>
+          </a:xfrm>
+          <a:prstGeom prst="rect">
+            <a:avLst/>
+          </a:prstGeom>
+        </p:spPr>
+      </p:pic>
+      <p:grpSp>
+        <p:nvGrpSpPr>
+          <p:cNvPr id="74" name="Group 73">
+            <a:extLst>
+              <a:ext uri="{FF2B5EF4-FFF2-40B4-BE49-F238E27FC236}">
+                <a16:creationId xmlns:a16="http://schemas.microsoft.com/office/drawing/2014/main" id="{E9B360C8-7F12-4B01-8D50-F19DB4C8BEB7}"/>
+              </a:ext>
+            </a:extLst>
+          </p:cNvPr>
+          <p:cNvGrpSpPr/>
+          <p:nvPr/>
+        </p:nvGrpSpPr>
+        <p:grpSpPr>
+          <a:xfrm>
+            <a:off x="2835564" y="1825454"/>
+            <a:ext cx="5443936" cy="3511499"/>
+            <a:chOff x="-1419537" y="1557757"/>
+            <a:chExt cx="5443936" cy="3511499"/>
+          </a:xfrm>
+        </p:grpSpPr>
+        <p:sp>
+          <p:nvSpPr>
+            <p:cNvPr id="75" name="TextBox 74">
+              <a:extLst>
+                <a:ext uri="{FF2B5EF4-FFF2-40B4-BE49-F238E27FC236}">
+                  <a16:creationId xmlns:a16="http://schemas.microsoft.com/office/drawing/2014/main" id="{4B22083C-D0D1-4062-8239-B0FC219DA9E4}"/>
+                </a:ext>
+              </a:extLst>
+            </p:cNvPr>
+            <p:cNvSpPr txBox="1"/>
+            <p:nvPr/>
+          </p:nvSpPr>
+          <p:spPr>
+            <a:xfrm>
+              <a:off x="2196355" y="1557757"/>
+              <a:ext cx="1828044" cy="1200329"/>
+            </a:xfrm>
+            <a:prstGeom prst="rect">
+              <a:avLst/>
+            </a:prstGeom>
+            <a:solidFill>
+              <a:schemeClr val="bg1"/>
+            </a:solidFill>
+            <a:ln w="28575">
+              <a:solidFill>
+                <a:schemeClr val="accent1"/>
+              </a:solidFill>
+            </a:ln>
+          </p:spPr>
+          <p:txBody>
+            <a:bodyPr wrap="square" rtlCol="0">
+              <a:spAutoFit/>
+            </a:bodyPr>
+            <a:lstStyle/>
+            <a:p>
+              <a:r>
+                <a:rPr lang="en-GB" sz="1200" dirty="0">
+                  <a:solidFill>
+                    <a:srgbClr val="FF0000"/>
+                  </a:solidFill>
+                </a:rPr>
+                <a:t>1. The parameter name is used (reformatted) as a label, and the parameter type used to </a:t>
+              </a:r>
+              <a:r>
+                <a:rPr lang="en-GB" sz="1200">
+                  <a:solidFill>
+                    <a:srgbClr val="FF0000"/>
+                  </a:solidFill>
+                </a:rPr>
+                <a:t>provide generic </a:t>
+              </a:r>
+              <a:r>
+                <a:rPr lang="en-GB" sz="1200" dirty="0">
+                  <a:solidFill>
+                    <a:srgbClr val="FF0000"/>
+                  </a:solidFill>
+                </a:rPr>
+                <a:t>validation and/or other behaviour at the UI. </a:t>
+              </a:r>
+            </a:p>
+          </p:txBody>
+        </p:sp>
+        <p:cxnSp>
+          <p:nvCxnSpPr>
+            <p:cNvPr id="76" name="Straight Arrow Connector 75">
+              <a:extLst>
+                <a:ext uri="{FF2B5EF4-FFF2-40B4-BE49-F238E27FC236}">
+                  <a16:creationId xmlns:a16="http://schemas.microsoft.com/office/drawing/2014/main" id="{3840FF87-8976-49D9-97DA-2282396D3D03}"/>
+                </a:ext>
+              </a:extLst>
+            </p:cNvPr>
+            <p:cNvCxnSpPr>
+              <a:cxnSpLocks/>
+              <a:stCxn id="75" idx="2"/>
+            </p:cNvCxnSpPr>
+            <p:nvPr/>
+          </p:nvCxnSpPr>
+          <p:spPr>
+            <a:xfrm flipH="1">
+              <a:off x="1711591" y="2758086"/>
+              <a:ext cx="1398786" cy="2311170"/>
+            </a:xfrm>
+            <a:prstGeom prst="straightConnector1">
+              <a:avLst/>
+            </a:prstGeom>
+            <a:ln w="28575">
+              <a:tailEnd type="triangle"/>
+            </a:ln>
+          </p:spPr>
+          <p:style>
+            <a:lnRef idx="1">
+              <a:schemeClr val="accent1"/>
+            </a:lnRef>
+            <a:fillRef idx="0">
+              <a:schemeClr val="accent1"/>
+            </a:fillRef>
+            <a:effectRef idx="0">
+              <a:schemeClr val="accent1"/>
+            </a:effectRef>
+            <a:fontRef idx="minor">
+              <a:schemeClr val="tx1"/>
+            </a:fontRef>
+          </p:style>
+        </p:cxnSp>
+        <p:cxnSp>
+          <p:nvCxnSpPr>
+            <p:cNvPr id="77" name="Straight Arrow Connector 76">
+              <a:extLst>
+                <a:ext uri="{FF2B5EF4-FFF2-40B4-BE49-F238E27FC236}">
+                  <a16:creationId xmlns:a16="http://schemas.microsoft.com/office/drawing/2014/main" id="{6E540FB8-CC76-4648-A4B0-9104F2AE6053}"/>
+                </a:ext>
+              </a:extLst>
+            </p:cNvPr>
+            <p:cNvCxnSpPr>
+              <a:cxnSpLocks/>
+              <a:stCxn id="75" idx="1"/>
+            </p:cNvCxnSpPr>
+            <p:nvPr/>
+          </p:nvCxnSpPr>
+          <p:spPr>
+            <a:xfrm flipH="1">
+              <a:off x="-1419537" y="2157922"/>
+              <a:ext cx="3615892" cy="92333"/>
+            </a:xfrm>
+            <a:prstGeom prst="straightConnector1">
+              <a:avLst/>
+            </a:prstGeom>
+            <a:ln w="28575">
+              <a:tailEnd type="triangle"/>
+            </a:ln>
+          </p:spPr>
+          <p:style>
+            <a:lnRef idx="1">
+              <a:schemeClr val="accent1"/>
+            </a:lnRef>
+            <a:fillRef idx="0">
+              <a:schemeClr val="accent1"/>
+            </a:fillRef>
+            <a:effectRef idx="0">
+              <a:schemeClr val="accent1"/>
+            </a:effectRef>
+            <a:fontRef idx="minor">
+              <a:schemeClr val="tx1"/>
+            </a:fontRef>
+          </p:style>
+        </p:cxnSp>
+      </p:grpSp>
+      <p:grpSp>
+        <p:nvGrpSpPr>
+          <p:cNvPr id="34" name="Group 33">
+            <a:extLst>
+              <a:ext uri="{FF2B5EF4-FFF2-40B4-BE49-F238E27FC236}">
+                <a16:creationId xmlns:a16="http://schemas.microsoft.com/office/drawing/2014/main" id="{5625BFF8-08A9-4481-A5DA-78F3CFDCBB94}"/>
+              </a:ext>
+            </a:extLst>
+          </p:cNvPr>
+          <p:cNvGrpSpPr/>
+          <p:nvPr/>
+        </p:nvGrpSpPr>
+        <p:grpSpPr>
+          <a:xfrm>
+            <a:off x="1635560" y="2782822"/>
+            <a:ext cx="2543408" cy="3044549"/>
+            <a:chOff x="-9146507" y="55156"/>
+            <a:chExt cx="2543408" cy="3044549"/>
+          </a:xfrm>
+        </p:grpSpPr>
+        <p:sp>
+          <p:nvSpPr>
+            <p:cNvPr id="35" name="TextBox 34">
+              <a:extLst>
+                <a:ext uri="{FF2B5EF4-FFF2-40B4-BE49-F238E27FC236}">
+                  <a16:creationId xmlns:a16="http://schemas.microsoft.com/office/drawing/2014/main" id="{B6114426-285F-401E-B9FD-B8FF70A3A357}"/>
+                </a:ext>
+              </a:extLst>
+            </p:cNvPr>
+            <p:cNvSpPr txBox="1"/>
+            <p:nvPr/>
+          </p:nvSpPr>
+          <p:spPr>
+            <a:xfrm>
+              <a:off x="-9146507" y="2268708"/>
+              <a:ext cx="1760448" cy="830997"/>
+            </a:xfrm>
+            <a:prstGeom prst="rect">
+              <a:avLst/>
+            </a:prstGeom>
+            <a:solidFill>
+              <a:schemeClr val="bg1"/>
+            </a:solidFill>
+            <a:ln w="28575">
+              <a:solidFill>
+                <a:schemeClr val="accent1"/>
+              </a:solidFill>
+            </a:ln>
+          </p:spPr>
+          <p:txBody>
+            <a:bodyPr wrap="square" rtlCol="0">
+              <a:spAutoFit/>
+            </a:bodyPr>
+            <a:lstStyle/>
+            <a:p>
+              <a:r>
+                <a:rPr lang="en-GB" sz="1200" dirty="0">
+                  <a:solidFill>
+                    <a:srgbClr val="FF0000"/>
+                  </a:solidFill>
+                </a:rPr>
+                <a:t>2. All parameters are made mandatory at the UI unless an </a:t>
+              </a:r>
+              <a:r>
+                <a:rPr lang="en-GB" sz="1100" dirty="0">
+                  <a:latin typeface="Consolas" panose="020B0609020204030204" pitchFamily="49" charset="0"/>
+                </a:rPr>
+                <a:t>Optionally</a:t>
+              </a:r>
+              <a:r>
+                <a:rPr lang="en-GB" sz="1200" dirty="0">
+                  <a:solidFill>
+                    <a:srgbClr val="FF0000"/>
+                  </a:solidFill>
+                </a:rPr>
+                <a:t> attribute is added. </a:t>
+              </a:r>
+            </a:p>
+          </p:txBody>
+        </p:sp>
+        <p:cxnSp>
+          <p:nvCxnSpPr>
+            <p:cNvPr id="36" name="Straight Arrow Connector 35">
+              <a:extLst>
+                <a:ext uri="{FF2B5EF4-FFF2-40B4-BE49-F238E27FC236}">
+                  <a16:creationId xmlns:a16="http://schemas.microsoft.com/office/drawing/2014/main" id="{E9126131-AC27-420A-B7C8-28743445B263}"/>
+                </a:ext>
+              </a:extLst>
+            </p:cNvPr>
+            <p:cNvCxnSpPr>
+              <a:cxnSpLocks/>
+              <a:stCxn id="35" idx="3"/>
+            </p:cNvCxnSpPr>
+            <p:nvPr/>
+          </p:nvCxnSpPr>
+          <p:spPr>
+            <a:xfrm>
+              <a:off x="-7386059" y="2684207"/>
+              <a:ext cx="782960" cy="0"/>
+            </a:xfrm>
+            <a:prstGeom prst="straightConnector1">
+              <a:avLst/>
+            </a:prstGeom>
+            <a:ln w="28575">
+              <a:tailEnd type="triangle"/>
+            </a:ln>
+          </p:spPr>
+          <p:style>
+            <a:lnRef idx="1">
+              <a:schemeClr val="accent1"/>
+            </a:lnRef>
+            <a:fillRef idx="0">
+              <a:schemeClr val="accent1"/>
+            </a:fillRef>
+            <a:effectRef idx="0">
+              <a:schemeClr val="accent1"/>
+            </a:effectRef>
+            <a:fontRef idx="minor">
+              <a:schemeClr val="tx1"/>
+            </a:fontRef>
+          </p:style>
+        </p:cxnSp>
+        <p:cxnSp>
+          <p:nvCxnSpPr>
+            <p:cNvPr id="37" name="Straight Arrow Connector 36">
+              <a:extLst>
+                <a:ext uri="{FF2B5EF4-FFF2-40B4-BE49-F238E27FC236}">
+                  <a16:creationId xmlns:a16="http://schemas.microsoft.com/office/drawing/2014/main" id="{6D2FD5B8-86A2-4F3F-9FA9-4CCE9F97058A}"/>
+                </a:ext>
+              </a:extLst>
+            </p:cNvPr>
+            <p:cNvCxnSpPr>
+              <a:cxnSpLocks/>
+              <a:stCxn id="35" idx="0"/>
+            </p:cNvCxnSpPr>
+            <p:nvPr/>
+          </p:nvCxnSpPr>
+          <p:spPr>
+            <a:xfrm flipV="1">
+              <a:off x="-8266283" y="55156"/>
+              <a:ext cx="1485340" cy="2213552"/>
+            </a:xfrm>
+            <a:prstGeom prst="straightConnector1">
+              <a:avLst/>
+            </a:prstGeom>
+            <a:ln w="28575">
+              <a:tailEnd type="triangle"/>
+            </a:ln>
+          </p:spPr>
+          <p:style>
+            <a:lnRef idx="1">
+              <a:schemeClr val="accent1"/>
+            </a:lnRef>
+            <a:fillRef idx="0">
+              <a:schemeClr val="accent1"/>
+            </a:fillRef>
+            <a:effectRef idx="0">
+              <a:schemeClr val="accent1"/>
+            </a:effectRef>
+            <a:fontRef idx="minor">
+              <a:schemeClr val="tx1"/>
+            </a:fontRef>
+          </p:style>
+        </p:cxnSp>
+      </p:grpSp>
+    </p:spTree>
+    <p:extLst>
+      <p:ext uri="{BB962C8B-B14F-4D97-AF65-F5344CB8AC3E}">
+        <p14:creationId xmlns:p14="http://schemas.microsoft.com/office/powerpoint/2010/main" val="928203412"/>
+      </p:ext>
+    </p:extLst>
+  </p:cSld>
+  <p:clrMapOvr>
+    <a:masterClrMapping/>
+  </p:clrMapOvr>
+</p:sld>
+</file>
+
+<file path=ppt/slides/slide11.xml><?xml version="1.0" encoding="utf-8"?>
 <p:sld xmlns:a="http://schemas.openxmlformats.org/drawingml/2006/main" xmlns:r="http://schemas.openxmlformats.org/officeDocument/2006/relationships" xmlns:p="http://schemas.openxmlformats.org/presentationml/2006/main">
   <p:cSld>
     <p:spTree>
@@ -4033,7 +4556,7 @@
 </p:sld>
 </file>
 
-<file path=ppt/slides/slide11.xml><?xml version="1.0" encoding="utf-8"?>
+<file path=ppt/slides/slide12.xml><?xml version="1.0" encoding="utf-8"?>
 <p:sld xmlns:a="http://schemas.openxmlformats.org/drawingml/2006/main" xmlns:r="http://schemas.openxmlformats.org/officeDocument/2006/relationships" xmlns:p="http://schemas.openxmlformats.org/presentationml/2006/main">
   <p:cSld>
     <p:spTree>
@@ -4929,7 +5452,7 @@
 </p:sld>
 </file>
 
-<file path=ppt/slides/slide12.xml><?xml version="1.0" encoding="utf-8"?>
+<file path=ppt/slides/slide13.xml><?xml version="1.0" encoding="utf-8"?>
 <p:sld xmlns:a="http://schemas.openxmlformats.org/drawingml/2006/main" xmlns:r="http://schemas.openxmlformats.org/officeDocument/2006/relationships" xmlns:p="http://schemas.openxmlformats.org/presentationml/2006/main">
   <p:cSld>
     <p:spTree>
@@ -5006,7 +5529,7 @@
           <a:p>
             <a:r>
               <a:rPr lang="en-GB" sz="3200" dirty="0"/>
-              <a:t>Actions contributed to an object…</a:t>
+              <a:t>Actions contributed to an instance…</a:t>
             </a:r>
           </a:p>
         </p:txBody>
@@ -5827,7 +6350,7 @@
 </p:sld>
 </file>
 
-<file path=ppt/slides/slide13.xml><?xml version="1.0" encoding="utf-8"?>
+<file path=ppt/slides/slide14.xml><?xml version="1.0" encoding="utf-8"?>
 <p:sld xmlns:a="http://schemas.openxmlformats.org/drawingml/2006/main" xmlns:r="http://schemas.openxmlformats.org/officeDocument/2006/relationships" xmlns:p="http://schemas.openxmlformats.org/presentationml/2006/main">
   <p:cSld>
     <p:spTree>
@@ -6457,7 +6980,7 @@
 </p:sld>
 </file>
 
-<file path=ppt/slides/slide14.xml><?xml version="1.0" encoding="utf-8"?>
+<file path=ppt/slides/slide15.xml><?xml version="1.0" encoding="utf-8"?>
 <p:sld xmlns:a="http://schemas.openxmlformats.org/drawingml/2006/main" xmlns:r="http://schemas.openxmlformats.org/officeDocument/2006/relationships" xmlns:p="http://schemas.openxmlformats.org/presentationml/2006/main">
   <p:cSld>
     <p:spTree>
@@ -6479,7 +7002,7 @@
           <p:cNvPr id="2" name="Title 1">
             <a:extLst>
               <a:ext uri="{FF2B5EF4-FFF2-40B4-BE49-F238E27FC236}">
-                <a16:creationId xmlns:a16="http://schemas.microsoft.com/office/drawing/2014/main" id="{F6065630-19EB-403E-ACFD-C8885CAD7432}"/>
+                <a16:creationId xmlns:a16="http://schemas.microsoft.com/office/drawing/2014/main" id="{0F2F0B7A-0947-4B5E-A93F-4F623DEC3D53}"/>
               </a:ext>
             </a:extLst>
           </p:cNvPr>
@@ -6490,691 +7013,1419 @@
             <p:ph type="title"/>
           </p:nvPr>
         </p:nvSpPr>
-        <p:spPr/>
+        <p:spPr>
+          <a:xfrm>
+            <a:off x="838200" y="365126"/>
+            <a:ext cx="10515600" cy="775698"/>
+          </a:xfrm>
+        </p:spPr>
         <p:txBody>
           <a:bodyPr>
-            <a:normAutofit/>
+            <a:normAutofit fontScale="90000"/>
           </a:bodyPr>
           <a:lstStyle/>
           <a:p>
             <a:r>
-              <a:rPr lang="en-GB" sz="3200" dirty="0"/>
-              <a:t>These attributes may be used to provide hints - to be interpreted and used by the Client.</a:t>
+              <a:rPr lang="en-GB" sz="2800" dirty="0"/>
+              <a:t>These attributes may be used to provide hints - to be interpreted and used by the Client. (Follow links to see example usage in code).</a:t>
             </a:r>
           </a:p>
         </p:txBody>
       </p:sp>
-      <p:sp>
-        <p:nvSpPr>
-          <p:cNvPr id="3" name="Content Placeholder 2">
+      <p:graphicFrame>
+        <p:nvGraphicFramePr>
+          <p:cNvPr id="4" name="Table 3">
             <a:extLst>
               <a:ext uri="{FF2B5EF4-FFF2-40B4-BE49-F238E27FC236}">
-                <a16:creationId xmlns:a16="http://schemas.microsoft.com/office/drawing/2014/main" id="{3F080663-02D9-4D31-9262-BD1CD7488E21}"/>
+                <a16:creationId xmlns:a16="http://schemas.microsoft.com/office/drawing/2014/main" id="{6E995CB7-3DC5-4051-85C2-6CD784826BE1}"/>
               </a:ext>
             </a:extLst>
           </p:cNvPr>
-          <p:cNvSpPr>
-            <a:spLocks noGrp="1"/>
-          </p:cNvSpPr>
+          <p:cNvGraphicFramePr/>
           <p:nvPr>
-            <p:ph idx="1"/>
+            <p:extLst>
+              <p:ext uri="{D42A27DB-BD31-4B8C-83A1-F6EECF244321}">
+                <p14:modId xmlns:p14="http://schemas.microsoft.com/office/powerpoint/2010/main" val="608562859"/>
+              </p:ext>
+            </p:extLst>
           </p:nvPr>
-        </p:nvSpPr>
-        <p:spPr/>
-        <p:txBody>
-          <a:bodyPr numCol="3">
-            <a:normAutofit lnSpcReduction="10000"/>
-          </a:bodyPr>
-          <a:lstStyle/>
-          <a:p>
-            <a:pPr marL="0" indent="0">
-              <a:buNone/>
-            </a:pPr>
-            <a:r>
-              <a:rPr lang="en-GB" sz="2800" dirty="0">
-                <a:hlinkClick r:id="rId2" action="ppaction://hlinksldjump"/>
-              </a:rPr>
-              <a:t>[Bounded]</a:t>
-            </a:r>
-            <a:endParaRPr lang="en-GB" sz="2800" dirty="0"/>
-          </a:p>
-          <a:p>
-            <a:pPr marL="0" indent="0">
-              <a:buNone/>
-            </a:pPr>
-            <a:r>
-              <a:rPr lang="en-GB" sz="2800" dirty="0"/>
-              <a:t>[</a:t>
-            </a:r>
-            <a:r>
-              <a:rPr lang="en-GB" sz="2800" dirty="0" err="1"/>
-              <a:t>CreateNew</a:t>
-            </a:r>
-            <a:r>
-              <a:rPr lang="en-GB" sz="2800" dirty="0"/>
-              <a:t>]</a:t>
-            </a:r>
-          </a:p>
-          <a:p>
-            <a:pPr marL="0" indent="0">
-              <a:buNone/>
-            </a:pPr>
-            <a:r>
-              <a:rPr lang="en-GB" sz="2800" dirty="0">
-                <a:hlinkClick r:id="rId3" action="ppaction://hlinksldjump"/>
-              </a:rPr>
-              <a:t>[</a:t>
-            </a:r>
-            <a:r>
-              <a:rPr lang="en-GB" sz="2800" dirty="0" err="1">
-                <a:hlinkClick r:id="rId3" action="ppaction://hlinksldjump"/>
-              </a:rPr>
-              <a:t>DefaultValue</a:t>
-            </a:r>
-            <a:r>
-              <a:rPr lang="en-GB" sz="2800" dirty="0">
-                <a:hlinkClick r:id="rId3" action="ppaction://hlinksldjump"/>
-              </a:rPr>
-              <a:t>]</a:t>
-            </a:r>
-            <a:endParaRPr lang="en-GB" sz="2800" dirty="0"/>
-          </a:p>
-          <a:p>
-            <a:pPr marL="0" indent="0">
-              <a:buNone/>
-            </a:pPr>
-            <a:r>
-              <a:rPr lang="en-GB" sz="2800" dirty="0">
-                <a:hlinkClick r:id="rId4" action="ppaction://hlinksldjump"/>
-              </a:rPr>
-              <a:t>[</a:t>
-            </a:r>
-            <a:r>
-              <a:rPr lang="en-GB" sz="2800" dirty="0" err="1">
-                <a:hlinkClick r:id="rId4" action="ppaction://hlinksldjump"/>
-              </a:rPr>
-              <a:t>DescribedAs</a:t>
-            </a:r>
-            <a:r>
-              <a:rPr lang="en-GB" sz="2800" dirty="0">
-                <a:hlinkClick r:id="rId4" action="ppaction://hlinksldjump"/>
-              </a:rPr>
-              <a:t>] </a:t>
-            </a:r>
-            <a:endParaRPr lang="en-GB" sz="2800" dirty="0"/>
-          </a:p>
-          <a:p>
-            <a:pPr marL="0" indent="0">
-              <a:buNone/>
-            </a:pPr>
-            <a:r>
-              <a:rPr lang="en-GB" sz="2800" dirty="0">
-                <a:hlinkClick r:id="rId4" action="ppaction://hlinksldjump"/>
-              </a:rPr>
-              <a:t>[</a:t>
-            </a:r>
-            <a:r>
-              <a:rPr lang="en-GB" sz="2800" dirty="0" err="1">
-                <a:hlinkClick r:id="rId4" action="ppaction://hlinksldjump"/>
-              </a:rPr>
-              <a:t>DisplayAsProperty</a:t>
-            </a:r>
-            <a:r>
-              <a:rPr lang="en-GB" sz="2800" dirty="0">
-                <a:hlinkClick r:id="rId4" action="ppaction://hlinksldjump"/>
-              </a:rPr>
-              <a:t>]</a:t>
-            </a:r>
-            <a:endParaRPr lang="en-GB" sz="2800" dirty="0"/>
-          </a:p>
-          <a:p>
-            <a:pPr marL="0" indent="0">
-              <a:buNone/>
-            </a:pPr>
-            <a:r>
-              <a:rPr lang="en-GB" sz="2800" dirty="0"/>
-              <a:t>[Edit] </a:t>
-            </a:r>
-          </a:p>
-          <a:p>
-            <a:pPr marL="0" indent="0">
-              <a:buNone/>
-            </a:pPr>
-            <a:r>
-              <a:rPr lang="en-GB" sz="2800" dirty="0">
-                <a:hlinkClick r:id="rId5" action="ppaction://hlinksldjump"/>
-              </a:rPr>
-              <a:t>[Hidden]</a:t>
-            </a:r>
-            <a:endParaRPr lang="en-GB" sz="2800" dirty="0"/>
-          </a:p>
-          <a:p>
-            <a:pPr marL="0" indent="0">
-              <a:buNone/>
-            </a:pPr>
-            <a:r>
-              <a:rPr lang="en-GB" sz="2800" dirty="0">
-                <a:hlinkClick r:id="rId5" action="ppaction://hlinksldjump"/>
-              </a:rPr>
-              <a:t>[Mask]</a:t>
-            </a:r>
-            <a:endParaRPr lang="en-GB" sz="2800" dirty="0"/>
-          </a:p>
-          <a:p>
-            <a:pPr marL="0" indent="0">
-              <a:buNone/>
-            </a:pPr>
-            <a:r>
-              <a:rPr lang="en-GB" sz="2800" dirty="0">
-                <a:hlinkClick r:id="rId3" action="ppaction://hlinksldjump"/>
-              </a:rPr>
-              <a:t>[</a:t>
-            </a:r>
-            <a:r>
-              <a:rPr lang="en-GB" sz="2800" dirty="0" err="1">
-                <a:hlinkClick r:id="rId3" action="ppaction://hlinksldjump"/>
-              </a:rPr>
-              <a:t>MaxLength</a:t>
-            </a:r>
-            <a:r>
-              <a:rPr lang="en-GB" sz="2800" dirty="0">
-                <a:hlinkClick r:id="rId3" action="ppaction://hlinksldjump"/>
-              </a:rPr>
-              <a:t>]</a:t>
-            </a:r>
-            <a:endParaRPr lang="en-GB" sz="2800" dirty="0"/>
-          </a:p>
-          <a:p>
-            <a:pPr marL="0" indent="0">
-              <a:buNone/>
-            </a:pPr>
-            <a:r>
-              <a:rPr lang="en-GB" sz="2800" dirty="0">
-                <a:hlinkClick r:id="rId5" action="ppaction://hlinksldjump"/>
-              </a:rPr>
-              <a:t>[</a:t>
-            </a:r>
-            <a:r>
-              <a:rPr lang="en-GB" sz="2800" dirty="0" err="1">
-                <a:hlinkClick r:id="rId5" action="ppaction://hlinksldjump"/>
-              </a:rPr>
-              <a:t>MemberOrder</a:t>
-            </a:r>
-            <a:r>
-              <a:rPr lang="en-GB" sz="2800" dirty="0">
-                <a:hlinkClick r:id="rId5" action="ppaction://hlinksldjump"/>
-              </a:rPr>
-              <a:t>]</a:t>
-            </a:r>
-            <a:endParaRPr lang="en-GB" sz="2800" dirty="0"/>
-          </a:p>
-          <a:p>
-            <a:pPr marL="0" indent="0">
-              <a:buNone/>
-            </a:pPr>
-            <a:r>
-              <a:rPr lang="en-GB" sz="2800" dirty="0">
-                <a:hlinkClick r:id="rId6" action="ppaction://hlinksldjump"/>
-              </a:rPr>
-              <a:t>[</a:t>
-            </a:r>
-            <a:r>
-              <a:rPr lang="en-GB" sz="2800" dirty="0" err="1">
-                <a:hlinkClick r:id="rId6" action="ppaction://hlinksldjump"/>
-              </a:rPr>
-              <a:t>MinLength</a:t>
-            </a:r>
-            <a:r>
-              <a:rPr lang="en-GB" sz="2800" dirty="0">
-                <a:hlinkClick r:id="rId6" action="ppaction://hlinksldjump"/>
-              </a:rPr>
-              <a:t>]</a:t>
-            </a:r>
-            <a:endParaRPr lang="en-GB" sz="2800" dirty="0"/>
-          </a:p>
-          <a:p>
-            <a:pPr marL="0" indent="0">
-              <a:buNone/>
-            </a:pPr>
-            <a:r>
-              <a:rPr lang="en-GB" sz="2800" dirty="0"/>
-              <a:t>[</a:t>
-            </a:r>
-            <a:r>
-              <a:rPr lang="en-GB" sz="2800" dirty="0" err="1"/>
-              <a:t>MultiLine</a:t>
-            </a:r>
-            <a:r>
-              <a:rPr lang="en-GB" sz="2800" dirty="0"/>
-              <a:t>]</a:t>
-            </a:r>
-          </a:p>
-          <a:p>
-            <a:pPr marL="0" indent="0">
-              <a:buNone/>
-            </a:pPr>
-            <a:r>
-              <a:rPr lang="en-GB" sz="2800" dirty="0">
-                <a:hlinkClick r:id="rId7" action="ppaction://hlinksldjump"/>
-              </a:rPr>
-              <a:t>[Named]</a:t>
-            </a:r>
-            <a:endParaRPr lang="en-GB" sz="2800" dirty="0"/>
-          </a:p>
-          <a:p>
-            <a:pPr marL="0" indent="0">
-              <a:buNone/>
-            </a:pPr>
-            <a:r>
-              <a:rPr lang="en-GB" sz="2800" dirty="0">
-                <a:hlinkClick r:id="rId8" action="ppaction://hlinksldjump"/>
-              </a:rPr>
-              <a:t>[Optionally]</a:t>
-            </a:r>
-            <a:endParaRPr lang="en-GB" sz="2800" dirty="0"/>
-          </a:p>
-          <a:p>
-            <a:pPr marL="0" indent="0">
-              <a:buNone/>
-            </a:pPr>
-            <a:r>
-              <a:rPr lang="en-GB" sz="2800" dirty="0">
-                <a:hlinkClick r:id="rId9" action="ppaction://hlinksldjump"/>
-              </a:rPr>
-              <a:t>[</a:t>
-            </a:r>
-            <a:r>
-              <a:rPr lang="en-GB" sz="2800" dirty="0" err="1">
-                <a:hlinkClick r:id="rId9" action="ppaction://hlinksldjump"/>
-              </a:rPr>
-              <a:t>PageSize</a:t>
-            </a:r>
-            <a:r>
-              <a:rPr lang="en-GB" sz="2800" dirty="0">
-                <a:hlinkClick r:id="rId9" action="ppaction://hlinksldjump"/>
-              </a:rPr>
-              <a:t>]</a:t>
-            </a:r>
-            <a:endParaRPr lang="en-GB" sz="2800" dirty="0"/>
-          </a:p>
-          <a:p>
-            <a:pPr marL="0" indent="0">
-              <a:buNone/>
-            </a:pPr>
-            <a:r>
-              <a:rPr lang="en-GB" sz="2800" dirty="0"/>
-              <a:t>[Password]</a:t>
-            </a:r>
-          </a:p>
-          <a:p>
-            <a:pPr marL="0" indent="0">
-              <a:buNone/>
-            </a:pPr>
-            <a:r>
-              <a:rPr lang="en-GB" sz="2800" dirty="0"/>
-              <a:t>[Plural]</a:t>
-            </a:r>
-          </a:p>
-          <a:p>
-            <a:pPr marL="0" indent="0">
-              <a:buNone/>
-            </a:pPr>
-            <a:r>
-              <a:rPr lang="en-GB" sz="2800" dirty="0"/>
-              <a:t>[</a:t>
-            </a:r>
-            <a:r>
-              <a:rPr lang="en-GB" sz="2800" dirty="0" err="1"/>
-              <a:t>PresentationHint</a:t>
-            </a:r>
-            <a:r>
-              <a:rPr lang="en-GB" sz="2800" dirty="0"/>
-              <a:t>]</a:t>
-            </a:r>
-          </a:p>
-          <a:p>
-            <a:pPr marL="0" indent="0">
-              <a:buNone/>
-            </a:pPr>
-            <a:r>
-              <a:rPr lang="en-GB" sz="2800" dirty="0">
-                <a:hlinkClick r:id="rId4" action="ppaction://hlinksldjump"/>
-              </a:rPr>
-              <a:t>[</a:t>
-            </a:r>
-            <a:r>
-              <a:rPr lang="en-GB" sz="2800" dirty="0" err="1">
-                <a:hlinkClick r:id="rId4" action="ppaction://hlinksldjump"/>
-              </a:rPr>
-              <a:t>RegEx</a:t>
-            </a:r>
-            <a:r>
-              <a:rPr lang="en-GB" sz="2800" dirty="0">
-                <a:hlinkClick r:id="rId4" action="ppaction://hlinksldjump"/>
-              </a:rPr>
-              <a:t>]</a:t>
-            </a:r>
-            <a:endParaRPr lang="en-GB" sz="2800" dirty="0"/>
-          </a:p>
-          <a:p>
-            <a:pPr marL="0" indent="0">
-              <a:buNone/>
-            </a:pPr>
-            <a:r>
-              <a:rPr lang="en-GB" sz="2800" dirty="0"/>
-              <a:t>[</a:t>
-            </a:r>
-            <a:r>
-              <a:rPr lang="en-GB" sz="2800" dirty="0" err="1"/>
-              <a:t>RenderEagerly</a:t>
-            </a:r>
-            <a:r>
-              <a:rPr lang="en-GB" sz="2800" dirty="0"/>
-              <a:t>]</a:t>
-            </a:r>
-          </a:p>
-          <a:p>
-            <a:pPr marL="0" indent="0">
-              <a:buNone/>
-            </a:pPr>
-            <a:r>
-              <a:rPr lang="en-GB" sz="2800" dirty="0">
-                <a:hlinkClick r:id="rId10" action="ppaction://hlinksldjump"/>
-              </a:rPr>
-              <a:t>[</a:t>
-            </a:r>
-            <a:r>
-              <a:rPr lang="en-GB" sz="2800" dirty="0" err="1">
-                <a:hlinkClick r:id="rId10" action="ppaction://hlinksldjump"/>
-              </a:rPr>
-              <a:t>TableView</a:t>
-            </a:r>
-            <a:r>
-              <a:rPr lang="en-GB" sz="2800" dirty="0">
-                <a:hlinkClick r:id="rId10" action="ppaction://hlinksldjump"/>
-              </a:rPr>
-              <a:t>]</a:t>
-            </a:r>
-            <a:endParaRPr lang="en-GB" sz="2800" dirty="0"/>
-          </a:p>
-          <a:p>
-            <a:pPr marL="0" indent="0">
-              <a:buNone/>
-            </a:pPr>
-            <a:r>
-              <a:rPr lang="en-GB" sz="2800" dirty="0"/>
-              <a:t>[</a:t>
-            </a:r>
-            <a:r>
-              <a:rPr lang="en-GB" sz="2800" dirty="0" err="1"/>
-              <a:t>ValueRange</a:t>
-            </a:r>
-            <a:r>
-              <a:rPr lang="en-GB" sz="2800" dirty="0"/>
-              <a:t>]</a:t>
-            </a:r>
-          </a:p>
-          <a:p>
-            <a:pPr marL="0" indent="0">
-              <a:buNone/>
-            </a:pPr>
-            <a:r>
-              <a:rPr lang="en-GB" sz="2800" dirty="0"/>
-              <a:t>[Versioned]</a:t>
-            </a:r>
-          </a:p>
-          <a:p>
-            <a:pPr marL="0" indent="0">
-              <a:buNone/>
-            </a:pPr>
-            <a:r>
-              <a:rPr lang="en-GB" sz="2800" dirty="0">
-                <a:hlinkClick r:id="rId11" action="ppaction://hlinksldjump"/>
-              </a:rPr>
-              <a:t>[</a:t>
-            </a:r>
-            <a:r>
-              <a:rPr lang="en-GB" sz="2800" dirty="0" err="1">
-                <a:hlinkClick r:id="rId11" action="ppaction://hlinksldjump"/>
-              </a:rPr>
-              <a:t>ViewModel</a:t>
-            </a:r>
-            <a:r>
-              <a:rPr lang="en-GB" sz="2800" dirty="0">
-                <a:hlinkClick r:id="rId11" action="ppaction://hlinksldjump"/>
-              </a:rPr>
-              <a:t>]</a:t>
-            </a:r>
-            <a:endParaRPr lang="en-GB" sz="2800" dirty="0"/>
-          </a:p>
-          <a:p>
-            <a:pPr marL="0" indent="0">
-              <a:buNone/>
-            </a:pPr>
-            <a:endParaRPr lang="en-GB" dirty="0"/>
-          </a:p>
-          <a:p>
-            <a:pPr marL="0" indent="0">
-              <a:buNone/>
-            </a:pPr>
-            <a:endParaRPr lang="en-GB" dirty="0"/>
-          </a:p>
-        </p:txBody>
-      </p:sp>
+        </p:nvGraphicFramePr>
+        <p:xfrm>
+          <a:off x="960367" y="1210364"/>
+          <a:ext cx="10515600" cy="5402497"/>
+        </p:xfrm>
+        <a:graphic>
+          <a:graphicData uri="http://schemas.openxmlformats.org/drawingml/2006/table">
+            <a:tbl>
+              <a:tblPr>
+                <a:tableStyleId>{5C22544A-7EE6-4342-B048-85BDC9FD1C3A}</a:tableStyleId>
+              </a:tblPr>
+              <a:tblGrid>
+                <a:gridCol w="1327908">
+                  <a:extLst>
+                    <a:ext uri="{9D8B030D-6E8A-4147-A177-3AD203B41FA5}">
+                      <a16:colId xmlns:a16="http://schemas.microsoft.com/office/drawing/2014/main" val="3542224914"/>
+                    </a:ext>
+                  </a:extLst>
+                </a:gridCol>
+                <a:gridCol w="2296923">
+                  <a:extLst>
+                    <a:ext uri="{9D8B030D-6E8A-4147-A177-3AD203B41FA5}">
+                      <a16:colId xmlns:a16="http://schemas.microsoft.com/office/drawing/2014/main" val="4124841195"/>
+                    </a:ext>
+                  </a:extLst>
+                </a:gridCol>
+                <a:gridCol w="2296923">
+                  <a:extLst>
+                    <a:ext uri="{9D8B030D-6E8A-4147-A177-3AD203B41FA5}">
+                      <a16:colId xmlns:a16="http://schemas.microsoft.com/office/drawing/2014/main" val="3563225021"/>
+                    </a:ext>
+                  </a:extLst>
+                </a:gridCol>
+                <a:gridCol w="2296923">
+                  <a:extLst>
+                    <a:ext uri="{9D8B030D-6E8A-4147-A177-3AD203B41FA5}">
+                      <a16:colId xmlns:a16="http://schemas.microsoft.com/office/drawing/2014/main" val="560856078"/>
+                    </a:ext>
+                  </a:extLst>
+                </a:gridCol>
+                <a:gridCol w="2296923">
+                  <a:extLst>
+                    <a:ext uri="{9D8B030D-6E8A-4147-A177-3AD203B41FA5}">
+                      <a16:colId xmlns:a16="http://schemas.microsoft.com/office/drawing/2014/main" val="3691602866"/>
+                    </a:ext>
+                  </a:extLst>
+                </a:gridCol>
+              </a:tblGrid>
+              <a:tr h="173461">
+                <a:tc>
+                  <a:txBody>
+                    <a:bodyPr/>
+                    <a:lstStyle/>
+                    <a:p>
+                      <a:pPr algn="l" fontAlgn="b">
+                        <a:spcBef>
+                          <a:spcPts val="0"/>
+                        </a:spcBef>
+                        <a:spcAft>
+                          <a:spcPts val="0"/>
+                        </a:spcAft>
+                      </a:pPr>
+                      <a:r>
+                        <a:rPr lang="en-GB" sz="1400" b="1" u="none" strike="noStrike" dirty="0">
+                          <a:effectLst/>
+                        </a:rPr>
+                        <a:t>Attribute</a:t>
+                      </a:r>
+                      <a:endParaRPr lang="en-GB" sz="2800" b="1" i="0" u="none" strike="noStrike" dirty="0">
+                        <a:effectLst/>
+                        <a:latin typeface="Arial" panose="020B0604020202020204" pitchFamily="34" charset="0"/>
+                      </a:endParaRPr>
+                    </a:p>
+                  </a:txBody>
+                  <a:tcPr marL="5741" marR="5741" marT="5741" marB="0" anchor="b"/>
+                </a:tc>
+                <a:tc>
+                  <a:txBody>
+                    <a:bodyPr/>
+                    <a:lstStyle/>
+                    <a:p>
+                      <a:pPr algn="l" fontAlgn="b">
+                        <a:spcBef>
+                          <a:spcPts val="0"/>
+                        </a:spcBef>
+                        <a:spcAft>
+                          <a:spcPts val="0"/>
+                        </a:spcAft>
+                      </a:pPr>
+                      <a:r>
+                        <a:rPr lang="en-GB" sz="1400" b="1" u="none" strike="noStrike">
+                          <a:effectLst/>
+                        </a:rPr>
+                        <a:t>On a Type</a:t>
+                      </a:r>
+                      <a:endParaRPr lang="en-GB" sz="2800" b="1" i="0" u="none" strike="noStrike">
+                        <a:effectLst/>
+                        <a:latin typeface="Arial" panose="020B0604020202020204" pitchFamily="34" charset="0"/>
+                      </a:endParaRPr>
+                    </a:p>
+                  </a:txBody>
+                  <a:tcPr marL="5741" marR="5741" marT="5741" marB="0" anchor="b"/>
+                </a:tc>
+                <a:tc>
+                  <a:txBody>
+                    <a:bodyPr/>
+                    <a:lstStyle/>
+                    <a:p>
+                      <a:pPr algn="l" fontAlgn="b">
+                        <a:spcBef>
+                          <a:spcPts val="0"/>
+                        </a:spcBef>
+                        <a:spcAft>
+                          <a:spcPts val="0"/>
+                        </a:spcAft>
+                      </a:pPr>
+                      <a:r>
+                        <a:rPr lang="en-GB" sz="1400" b="1" u="none" strike="noStrike" dirty="0">
+                          <a:effectLst/>
+                        </a:rPr>
+                        <a:t>On a Property</a:t>
+                      </a:r>
+                      <a:endParaRPr lang="en-GB" sz="2800" b="1" i="0" u="none" strike="noStrike" dirty="0">
+                        <a:effectLst/>
+                        <a:latin typeface="Arial" panose="020B0604020202020204" pitchFamily="34" charset="0"/>
+                      </a:endParaRPr>
+                    </a:p>
+                  </a:txBody>
+                  <a:tcPr marL="5741" marR="5741" marT="5741" marB="0" anchor="b"/>
+                </a:tc>
+                <a:tc>
+                  <a:txBody>
+                    <a:bodyPr/>
+                    <a:lstStyle/>
+                    <a:p>
+                      <a:pPr algn="l" fontAlgn="b">
+                        <a:spcBef>
+                          <a:spcPts val="0"/>
+                        </a:spcBef>
+                        <a:spcAft>
+                          <a:spcPts val="0"/>
+                        </a:spcAft>
+                      </a:pPr>
+                      <a:r>
+                        <a:rPr lang="en-GB" sz="1400" b="1" u="none" strike="noStrike">
+                          <a:effectLst/>
+                        </a:rPr>
+                        <a:t>On a Function</a:t>
+                      </a:r>
+                      <a:endParaRPr lang="en-GB" sz="2800" b="1" i="0" u="none" strike="noStrike">
+                        <a:effectLst/>
+                        <a:latin typeface="Arial" panose="020B0604020202020204" pitchFamily="34" charset="0"/>
+                      </a:endParaRPr>
+                    </a:p>
+                  </a:txBody>
+                  <a:tcPr marL="5741" marR="5741" marT="5741" marB="0" anchor="b"/>
+                </a:tc>
+                <a:tc>
+                  <a:txBody>
+                    <a:bodyPr/>
+                    <a:lstStyle/>
+                    <a:p>
+                      <a:pPr algn="l" fontAlgn="b">
+                        <a:spcBef>
+                          <a:spcPts val="0"/>
+                        </a:spcBef>
+                        <a:spcAft>
+                          <a:spcPts val="0"/>
+                        </a:spcAft>
+                      </a:pPr>
+                      <a:r>
+                        <a:rPr lang="en-GB" sz="1400" b="1" u="none" strike="noStrike" dirty="0">
+                          <a:effectLst/>
+                        </a:rPr>
+                        <a:t>On a Parameter</a:t>
+                      </a:r>
+                      <a:endParaRPr lang="en-GB" sz="2800" b="1" i="0" u="none" strike="noStrike" dirty="0">
+                        <a:effectLst/>
+                        <a:latin typeface="Arial" panose="020B0604020202020204" pitchFamily="34" charset="0"/>
+                      </a:endParaRPr>
+                    </a:p>
+                  </a:txBody>
+                  <a:tcPr marL="5741" marR="5741" marT="5741" marB="0" anchor="b"/>
+                </a:tc>
+                <a:extLst>
+                  <a:ext uri="{0D108BD9-81ED-4DB2-BD59-A6C34878D82A}">
+                    <a16:rowId xmlns:a16="http://schemas.microsoft.com/office/drawing/2014/main" val="3562640899"/>
+                  </a:ext>
+                </a:extLst>
+              </a:tr>
+              <a:tr h="501612">
+                <a:tc>
+                  <a:txBody>
+                    <a:bodyPr/>
+                    <a:lstStyle/>
+                    <a:p>
+                      <a:pPr marL="0" indent="0">
+                        <a:buNone/>
+                      </a:pPr>
+                      <a:r>
+                        <a:rPr lang="en-GB" sz="1200" dirty="0">
+                          <a:hlinkClick r:id="rId2" action="ppaction://hlinksldjump"/>
+                        </a:rPr>
+                        <a:t>[Bounded]</a:t>
+                      </a:r>
+                      <a:endParaRPr lang="en-GB" sz="1200" dirty="0"/>
+                    </a:p>
+                  </a:txBody>
+                  <a:tcPr marL="5741" marR="5741" marT="5741" marB="0" anchor="ctr"/>
+                </a:tc>
+                <a:tc>
+                  <a:txBody>
+                    <a:bodyPr/>
+                    <a:lstStyle/>
+                    <a:p>
+                      <a:pPr algn="l" fontAlgn="b">
+                        <a:spcBef>
+                          <a:spcPts val="0"/>
+                        </a:spcBef>
+                        <a:spcAft>
+                          <a:spcPts val="0"/>
+                        </a:spcAft>
+                      </a:pPr>
+                      <a:r>
+                        <a:rPr lang="en-US" sz="1000" u="none" strike="noStrike" dirty="0">
+                          <a:effectLst/>
+                        </a:rPr>
+                        <a:t>Indicates that the type has few instances, and these should be offered as drop-down choices for any parameter of that type.</a:t>
+                      </a:r>
+                      <a:endParaRPr lang="en-US" sz="1600" b="0" i="0" u="none" strike="noStrike" dirty="0">
+                        <a:effectLst/>
+                        <a:latin typeface="Arial" panose="020B0604020202020204" pitchFamily="34" charset="0"/>
+                      </a:endParaRPr>
+                    </a:p>
+                  </a:txBody>
+                  <a:tcPr marL="5741" marR="5741" marT="5741" marB="0" anchor="b"/>
+                </a:tc>
+                <a:tc gridSpan="3">
+                  <a:txBody>
+                    <a:bodyPr/>
+                    <a:lstStyle/>
+                    <a:p>
+                      <a:pPr algn="l" fontAlgn="b">
+                        <a:spcBef>
+                          <a:spcPts val="0"/>
+                        </a:spcBef>
+                        <a:spcAft>
+                          <a:spcPts val="0"/>
+                        </a:spcAft>
+                      </a:pPr>
+                      <a:r>
+                        <a:rPr lang="en-GB" sz="1000" u="none" strike="noStrike" dirty="0">
+                          <a:effectLst/>
+                        </a:rPr>
+                        <a:t> </a:t>
+                      </a:r>
+                      <a:endParaRPr lang="en-GB" sz="1600" b="0" i="0" u="none" strike="noStrike" dirty="0">
+                        <a:effectLst/>
+                        <a:latin typeface="Arial" panose="020B0604020202020204" pitchFamily="34" charset="0"/>
+                      </a:endParaRPr>
+                    </a:p>
+                  </a:txBody>
+                  <a:tcPr marL="5741" marR="5741" marT="5741" marB="0" anchor="b"/>
+                </a:tc>
+                <a:tc hMerge="1">
+                  <a:txBody>
+                    <a:bodyPr/>
+                    <a:lstStyle/>
+                    <a:p>
+                      <a:endParaRPr lang="en-GB"/>
+                    </a:p>
+                  </a:txBody>
+                  <a:tcPr/>
+                </a:tc>
+                <a:tc hMerge="1">
+                  <a:txBody>
+                    <a:bodyPr/>
+                    <a:lstStyle/>
+                    <a:p>
+                      <a:endParaRPr lang="en-GB"/>
+                    </a:p>
+                  </a:txBody>
+                  <a:tcPr/>
+                </a:tc>
+                <a:extLst>
+                  <a:ext uri="{0D108BD9-81ED-4DB2-BD59-A6C34878D82A}">
+                    <a16:rowId xmlns:a16="http://schemas.microsoft.com/office/drawing/2014/main" val="1375880816"/>
+                  </a:ext>
+                </a:extLst>
+              </a:tr>
+              <a:tr h="592183">
+                <a:tc>
+                  <a:txBody>
+                    <a:bodyPr/>
+                    <a:lstStyle/>
+                    <a:p>
+                      <a:pPr algn="l" fontAlgn="ctr">
+                        <a:spcBef>
+                          <a:spcPts val="0"/>
+                        </a:spcBef>
+                        <a:spcAft>
+                          <a:spcPts val="0"/>
+                        </a:spcAft>
+                      </a:pPr>
+                      <a:r>
+                        <a:rPr lang="en-GB" sz="1200" b="0" u="none" strike="noStrike" dirty="0">
+                          <a:effectLst/>
+                        </a:rPr>
+                        <a:t>[</a:t>
+                      </a:r>
+                      <a:r>
+                        <a:rPr lang="en-GB" sz="1200" b="0" u="none" strike="noStrike" dirty="0" err="1">
+                          <a:effectLst/>
+                        </a:rPr>
+                        <a:t>CreateNew</a:t>
+                      </a:r>
+                      <a:r>
+                        <a:rPr lang="en-GB" sz="1200" b="0" u="none" strike="noStrike" dirty="0">
+                          <a:effectLst/>
+                        </a:rPr>
+                        <a:t>]</a:t>
+                      </a:r>
+                      <a:endParaRPr lang="en-GB" sz="1800" b="0" i="0" u="none" strike="noStrike" dirty="0">
+                        <a:effectLst/>
+                        <a:latin typeface="Arial" panose="020B0604020202020204" pitchFamily="34" charset="0"/>
+                      </a:endParaRPr>
+                    </a:p>
+                  </a:txBody>
+                  <a:tcPr marL="5741" marR="5741" marT="5741" marB="0" anchor="ctr"/>
+                </a:tc>
+                <a:tc>
+                  <a:txBody>
+                    <a:bodyPr/>
+                    <a:lstStyle/>
+                    <a:p>
+                      <a:pPr algn="l" fontAlgn="b">
+                        <a:spcBef>
+                          <a:spcPts val="0"/>
+                        </a:spcBef>
+                        <a:spcAft>
+                          <a:spcPts val="0"/>
+                        </a:spcAft>
+                      </a:pPr>
+                      <a:r>
+                        <a:rPr lang="en-GB" sz="1000" u="none" strike="noStrike">
+                          <a:effectLst/>
+                        </a:rPr>
+                        <a:t> </a:t>
+                      </a:r>
+                      <a:endParaRPr lang="en-GB" sz="1600" b="0" i="0" u="none" strike="noStrike">
+                        <a:effectLst/>
+                        <a:latin typeface="Arial" panose="020B0604020202020204" pitchFamily="34" charset="0"/>
+                      </a:endParaRPr>
+                    </a:p>
+                  </a:txBody>
+                  <a:tcPr marL="5741" marR="5741" marT="5741" marB="0" anchor="b"/>
+                </a:tc>
+                <a:tc>
+                  <a:txBody>
+                    <a:bodyPr/>
+                    <a:lstStyle/>
+                    <a:p>
+                      <a:pPr algn="l" fontAlgn="b">
+                        <a:spcBef>
+                          <a:spcPts val="0"/>
+                        </a:spcBef>
+                        <a:spcAft>
+                          <a:spcPts val="0"/>
+                        </a:spcAft>
+                      </a:pPr>
+                      <a:r>
+                        <a:rPr lang="en-GB" sz="1000" u="none" strike="noStrike" dirty="0">
+                          <a:effectLst/>
+                        </a:rPr>
+                        <a:t> </a:t>
+                      </a:r>
+                      <a:endParaRPr lang="en-GB" sz="1600" b="0" i="0" u="none" strike="noStrike" dirty="0">
+                        <a:effectLst/>
+                        <a:latin typeface="Arial" panose="020B0604020202020204" pitchFamily="34" charset="0"/>
+                      </a:endParaRPr>
+                    </a:p>
+                  </a:txBody>
+                  <a:tcPr marL="5741" marR="5741" marT="5741" marB="0" anchor="b"/>
+                </a:tc>
+                <a:tc>
+                  <a:txBody>
+                    <a:bodyPr/>
+                    <a:lstStyle/>
+                    <a:p>
+                      <a:pPr algn="l" fontAlgn="b">
+                        <a:spcBef>
+                          <a:spcPts val="0"/>
+                        </a:spcBef>
+                        <a:spcAft>
+                          <a:spcPts val="0"/>
+                        </a:spcAft>
+                      </a:pPr>
+                      <a:r>
+                        <a:rPr lang="en-US" sz="1000" u="none" strike="noStrike">
+                          <a:effectLst/>
+                        </a:rPr>
+                        <a:t>Advises client that the instance returned as the first item in the tuple will be a new instance, so the function may be rendered in a way that makes this clear.</a:t>
+                      </a:r>
+                      <a:endParaRPr lang="en-US" sz="1600" b="0" i="0" u="none" strike="noStrike">
+                        <a:effectLst/>
+                        <a:latin typeface="Arial" panose="020B0604020202020204" pitchFamily="34" charset="0"/>
+                      </a:endParaRPr>
+                    </a:p>
+                  </a:txBody>
+                  <a:tcPr marL="5741" marR="5741" marT="5741" marB="0" anchor="b"/>
+                </a:tc>
+                <a:tc>
+                  <a:txBody>
+                    <a:bodyPr/>
+                    <a:lstStyle/>
+                    <a:p>
+                      <a:pPr algn="l" fontAlgn="b">
+                        <a:spcBef>
+                          <a:spcPts val="0"/>
+                        </a:spcBef>
+                        <a:spcAft>
+                          <a:spcPts val="0"/>
+                        </a:spcAft>
+                      </a:pPr>
+                      <a:r>
+                        <a:rPr lang="en-GB" sz="1000" u="none" strike="noStrike">
+                          <a:effectLst/>
+                        </a:rPr>
+                        <a:t> </a:t>
+                      </a:r>
+                      <a:endParaRPr lang="en-GB" sz="1600" b="0" i="0" u="none" strike="noStrike">
+                        <a:effectLst/>
+                        <a:latin typeface="Arial" panose="020B0604020202020204" pitchFamily="34" charset="0"/>
+                      </a:endParaRPr>
+                    </a:p>
+                  </a:txBody>
+                  <a:tcPr marL="5741" marR="5741" marT="5741" marB="0" anchor="b"/>
+                </a:tc>
+                <a:extLst>
+                  <a:ext uri="{0D108BD9-81ED-4DB2-BD59-A6C34878D82A}">
+                    <a16:rowId xmlns:a16="http://schemas.microsoft.com/office/drawing/2014/main" val="3695124648"/>
+                  </a:ext>
+                </a:extLst>
+              </a:tr>
+              <a:tr h="647402">
+                <a:tc>
+                  <a:txBody>
+                    <a:bodyPr/>
+                    <a:lstStyle/>
+                    <a:p>
+                      <a:pPr marL="0" indent="0">
+                        <a:buNone/>
+                      </a:pPr>
+                      <a:r>
+                        <a:rPr lang="en-GB" sz="1200" dirty="0">
+                          <a:hlinkClick r:id="rId3" action="ppaction://hlinksldjump"/>
+                        </a:rPr>
+                        <a:t>[</a:t>
+                      </a:r>
+                      <a:r>
+                        <a:rPr lang="en-GB" sz="1200" dirty="0" err="1">
+                          <a:hlinkClick r:id="rId3" action="ppaction://hlinksldjump"/>
+                        </a:rPr>
+                        <a:t>DefaultValue</a:t>
+                      </a:r>
+                      <a:r>
+                        <a:rPr lang="en-GB" sz="1200" dirty="0">
+                          <a:hlinkClick r:id="rId3" action="ppaction://hlinksldjump"/>
+                        </a:rPr>
+                        <a:t>]</a:t>
+                      </a:r>
+                      <a:endParaRPr lang="en-GB" sz="1200" dirty="0"/>
+                    </a:p>
+                  </a:txBody>
+                  <a:tcPr marL="5741" marR="5741" marT="5741" marB="0" anchor="ctr"/>
+                </a:tc>
+                <a:tc gridSpan="3">
+                  <a:txBody>
+                    <a:bodyPr/>
+                    <a:lstStyle/>
+                    <a:p>
+                      <a:pPr algn="l" fontAlgn="b">
+                        <a:spcBef>
+                          <a:spcPts val="0"/>
+                        </a:spcBef>
+                        <a:spcAft>
+                          <a:spcPts val="0"/>
+                        </a:spcAft>
+                      </a:pPr>
+                      <a:r>
+                        <a:rPr lang="en-GB" sz="1000" u="none" strike="noStrike">
+                          <a:effectLst/>
+                        </a:rPr>
+                        <a:t> </a:t>
+                      </a:r>
+                      <a:endParaRPr lang="en-GB" sz="1600" b="0" i="0" u="none" strike="noStrike">
+                        <a:effectLst/>
+                        <a:latin typeface="Arial" panose="020B0604020202020204" pitchFamily="34" charset="0"/>
+                      </a:endParaRPr>
+                    </a:p>
+                  </a:txBody>
+                  <a:tcPr marL="5741" marR="5741" marT="5741" marB="0" anchor="b"/>
+                </a:tc>
+                <a:tc hMerge="1">
+                  <a:txBody>
+                    <a:bodyPr/>
+                    <a:lstStyle/>
+                    <a:p>
+                      <a:endParaRPr lang="en-GB"/>
+                    </a:p>
+                  </a:txBody>
+                  <a:tcPr/>
+                </a:tc>
+                <a:tc hMerge="1">
+                  <a:txBody>
+                    <a:bodyPr/>
+                    <a:lstStyle/>
+                    <a:p>
+                      <a:endParaRPr lang="en-GB"/>
+                    </a:p>
+                  </a:txBody>
+                  <a:tcPr/>
+                </a:tc>
+                <a:tc>
+                  <a:txBody>
+                    <a:bodyPr/>
+                    <a:lstStyle/>
+                    <a:p>
+                      <a:pPr algn="l" fontAlgn="b">
+                        <a:spcBef>
+                          <a:spcPts val="0"/>
+                        </a:spcBef>
+                        <a:spcAft>
+                          <a:spcPts val="0"/>
+                        </a:spcAft>
+                      </a:pPr>
+                      <a:r>
+                        <a:rPr lang="en-US" sz="1000" u="none" strike="noStrike" dirty="0">
+                          <a:effectLst/>
+                        </a:rPr>
+                        <a:t>Specifies default value for parameter. If used on a </a:t>
+                      </a:r>
+                      <a:r>
+                        <a:rPr lang="en-US" sz="1000" u="none" strike="noStrike" dirty="0" err="1">
+                          <a:effectLst/>
+                        </a:rPr>
+                        <a:t>DateTime</a:t>
+                      </a:r>
+                      <a:r>
+                        <a:rPr lang="en-US" sz="1000" u="none" strike="noStrike" dirty="0">
+                          <a:effectLst/>
+                        </a:rPr>
+                        <a:t>, an integer value indicates a day relative to today e.g. -1 = 'yesterday'.</a:t>
+                      </a:r>
+                      <a:endParaRPr lang="en-US" sz="1600" b="0" i="0" u="none" strike="noStrike" dirty="0">
+                        <a:effectLst/>
+                        <a:latin typeface="Arial" panose="020B0604020202020204" pitchFamily="34" charset="0"/>
+                      </a:endParaRPr>
+                    </a:p>
+                  </a:txBody>
+                  <a:tcPr marL="5741" marR="5741" marT="5741" marB="0" anchor="b"/>
+                </a:tc>
+                <a:extLst>
+                  <a:ext uri="{0D108BD9-81ED-4DB2-BD59-A6C34878D82A}">
+                    <a16:rowId xmlns:a16="http://schemas.microsoft.com/office/drawing/2014/main" val="3571681318"/>
+                  </a:ext>
+                </a:extLst>
+              </a:tr>
+              <a:tr h="190877">
+                <a:tc>
+                  <a:txBody>
+                    <a:bodyPr/>
+                    <a:lstStyle/>
+                    <a:p>
+                      <a:pPr marL="0" indent="0">
+                        <a:buNone/>
+                      </a:pPr>
+                      <a:r>
+                        <a:rPr lang="en-GB" sz="1200" dirty="0">
+                          <a:hlinkClick r:id="rId4" action="ppaction://hlinksldjump"/>
+                        </a:rPr>
+                        <a:t>[</a:t>
+                      </a:r>
+                      <a:r>
+                        <a:rPr lang="en-GB" sz="1200" dirty="0" err="1">
+                          <a:hlinkClick r:id="rId4" action="ppaction://hlinksldjump"/>
+                        </a:rPr>
+                        <a:t>DescribedAs</a:t>
+                      </a:r>
+                      <a:r>
+                        <a:rPr lang="en-GB" sz="1200" dirty="0">
+                          <a:hlinkClick r:id="rId4" action="ppaction://hlinksldjump"/>
+                        </a:rPr>
+                        <a:t>] </a:t>
+                      </a:r>
+                      <a:endParaRPr lang="en-GB" sz="1200" dirty="0"/>
+                    </a:p>
+                  </a:txBody>
+                  <a:tcPr marL="5741" marR="5741" marT="5741" marB="0" anchor="ctr"/>
+                </a:tc>
+                <a:tc gridSpan="4">
+                  <a:txBody>
+                    <a:bodyPr/>
+                    <a:lstStyle/>
+                    <a:p>
+                      <a:pPr algn="ctr" fontAlgn="b">
+                        <a:spcBef>
+                          <a:spcPts val="0"/>
+                        </a:spcBef>
+                        <a:spcAft>
+                          <a:spcPts val="0"/>
+                        </a:spcAft>
+                      </a:pPr>
+                      <a:r>
+                        <a:rPr lang="en-US" sz="1000" u="none" strike="noStrike">
+                          <a:effectLst/>
+                        </a:rPr>
+                        <a:t>Specifies a (short) descriprition, or help, to be rendered as a 'tooltip' or 'placeholder' on the UI, according to the context.</a:t>
+                      </a:r>
+                      <a:endParaRPr lang="en-US" sz="1600" b="0" i="0" u="none" strike="noStrike">
+                        <a:effectLst/>
+                        <a:latin typeface="Arial" panose="020B0604020202020204" pitchFamily="34" charset="0"/>
+                      </a:endParaRPr>
+                    </a:p>
+                  </a:txBody>
+                  <a:tcPr marL="5741" marR="5741" marT="5741" marB="0" anchor="b"/>
+                </a:tc>
+                <a:tc hMerge="1">
+                  <a:txBody>
+                    <a:bodyPr/>
+                    <a:lstStyle/>
+                    <a:p>
+                      <a:endParaRPr lang="en-GB"/>
+                    </a:p>
+                  </a:txBody>
+                  <a:tcPr/>
+                </a:tc>
+                <a:tc hMerge="1">
+                  <a:txBody>
+                    <a:bodyPr/>
+                    <a:lstStyle/>
+                    <a:p>
+                      <a:endParaRPr lang="en-GB"/>
+                    </a:p>
+                  </a:txBody>
+                  <a:tcPr/>
+                </a:tc>
+                <a:tc hMerge="1">
+                  <a:txBody>
+                    <a:bodyPr/>
+                    <a:lstStyle/>
+                    <a:p>
+                      <a:endParaRPr lang="en-GB"/>
+                    </a:p>
+                  </a:txBody>
+                  <a:tcPr/>
+                </a:tc>
+                <a:extLst>
+                  <a:ext uri="{0D108BD9-81ED-4DB2-BD59-A6C34878D82A}">
+                    <a16:rowId xmlns:a16="http://schemas.microsoft.com/office/drawing/2014/main" val="2717213308"/>
+                  </a:ext>
+                </a:extLst>
+              </a:tr>
+              <a:tr h="664789">
+                <a:tc>
+                  <a:txBody>
+                    <a:bodyPr/>
+                    <a:lstStyle/>
+                    <a:p>
+                      <a:pPr marL="0" indent="0">
+                        <a:buNone/>
+                      </a:pPr>
+                      <a:r>
+                        <a:rPr lang="en-GB" sz="1200" dirty="0">
+                          <a:hlinkClick r:id="rId4" action="ppaction://hlinksldjump"/>
+                        </a:rPr>
+                        <a:t>[</a:t>
+                      </a:r>
+                      <a:r>
+                        <a:rPr lang="en-GB" sz="1200" dirty="0" err="1">
+                          <a:hlinkClick r:id="rId4" action="ppaction://hlinksldjump"/>
+                        </a:rPr>
+                        <a:t>DisplayAsProperty</a:t>
+                      </a:r>
+                      <a:r>
+                        <a:rPr lang="en-GB" sz="1200" dirty="0">
+                          <a:hlinkClick r:id="rId4" action="ppaction://hlinksldjump"/>
+                        </a:rPr>
+                        <a:t>]</a:t>
+                      </a:r>
+                      <a:endParaRPr lang="en-GB" sz="1200" dirty="0"/>
+                    </a:p>
+                  </a:txBody>
+                  <a:tcPr marL="5741" marR="5741" marT="5741" marB="0" anchor="ctr"/>
+                </a:tc>
+                <a:tc gridSpan="2">
+                  <a:txBody>
+                    <a:bodyPr/>
+                    <a:lstStyle/>
+                    <a:p>
+                      <a:pPr algn="l" fontAlgn="b">
+                        <a:spcBef>
+                          <a:spcPts val="0"/>
+                        </a:spcBef>
+                        <a:spcAft>
+                          <a:spcPts val="0"/>
+                        </a:spcAft>
+                      </a:pPr>
+                      <a:r>
+                        <a:rPr lang="en-GB" sz="1000" u="none" strike="noStrike">
+                          <a:effectLst/>
+                        </a:rPr>
+                        <a:t> </a:t>
+                      </a:r>
+                      <a:endParaRPr lang="en-GB" sz="1600" b="0" i="0" u="none" strike="noStrike">
+                        <a:effectLst/>
+                        <a:latin typeface="Arial" panose="020B0604020202020204" pitchFamily="34" charset="0"/>
+                      </a:endParaRPr>
+                    </a:p>
+                  </a:txBody>
+                  <a:tcPr marL="5741" marR="5741" marT="5741" marB="0" anchor="b"/>
+                </a:tc>
+                <a:tc hMerge="1">
+                  <a:txBody>
+                    <a:bodyPr/>
+                    <a:lstStyle/>
+                    <a:p>
+                      <a:endParaRPr lang="en-GB"/>
+                    </a:p>
+                  </a:txBody>
+                  <a:tcPr/>
+                </a:tc>
+                <a:tc>
+                  <a:txBody>
+                    <a:bodyPr/>
+                    <a:lstStyle/>
+                    <a:p>
+                      <a:pPr algn="l" fontAlgn="b">
+                        <a:spcBef>
+                          <a:spcPts val="0"/>
+                        </a:spcBef>
+                        <a:spcAft>
+                          <a:spcPts val="0"/>
+                        </a:spcAft>
+                      </a:pPr>
+                      <a:r>
+                        <a:rPr lang="en-US" sz="1000" u="none" strike="noStrike">
+                          <a:effectLst/>
+                        </a:rPr>
+                        <a:t>Applied to a read-only object-contributed function that returns a value, reference, or collection, it will render the function,  as a property on the type. </a:t>
+                      </a:r>
+                      <a:endParaRPr lang="en-US" sz="1600" b="0" i="0" u="none" strike="noStrike">
+                        <a:effectLst/>
+                        <a:latin typeface="Arial" panose="020B0604020202020204" pitchFamily="34" charset="0"/>
+                      </a:endParaRPr>
+                    </a:p>
+                  </a:txBody>
+                  <a:tcPr marL="5741" marR="5741" marT="5741" marB="0" anchor="b"/>
+                </a:tc>
+                <a:tc>
+                  <a:txBody>
+                    <a:bodyPr/>
+                    <a:lstStyle/>
+                    <a:p>
+                      <a:pPr algn="l" fontAlgn="b">
+                        <a:spcBef>
+                          <a:spcPts val="0"/>
+                        </a:spcBef>
+                        <a:spcAft>
+                          <a:spcPts val="0"/>
+                        </a:spcAft>
+                      </a:pPr>
+                      <a:r>
+                        <a:rPr lang="en-GB" sz="1000" u="none" strike="noStrike">
+                          <a:effectLst/>
+                        </a:rPr>
+                        <a:t> </a:t>
+                      </a:r>
+                      <a:endParaRPr lang="en-GB" sz="1600" b="0" i="0" u="none" strike="noStrike">
+                        <a:effectLst/>
+                        <a:latin typeface="Arial" panose="020B0604020202020204" pitchFamily="34" charset="0"/>
+                      </a:endParaRPr>
+                    </a:p>
+                  </a:txBody>
+                  <a:tcPr marL="5741" marR="5741" marT="5741" marB="0" anchor="b"/>
+                </a:tc>
+                <a:extLst>
+                  <a:ext uri="{0D108BD9-81ED-4DB2-BD59-A6C34878D82A}">
+                    <a16:rowId xmlns:a16="http://schemas.microsoft.com/office/drawing/2014/main" val="234469412"/>
+                  </a:ext>
+                </a:extLst>
+              </a:tr>
+              <a:tr h="479810">
+                <a:tc>
+                  <a:txBody>
+                    <a:bodyPr/>
+                    <a:lstStyle/>
+                    <a:p>
+                      <a:pPr algn="l" fontAlgn="ctr">
+                        <a:spcBef>
+                          <a:spcPts val="0"/>
+                        </a:spcBef>
+                        <a:spcAft>
+                          <a:spcPts val="0"/>
+                        </a:spcAft>
+                      </a:pPr>
+                      <a:r>
+                        <a:rPr lang="en-GB" sz="1200" b="0" u="none" strike="noStrike" dirty="0">
+                          <a:effectLst/>
+                        </a:rPr>
+                        <a:t>[Edit] </a:t>
+                      </a:r>
+                      <a:endParaRPr lang="en-GB" sz="1800" b="0" i="0" u="none" strike="noStrike" dirty="0">
+                        <a:effectLst/>
+                        <a:latin typeface="Arial" panose="020B0604020202020204" pitchFamily="34" charset="0"/>
+                      </a:endParaRPr>
+                    </a:p>
+                  </a:txBody>
+                  <a:tcPr marL="5741" marR="5741" marT="5741" marB="0" anchor="ctr"/>
+                </a:tc>
+                <a:tc gridSpan="2">
+                  <a:txBody>
+                    <a:bodyPr/>
+                    <a:lstStyle/>
+                    <a:p>
+                      <a:pPr algn="l" fontAlgn="b">
+                        <a:spcBef>
+                          <a:spcPts val="0"/>
+                        </a:spcBef>
+                        <a:spcAft>
+                          <a:spcPts val="0"/>
+                        </a:spcAft>
+                      </a:pPr>
+                      <a:r>
+                        <a:rPr lang="en-GB" sz="1000" u="none" strike="noStrike">
+                          <a:effectLst/>
+                        </a:rPr>
+                        <a:t> </a:t>
+                      </a:r>
+                      <a:endParaRPr lang="en-GB" sz="1600" b="0" i="0" u="none" strike="noStrike">
+                        <a:effectLst/>
+                        <a:latin typeface="Arial" panose="020B0604020202020204" pitchFamily="34" charset="0"/>
+                      </a:endParaRPr>
+                    </a:p>
+                  </a:txBody>
+                  <a:tcPr marL="5741" marR="5741" marT="5741" marB="0" anchor="b"/>
+                </a:tc>
+                <a:tc hMerge="1">
+                  <a:txBody>
+                    <a:bodyPr/>
+                    <a:lstStyle/>
+                    <a:p>
+                      <a:endParaRPr lang="en-GB"/>
+                    </a:p>
+                  </a:txBody>
+                  <a:tcPr/>
+                </a:tc>
+                <a:tc>
+                  <a:txBody>
+                    <a:bodyPr/>
+                    <a:lstStyle/>
+                    <a:p>
+                      <a:pPr algn="l" fontAlgn="b">
+                        <a:spcBef>
+                          <a:spcPts val="0"/>
+                        </a:spcBef>
+                        <a:spcAft>
+                          <a:spcPts val="0"/>
+                        </a:spcAft>
+                      </a:pPr>
+                      <a:r>
+                        <a:rPr lang="en-US" sz="1000" u="none" strike="noStrike">
+                          <a:effectLst/>
+                        </a:rPr>
+                        <a:t>Advises client that the function creates a new instance and should be rendered accordingly.</a:t>
+                      </a:r>
+                      <a:endParaRPr lang="en-US" sz="1600" b="0" i="0" u="none" strike="noStrike">
+                        <a:effectLst/>
+                        <a:latin typeface="Arial" panose="020B0604020202020204" pitchFamily="34" charset="0"/>
+                      </a:endParaRPr>
+                    </a:p>
+                  </a:txBody>
+                  <a:tcPr marL="5741" marR="5741" marT="5741" marB="0" anchor="b"/>
+                </a:tc>
+                <a:tc>
+                  <a:txBody>
+                    <a:bodyPr/>
+                    <a:lstStyle/>
+                    <a:p>
+                      <a:pPr algn="l" fontAlgn="b">
+                        <a:spcBef>
+                          <a:spcPts val="0"/>
+                        </a:spcBef>
+                        <a:spcAft>
+                          <a:spcPts val="0"/>
+                        </a:spcAft>
+                      </a:pPr>
+                      <a:r>
+                        <a:rPr lang="en-GB" sz="1000" u="none" strike="noStrike">
+                          <a:effectLst/>
+                        </a:rPr>
+                        <a:t> </a:t>
+                      </a:r>
+                      <a:endParaRPr lang="en-GB" sz="1600" b="0" i="0" u="none" strike="noStrike">
+                        <a:effectLst/>
+                        <a:latin typeface="Arial" panose="020B0604020202020204" pitchFamily="34" charset="0"/>
+                      </a:endParaRPr>
+                    </a:p>
+                  </a:txBody>
+                  <a:tcPr marL="5741" marR="5741" marT="5741" marB="0" anchor="b"/>
+                </a:tc>
+                <a:extLst>
+                  <a:ext uri="{0D108BD9-81ED-4DB2-BD59-A6C34878D82A}">
+                    <a16:rowId xmlns:a16="http://schemas.microsoft.com/office/drawing/2014/main" val="2359702833"/>
+                  </a:ext>
+                </a:extLst>
+              </a:tr>
+              <a:tr h="357125">
+                <a:tc>
+                  <a:txBody>
+                    <a:bodyPr/>
+                    <a:lstStyle/>
+                    <a:p>
+                      <a:pPr marL="0" indent="0">
+                        <a:buNone/>
+                      </a:pPr>
+                      <a:r>
+                        <a:rPr lang="en-GB" sz="1200" dirty="0">
+                          <a:hlinkClick r:id="rId5" action="ppaction://hlinksldjump"/>
+                        </a:rPr>
+                        <a:t>[Hidden]</a:t>
+                      </a:r>
+                      <a:endParaRPr lang="en-GB" sz="1200" dirty="0"/>
+                    </a:p>
+                  </a:txBody>
+                  <a:tcPr marL="5741" marR="5741" marT="5741" marB="0" anchor="ctr"/>
+                </a:tc>
+                <a:tc>
+                  <a:txBody>
+                    <a:bodyPr/>
+                    <a:lstStyle/>
+                    <a:p>
+                      <a:pPr algn="l" fontAlgn="b">
+                        <a:spcBef>
+                          <a:spcPts val="0"/>
+                        </a:spcBef>
+                        <a:spcAft>
+                          <a:spcPts val="0"/>
+                        </a:spcAft>
+                      </a:pPr>
+                      <a:r>
+                        <a:rPr lang="en-GB" sz="1000" u="none" strike="noStrike">
+                          <a:effectLst/>
+                        </a:rPr>
+                        <a:t> </a:t>
+                      </a:r>
+                      <a:endParaRPr lang="en-GB" sz="1600" b="0" i="0" u="none" strike="noStrike">
+                        <a:effectLst/>
+                        <a:latin typeface="Arial" panose="020B0604020202020204" pitchFamily="34" charset="0"/>
+                      </a:endParaRPr>
+                    </a:p>
+                  </a:txBody>
+                  <a:tcPr marL="5741" marR="5741" marT="5741" marB="0" anchor="b"/>
+                </a:tc>
+                <a:tc>
+                  <a:txBody>
+                    <a:bodyPr/>
+                    <a:lstStyle/>
+                    <a:p>
+                      <a:pPr algn="l" fontAlgn="b">
+                        <a:spcBef>
+                          <a:spcPts val="0"/>
+                        </a:spcBef>
+                        <a:spcAft>
+                          <a:spcPts val="0"/>
+                        </a:spcAft>
+                      </a:pPr>
+                      <a:r>
+                        <a:rPr lang="en-US" sz="1000" u="none" strike="noStrike">
+                          <a:effectLst/>
+                        </a:rPr>
+                        <a:t>Indicates that a property should never be shown on the UI.</a:t>
+                      </a:r>
+                      <a:endParaRPr lang="en-US" sz="1600" b="0" i="0" u="none" strike="noStrike">
+                        <a:effectLst/>
+                        <a:latin typeface="Arial" panose="020B0604020202020204" pitchFamily="34" charset="0"/>
+                      </a:endParaRPr>
+                    </a:p>
+                  </a:txBody>
+                  <a:tcPr marL="5741" marR="5741" marT="5741" marB="0" anchor="b"/>
+                </a:tc>
+                <a:tc gridSpan="2">
+                  <a:txBody>
+                    <a:bodyPr/>
+                    <a:lstStyle/>
+                    <a:p>
+                      <a:pPr algn="l" fontAlgn="b">
+                        <a:spcBef>
+                          <a:spcPts val="0"/>
+                        </a:spcBef>
+                        <a:spcAft>
+                          <a:spcPts val="0"/>
+                        </a:spcAft>
+                      </a:pPr>
+                      <a:r>
+                        <a:rPr lang="en-GB" sz="1000" u="none" strike="noStrike">
+                          <a:effectLst/>
+                        </a:rPr>
+                        <a:t> </a:t>
+                      </a:r>
+                      <a:endParaRPr lang="en-GB" sz="1600" b="0" i="0" u="none" strike="noStrike">
+                        <a:effectLst/>
+                        <a:latin typeface="Arial" panose="020B0604020202020204" pitchFamily="34" charset="0"/>
+                      </a:endParaRPr>
+                    </a:p>
+                  </a:txBody>
+                  <a:tcPr marL="5741" marR="5741" marT="5741" marB="0" anchor="b"/>
+                </a:tc>
+                <a:tc hMerge="1">
+                  <a:txBody>
+                    <a:bodyPr/>
+                    <a:lstStyle/>
+                    <a:p>
+                      <a:endParaRPr lang="en-GB" dirty="0"/>
+                    </a:p>
+                  </a:txBody>
+                  <a:tcPr/>
+                </a:tc>
+                <a:extLst>
+                  <a:ext uri="{0D108BD9-81ED-4DB2-BD59-A6C34878D82A}">
+                    <a16:rowId xmlns:a16="http://schemas.microsoft.com/office/drawing/2014/main" val="1779337581"/>
+                  </a:ext>
+                </a:extLst>
+              </a:tr>
+              <a:tr h="357125">
+                <a:tc>
+                  <a:txBody>
+                    <a:bodyPr/>
+                    <a:lstStyle/>
+                    <a:p>
+                      <a:pPr marL="0" indent="0">
+                        <a:buNone/>
+                      </a:pPr>
+                      <a:r>
+                        <a:rPr lang="en-GB" sz="1200" dirty="0">
+                          <a:hlinkClick r:id="rId5" action="ppaction://hlinksldjump"/>
+                        </a:rPr>
+                        <a:t>[Mask]</a:t>
+                      </a:r>
+                      <a:endParaRPr lang="en-GB" sz="1200" dirty="0"/>
+                    </a:p>
+                  </a:txBody>
+                  <a:tcPr marL="5741" marR="5741" marT="5741" marB="0" anchor="ctr"/>
+                </a:tc>
+                <a:tc>
+                  <a:txBody>
+                    <a:bodyPr/>
+                    <a:lstStyle/>
+                    <a:p>
+                      <a:pPr algn="l" fontAlgn="b">
+                        <a:spcBef>
+                          <a:spcPts val="0"/>
+                        </a:spcBef>
+                        <a:spcAft>
+                          <a:spcPts val="0"/>
+                        </a:spcAft>
+                      </a:pPr>
+                      <a:r>
+                        <a:rPr lang="en-GB" sz="1000" u="none" strike="noStrike">
+                          <a:effectLst/>
+                        </a:rPr>
+                        <a:t> </a:t>
+                      </a:r>
+                      <a:endParaRPr lang="en-GB" sz="1600" b="0" i="0" u="none" strike="noStrike">
+                        <a:effectLst/>
+                        <a:latin typeface="Arial" panose="020B0604020202020204" pitchFamily="34" charset="0"/>
+                      </a:endParaRPr>
+                    </a:p>
+                  </a:txBody>
+                  <a:tcPr marL="5741" marR="5741" marT="5741" marB="0" anchor="b"/>
+                </a:tc>
+                <a:tc>
+                  <a:txBody>
+                    <a:bodyPr/>
+                    <a:lstStyle/>
+                    <a:p>
+                      <a:pPr algn="l" fontAlgn="b">
+                        <a:spcBef>
+                          <a:spcPts val="0"/>
+                        </a:spcBef>
+                        <a:spcAft>
+                          <a:spcPts val="0"/>
+                        </a:spcAft>
+                      </a:pPr>
+                      <a:r>
+                        <a:rPr lang="en-US" sz="1000" u="none" strike="noStrike">
+                          <a:effectLst/>
+                        </a:rPr>
+                        <a:t>Formast the view of a value using standard Microsoft formats.</a:t>
+                      </a:r>
+                      <a:endParaRPr lang="en-US" sz="1600" b="0" i="0" u="none" strike="noStrike">
+                        <a:effectLst/>
+                        <a:latin typeface="Arial" panose="020B0604020202020204" pitchFamily="34" charset="0"/>
+                      </a:endParaRPr>
+                    </a:p>
+                  </a:txBody>
+                  <a:tcPr marL="5741" marR="5741" marT="5741" marB="0" anchor="b"/>
+                </a:tc>
+                <a:tc gridSpan="2">
+                  <a:txBody>
+                    <a:bodyPr/>
+                    <a:lstStyle/>
+                    <a:p>
+                      <a:pPr algn="l" fontAlgn="b">
+                        <a:spcBef>
+                          <a:spcPts val="0"/>
+                        </a:spcBef>
+                        <a:spcAft>
+                          <a:spcPts val="0"/>
+                        </a:spcAft>
+                      </a:pPr>
+                      <a:r>
+                        <a:rPr lang="en-GB" sz="1000" u="none" strike="noStrike" dirty="0">
+                          <a:effectLst/>
+                        </a:rPr>
+                        <a:t> </a:t>
+                      </a:r>
+                      <a:endParaRPr lang="en-GB" sz="1600" b="0" i="0" u="none" strike="noStrike" dirty="0">
+                        <a:effectLst/>
+                        <a:latin typeface="Arial" panose="020B0604020202020204" pitchFamily="34" charset="0"/>
+                      </a:endParaRPr>
+                    </a:p>
+                  </a:txBody>
+                  <a:tcPr marL="5741" marR="5741" marT="5741" marB="0" anchor="b"/>
+                </a:tc>
+                <a:tc hMerge="1">
+                  <a:txBody>
+                    <a:bodyPr/>
+                    <a:lstStyle/>
+                    <a:p>
+                      <a:endParaRPr lang="en-GB"/>
+                    </a:p>
+                  </a:txBody>
+                  <a:tcPr/>
+                </a:tc>
+                <a:extLst>
+                  <a:ext uri="{0D108BD9-81ED-4DB2-BD59-A6C34878D82A}">
+                    <a16:rowId xmlns:a16="http://schemas.microsoft.com/office/drawing/2014/main" val="558981847"/>
+                  </a:ext>
+                </a:extLst>
+              </a:tr>
+              <a:tr h="357125">
+                <a:tc>
+                  <a:txBody>
+                    <a:bodyPr/>
+                    <a:lstStyle/>
+                    <a:p>
+                      <a:pPr marL="0" indent="0">
+                        <a:buNone/>
+                      </a:pPr>
+                      <a:r>
+                        <a:rPr lang="en-GB" sz="1200" dirty="0">
+                          <a:hlinkClick r:id="rId3" action="ppaction://hlinksldjump"/>
+                        </a:rPr>
+                        <a:t>[</a:t>
+                      </a:r>
+                      <a:r>
+                        <a:rPr lang="en-GB" sz="1200" dirty="0" err="1">
+                          <a:hlinkClick r:id="rId3" action="ppaction://hlinksldjump"/>
+                        </a:rPr>
+                        <a:t>MaxLength</a:t>
+                      </a:r>
+                      <a:r>
+                        <a:rPr lang="en-GB" sz="1200" dirty="0">
+                          <a:hlinkClick r:id="rId3" action="ppaction://hlinksldjump"/>
+                        </a:rPr>
+                        <a:t>]</a:t>
+                      </a:r>
+                      <a:endParaRPr lang="en-GB" sz="1200" dirty="0"/>
+                    </a:p>
+                  </a:txBody>
+                  <a:tcPr marL="6350" marR="6350" marT="6350" marB="0" anchor="ctr"/>
+                </a:tc>
+                <a:tc gridSpan="3">
+                  <a:txBody>
+                    <a:bodyPr/>
+                    <a:lstStyle/>
+                    <a:p>
+                      <a:pPr algn="l" fontAlgn="b"/>
+                      <a:r>
+                        <a:rPr lang="en-GB" sz="1100" b="0" i="0" u="none" strike="noStrike" dirty="0">
+                          <a:solidFill>
+                            <a:srgbClr val="AEAAAA"/>
+                          </a:solidFill>
+                          <a:effectLst/>
+                          <a:latin typeface="Calibri" panose="020F0502020204030204" pitchFamily="34" charset="0"/>
+                        </a:rPr>
+                        <a:t> </a:t>
+                      </a:r>
+                    </a:p>
+                  </a:txBody>
+                  <a:tcPr marL="6350" marR="6350" marT="6350" marB="0" anchor="b"/>
+                </a:tc>
+                <a:tc hMerge="1">
+                  <a:txBody>
+                    <a:bodyPr/>
+                    <a:lstStyle/>
+                    <a:p>
+                      <a:endParaRPr lang="en-GB"/>
+                    </a:p>
+                  </a:txBody>
+                  <a:tcPr/>
+                </a:tc>
+                <a:tc hMerge="1">
+                  <a:txBody>
+                    <a:bodyPr/>
+                    <a:lstStyle/>
+                    <a:p>
+                      <a:endParaRPr lang="en-GB"/>
+                    </a:p>
+                  </a:txBody>
+                  <a:tcPr/>
+                </a:tc>
+                <a:tc>
+                  <a:txBody>
+                    <a:bodyPr/>
+                    <a:lstStyle/>
+                    <a:p>
+                      <a:pPr algn="l" fontAlgn="b"/>
+                      <a:r>
+                        <a:rPr lang="en-US" sz="1100" b="0" i="0" u="none" strike="noStrike" dirty="0">
+                          <a:solidFill>
+                            <a:srgbClr val="000000"/>
+                          </a:solidFill>
+                          <a:effectLst/>
+                          <a:latin typeface="Calibri" panose="020F0502020204030204" pitchFamily="34" charset="0"/>
+                        </a:rPr>
+                        <a:t>Specifies maximum accepted length for a string parameter.</a:t>
+                      </a:r>
+                    </a:p>
+                  </a:txBody>
+                  <a:tcPr marL="6350" marR="6350" marT="6350" marB="0" anchor="b"/>
+                </a:tc>
+                <a:extLst>
+                  <a:ext uri="{0D108BD9-81ED-4DB2-BD59-A6C34878D82A}">
+                    <a16:rowId xmlns:a16="http://schemas.microsoft.com/office/drawing/2014/main" val="1778393643"/>
+                  </a:ext>
+                </a:extLst>
+              </a:tr>
+              <a:tr h="357125">
+                <a:tc>
+                  <a:txBody>
+                    <a:bodyPr/>
+                    <a:lstStyle/>
+                    <a:p>
+                      <a:pPr marL="0" indent="0">
+                        <a:buNone/>
+                      </a:pPr>
+                      <a:r>
+                        <a:rPr lang="en-GB" sz="1200" dirty="0">
+                          <a:hlinkClick r:id="rId5" action="ppaction://hlinksldjump"/>
+                        </a:rPr>
+                        <a:t>[</a:t>
+                      </a:r>
+                      <a:r>
+                        <a:rPr lang="en-GB" sz="1200" dirty="0" err="1">
+                          <a:hlinkClick r:id="rId5" action="ppaction://hlinksldjump"/>
+                        </a:rPr>
+                        <a:t>MemberOrder</a:t>
+                      </a:r>
+                      <a:r>
+                        <a:rPr lang="en-GB" sz="1200" dirty="0">
+                          <a:hlinkClick r:id="rId5" action="ppaction://hlinksldjump"/>
+                        </a:rPr>
+                        <a:t>]</a:t>
+                      </a:r>
+                      <a:endParaRPr lang="en-GB" sz="1200" dirty="0"/>
+                    </a:p>
+                  </a:txBody>
+                  <a:tcPr marL="6350" marR="6350" marT="6350" marB="0" anchor="ctr"/>
+                </a:tc>
+                <a:tc>
+                  <a:txBody>
+                    <a:bodyPr/>
+                    <a:lstStyle/>
+                    <a:p>
+                      <a:pPr algn="l" fontAlgn="b"/>
+                      <a:r>
+                        <a:rPr lang="en-GB" sz="1100" b="0" i="0" u="none" strike="noStrike">
+                          <a:solidFill>
+                            <a:srgbClr val="AEAAAA"/>
+                          </a:solidFill>
+                          <a:effectLst/>
+                          <a:latin typeface="Calibri" panose="020F0502020204030204" pitchFamily="34" charset="0"/>
+                        </a:rPr>
+                        <a:t> </a:t>
+                      </a:r>
+                    </a:p>
+                  </a:txBody>
+                  <a:tcPr marL="6350" marR="6350" marT="6350" marB="0" anchor="b"/>
+                </a:tc>
+                <a:tc>
+                  <a:txBody>
+                    <a:bodyPr/>
+                    <a:lstStyle/>
+                    <a:p>
+                      <a:pPr algn="l" fontAlgn="b"/>
+                      <a:r>
+                        <a:rPr lang="en-US" sz="1100" b="0" i="0" u="none" strike="noStrike" dirty="0">
+                          <a:solidFill>
+                            <a:srgbClr val="000000"/>
+                          </a:solidFill>
+                          <a:effectLst/>
+                          <a:latin typeface="Calibri" panose="020F0502020204030204" pitchFamily="34" charset="0"/>
+                        </a:rPr>
+                        <a:t>Specifies the relative order in which properties (including collections) should be displayed. The 'Grouping' property is currently unused on the client but is indicated on the RESTful API for possible custom use.</a:t>
+                      </a:r>
+                    </a:p>
+                  </a:txBody>
+                  <a:tcPr marL="6350" marR="6350" marT="6350" marB="0" anchor="b"/>
+                </a:tc>
+                <a:tc>
+                  <a:txBody>
+                    <a:bodyPr/>
+                    <a:lstStyle/>
+                    <a:p>
+                      <a:pPr algn="l" fontAlgn="b"/>
+                      <a:r>
+                        <a:rPr lang="en-US" sz="1100" b="0" i="0" u="none" strike="noStrike">
+                          <a:solidFill>
+                            <a:srgbClr val="000000"/>
+                          </a:solidFill>
+                          <a:effectLst/>
+                          <a:latin typeface="Calibri" panose="020F0502020204030204" pitchFamily="34" charset="0"/>
+                        </a:rPr>
+                        <a:t>Specifies the relative order in which functions should be listed within a menu. The 'Grouping' property specifies a sub-menu (in which case the 'Order' property will specify ordering within that sub-menu).</a:t>
+                      </a:r>
+                    </a:p>
+                  </a:txBody>
+                  <a:tcPr marL="6350" marR="6350" marT="6350" marB="0" anchor="b"/>
+                </a:tc>
+                <a:tc>
+                  <a:txBody>
+                    <a:bodyPr/>
+                    <a:lstStyle/>
+                    <a:p>
+                      <a:pPr algn="l" fontAlgn="b"/>
+                      <a:r>
+                        <a:rPr lang="en-GB" sz="1100" b="0" i="0" u="none" strike="noStrike" dirty="0">
+                          <a:solidFill>
+                            <a:srgbClr val="AEAAAA"/>
+                          </a:solidFill>
+                          <a:effectLst/>
+                          <a:latin typeface="Calibri" panose="020F0502020204030204" pitchFamily="34" charset="0"/>
+                        </a:rPr>
+                        <a:t> </a:t>
+                      </a:r>
+                    </a:p>
+                  </a:txBody>
+                  <a:tcPr marL="6350" marR="6350" marT="6350" marB="0" anchor="b"/>
+                </a:tc>
+                <a:extLst>
+                  <a:ext uri="{0D108BD9-81ED-4DB2-BD59-A6C34878D82A}">
+                    <a16:rowId xmlns:a16="http://schemas.microsoft.com/office/drawing/2014/main" val="3219207425"/>
+                  </a:ext>
+                </a:extLst>
+              </a:tr>
+            </a:tbl>
+          </a:graphicData>
+        </a:graphic>
+      </p:graphicFrame>
       <p:sp>
         <p:nvSpPr>
-          <p:cNvPr id="4" name="Content Placeholder 2">
+          <p:cNvPr id="3" name="TextBox 2">
             <a:extLst>
               <a:ext uri="{FF2B5EF4-FFF2-40B4-BE49-F238E27FC236}">
-                <a16:creationId xmlns:a16="http://schemas.microsoft.com/office/drawing/2014/main" id="{CBC9320F-6AC8-4AD4-A723-986DF838B355}"/>
-              </a:ext>
-            </a:extLst>
-          </p:cNvPr>
-          <p:cNvSpPr txBox="1">
-            <a:spLocks/>
-          </p:cNvSpPr>
-          <p:nvPr/>
-        </p:nvSpPr>
-        <p:spPr>
-          <a:xfrm>
-            <a:off x="660129" y="5217014"/>
-            <a:ext cx="10515600" cy="4351338"/>
-          </a:xfrm>
-          <a:prstGeom prst="rect">
-            <a:avLst/>
-          </a:prstGeom>
-        </p:spPr>
-        <p:txBody>
-          <a:bodyPr vert="horz" lIns="91440" tIns="45720" rIns="91440" bIns="45720" rtlCol="0">
-            <a:normAutofit/>
-          </a:bodyPr>
-          <a:lstStyle>
-            <a:lvl1pPr marL="228600" indent="-228600" algn="l" defTabSz="914400" rtl="0" eaLnBrk="1" latinLnBrk="0" hangingPunct="1">
-              <a:lnSpc>
-                <a:spcPct val="90000"/>
-              </a:lnSpc>
-              <a:spcBef>
-                <a:spcPts val="1000"/>
-              </a:spcBef>
-              <a:buFont typeface="Arial" panose="020B0604020202020204" pitchFamily="34" charset="0"/>
-              <a:buChar char="•"/>
-              <a:defRPr sz="2800" kern="1200">
-                <a:solidFill>
-                  <a:schemeClr val="tx1"/>
-                </a:solidFill>
-                <a:latin typeface="+mn-lt"/>
-                <a:ea typeface="+mn-ea"/>
-                <a:cs typeface="+mn-cs"/>
-              </a:defRPr>
-            </a:lvl1pPr>
-            <a:lvl2pPr marL="685800" indent="-228600" algn="l" defTabSz="914400" rtl="0" eaLnBrk="1" latinLnBrk="0" hangingPunct="1">
-              <a:lnSpc>
-                <a:spcPct val="90000"/>
-              </a:lnSpc>
-              <a:spcBef>
-                <a:spcPts val="500"/>
-              </a:spcBef>
-              <a:buFont typeface="Arial" panose="020B0604020202020204" pitchFamily="34" charset="0"/>
-              <a:buChar char="•"/>
-              <a:defRPr sz="2400" kern="1200">
-                <a:solidFill>
-                  <a:schemeClr val="tx1"/>
-                </a:solidFill>
-                <a:latin typeface="+mn-lt"/>
-                <a:ea typeface="+mn-ea"/>
-                <a:cs typeface="+mn-cs"/>
-              </a:defRPr>
-            </a:lvl2pPr>
-            <a:lvl3pPr marL="1143000" indent="-228600" algn="l" defTabSz="914400" rtl="0" eaLnBrk="1" latinLnBrk="0" hangingPunct="1">
-              <a:lnSpc>
-                <a:spcPct val="90000"/>
-              </a:lnSpc>
-              <a:spcBef>
-                <a:spcPts val="500"/>
-              </a:spcBef>
-              <a:buFont typeface="Arial" panose="020B0604020202020204" pitchFamily="34" charset="0"/>
-              <a:buChar char="•"/>
-              <a:defRPr sz="2000" kern="1200">
-                <a:solidFill>
-                  <a:schemeClr val="tx1"/>
-                </a:solidFill>
-                <a:latin typeface="+mn-lt"/>
-                <a:ea typeface="+mn-ea"/>
-                <a:cs typeface="+mn-cs"/>
-              </a:defRPr>
-            </a:lvl3pPr>
-            <a:lvl4pPr marL="1600200" indent="-228600" algn="l" defTabSz="914400" rtl="0" eaLnBrk="1" latinLnBrk="0" hangingPunct="1">
-              <a:lnSpc>
-                <a:spcPct val="90000"/>
-              </a:lnSpc>
-              <a:spcBef>
-                <a:spcPts val="500"/>
-              </a:spcBef>
-              <a:buFont typeface="Arial" panose="020B0604020202020204" pitchFamily="34" charset="0"/>
-              <a:buChar char="•"/>
-              <a:defRPr sz="1800" kern="1200">
-                <a:solidFill>
-                  <a:schemeClr val="tx1"/>
-                </a:solidFill>
-                <a:latin typeface="+mn-lt"/>
-                <a:ea typeface="+mn-ea"/>
-                <a:cs typeface="+mn-cs"/>
-              </a:defRPr>
-            </a:lvl4pPr>
-            <a:lvl5pPr marL="2057400" indent="-228600" algn="l" defTabSz="914400" rtl="0" eaLnBrk="1" latinLnBrk="0" hangingPunct="1">
-              <a:lnSpc>
-                <a:spcPct val="90000"/>
-              </a:lnSpc>
-              <a:spcBef>
-                <a:spcPts val="500"/>
-              </a:spcBef>
-              <a:buFont typeface="Arial" panose="020B0604020202020204" pitchFamily="34" charset="0"/>
-              <a:buChar char="•"/>
-              <a:defRPr sz="1800" kern="1200">
-                <a:solidFill>
-                  <a:schemeClr val="tx1"/>
-                </a:solidFill>
-                <a:latin typeface="+mn-lt"/>
-                <a:ea typeface="+mn-ea"/>
-                <a:cs typeface="+mn-cs"/>
-              </a:defRPr>
-            </a:lvl5pPr>
-            <a:lvl6pPr marL="2514600" indent="-228600" algn="l" defTabSz="914400" rtl="0" eaLnBrk="1" latinLnBrk="0" hangingPunct="1">
-              <a:lnSpc>
-                <a:spcPct val="90000"/>
-              </a:lnSpc>
-              <a:spcBef>
-                <a:spcPts val="500"/>
-              </a:spcBef>
-              <a:buFont typeface="Arial" panose="020B0604020202020204" pitchFamily="34" charset="0"/>
-              <a:buChar char="•"/>
-              <a:defRPr sz="1800" kern="1200">
-                <a:solidFill>
-                  <a:schemeClr val="tx1"/>
-                </a:solidFill>
-                <a:latin typeface="+mn-lt"/>
-                <a:ea typeface="+mn-ea"/>
-                <a:cs typeface="+mn-cs"/>
-              </a:defRPr>
-            </a:lvl6pPr>
-            <a:lvl7pPr marL="2971800" indent="-228600" algn="l" defTabSz="914400" rtl="0" eaLnBrk="1" latinLnBrk="0" hangingPunct="1">
-              <a:lnSpc>
-                <a:spcPct val="90000"/>
-              </a:lnSpc>
-              <a:spcBef>
-                <a:spcPts val="500"/>
-              </a:spcBef>
-              <a:buFont typeface="Arial" panose="020B0604020202020204" pitchFamily="34" charset="0"/>
-              <a:buChar char="•"/>
-              <a:defRPr sz="1800" kern="1200">
-                <a:solidFill>
-                  <a:schemeClr val="tx1"/>
-                </a:solidFill>
-                <a:latin typeface="+mn-lt"/>
-                <a:ea typeface="+mn-ea"/>
-                <a:cs typeface="+mn-cs"/>
-              </a:defRPr>
-            </a:lvl7pPr>
-            <a:lvl8pPr marL="3429000" indent="-228600" algn="l" defTabSz="914400" rtl="0" eaLnBrk="1" latinLnBrk="0" hangingPunct="1">
-              <a:lnSpc>
-                <a:spcPct val="90000"/>
-              </a:lnSpc>
-              <a:spcBef>
-                <a:spcPts val="500"/>
-              </a:spcBef>
-              <a:buFont typeface="Arial" panose="020B0604020202020204" pitchFamily="34" charset="0"/>
-              <a:buChar char="•"/>
-              <a:defRPr sz="1800" kern="1200">
-                <a:solidFill>
-                  <a:schemeClr val="tx1"/>
-                </a:solidFill>
-                <a:latin typeface="+mn-lt"/>
-                <a:ea typeface="+mn-ea"/>
-                <a:cs typeface="+mn-cs"/>
-              </a:defRPr>
-            </a:lvl8pPr>
-            <a:lvl9pPr marL="3886200" indent="-228600" algn="l" defTabSz="914400" rtl="0" eaLnBrk="1" latinLnBrk="0" hangingPunct="1">
-              <a:lnSpc>
-                <a:spcPct val="90000"/>
-              </a:lnSpc>
-              <a:spcBef>
-                <a:spcPts val="500"/>
-              </a:spcBef>
-              <a:buFont typeface="Arial" panose="020B0604020202020204" pitchFamily="34" charset="0"/>
-              <a:buChar char="•"/>
-              <a:defRPr sz="1800" kern="1200">
-                <a:solidFill>
-                  <a:schemeClr val="tx1"/>
-                </a:solidFill>
-                <a:latin typeface="+mn-lt"/>
-                <a:ea typeface="+mn-ea"/>
-                <a:cs typeface="+mn-cs"/>
-              </a:defRPr>
-            </a:lvl9pPr>
-          </a:lstStyle>
-          <a:p>
-            <a:endParaRPr lang="en-GB" sz="2000" dirty="0"/>
-          </a:p>
-          <a:p>
-            <a:endParaRPr lang="en-GB" sz="2000" dirty="0"/>
-          </a:p>
-          <a:p>
-            <a:endParaRPr lang="en-GB" sz="2000" dirty="0"/>
-          </a:p>
-          <a:p>
-            <a:endParaRPr lang="en-GB" sz="2000" dirty="0"/>
-          </a:p>
-          <a:p>
-            <a:endParaRPr lang="en-GB" sz="2000" dirty="0"/>
-          </a:p>
-        </p:txBody>
-      </p:sp>
-      <p:sp>
-        <p:nvSpPr>
-          <p:cNvPr id="5" name="TextBox 4">
-            <a:extLst>
-              <a:ext uri="{FF2B5EF4-FFF2-40B4-BE49-F238E27FC236}">
-                <a16:creationId xmlns:a16="http://schemas.microsoft.com/office/drawing/2014/main" id="{7A3876D6-82B4-410D-92F1-7417DADEBD43}"/>
+                <a16:creationId xmlns:a16="http://schemas.microsoft.com/office/drawing/2014/main" id="{7018CB66-A180-43F1-9180-4A5A1AF544ED}"/>
               </a:ext>
             </a:extLst>
           </p:cNvPr>
@@ -7183,50 +8434,23 @@
         </p:nvSpPr>
         <p:spPr>
           <a:xfrm>
-            <a:off x="7807325" y="5331195"/>
-            <a:ext cx="3130641" cy="646331"/>
+            <a:off x="11007634" y="6550223"/>
+            <a:ext cx="936667" cy="276999"/>
           </a:xfrm>
           <a:prstGeom prst="rect">
             <a:avLst/>
           </a:prstGeom>
-          <a:solidFill>
-            <a:schemeClr val="bg1"/>
-          </a:solidFill>
-          <a:ln w="28575">
-            <a:solidFill>
-              <a:schemeClr val="accent1"/>
-            </a:solidFill>
-          </a:ln>
+          <a:noFill/>
         </p:spPr>
         <p:txBody>
-          <a:bodyPr wrap="square" rtlCol="0">
+          <a:bodyPr wrap="none" rtlCol="0">
             <a:spAutoFit/>
           </a:bodyPr>
           <a:lstStyle/>
           <a:p>
             <a:r>
-              <a:rPr lang="en-GB" sz="1200" dirty="0">
-                <a:solidFill>
-                  <a:srgbClr val="FF0000"/>
-                </a:solidFill>
-              </a:rPr>
-              <a:t>Follow links to see </a:t>
-            </a:r>
-            <a:r>
-              <a:rPr lang="en-GB" sz="1200" i="1" dirty="0">
-                <a:solidFill>
-                  <a:srgbClr val="FF0000"/>
-                </a:solidFill>
-              </a:rPr>
-              <a:t>one</a:t>
-            </a:r>
-            <a:r>
-              <a:rPr lang="en-GB" sz="1200" dirty="0">
-                <a:solidFill>
-                  <a:srgbClr val="FF0000"/>
-                </a:solidFill>
-              </a:rPr>
-              <a:t> example of how the attribute may be used. (Some of the attributes may be used in more than one way.)</a:t>
+              <a:rPr lang="en-GB" sz="1200" dirty="0"/>
+              <a:t>Continued…</a:t>
             </a:r>
           </a:p>
         </p:txBody>
@@ -7234,7 +8458,7 @@
     </p:spTree>
     <p:extLst>
       <p:ext uri="{BB962C8B-B14F-4D97-AF65-F5344CB8AC3E}">
-        <p14:creationId xmlns:p14="http://schemas.microsoft.com/office/powerpoint/2010/main" val="1854532914"/>
+        <p14:creationId xmlns:p14="http://schemas.microsoft.com/office/powerpoint/2010/main" val="300948425"/>
       </p:ext>
     </p:extLst>
   </p:cSld>
@@ -7244,7 +8468,2054 @@
 </p:sld>
 </file>
 
-<file path=ppt/slides/slide15.xml><?xml version="1.0" encoding="utf-8"?>
+<file path=ppt/slides/slide16.xml><?xml version="1.0" encoding="utf-8"?>
+<p:sld xmlns:a="http://schemas.openxmlformats.org/drawingml/2006/main" xmlns:r="http://schemas.openxmlformats.org/officeDocument/2006/relationships" xmlns:p="http://schemas.openxmlformats.org/presentationml/2006/main">
+  <p:cSld>
+    <p:spTree>
+      <p:nvGrpSpPr>
+        <p:cNvPr id="1" name=""/>
+        <p:cNvGrpSpPr/>
+        <p:nvPr/>
+      </p:nvGrpSpPr>
+      <p:grpSpPr>
+        <a:xfrm>
+          <a:off x="0" y="0"/>
+          <a:ext cx="0" cy="0"/>
+          <a:chOff x="0" y="0"/>
+          <a:chExt cx="0" cy="0"/>
+        </a:xfrm>
+      </p:grpSpPr>
+      <p:sp>
+        <p:nvSpPr>
+          <p:cNvPr id="2" name="Title 1">
+            <a:extLst>
+              <a:ext uri="{FF2B5EF4-FFF2-40B4-BE49-F238E27FC236}">
+                <a16:creationId xmlns:a16="http://schemas.microsoft.com/office/drawing/2014/main" id="{0F2F0B7A-0947-4B5E-A93F-4F623DEC3D53}"/>
+              </a:ext>
+            </a:extLst>
+          </p:cNvPr>
+          <p:cNvSpPr>
+            <a:spLocks noGrp="1"/>
+          </p:cNvSpPr>
+          <p:nvPr>
+            <p:ph type="title"/>
+          </p:nvPr>
+        </p:nvSpPr>
+        <p:spPr>
+          <a:xfrm>
+            <a:off x="838200" y="365126"/>
+            <a:ext cx="10515600" cy="549274"/>
+          </a:xfrm>
+        </p:spPr>
+        <p:txBody>
+          <a:bodyPr>
+            <a:normAutofit/>
+          </a:bodyPr>
+          <a:lstStyle/>
+          <a:p>
+            <a:r>
+              <a:rPr lang="en-GB" sz="2800" dirty="0"/>
+              <a:t>Attributes </a:t>
+            </a:r>
+            <a:r>
+              <a:rPr lang="en-GB" sz="2800" dirty="0" err="1"/>
+              <a:t>cont</a:t>
+            </a:r>
+            <a:r>
+              <a:rPr lang="en-GB" sz="2800" dirty="0"/>
+              <a:t>…</a:t>
+            </a:r>
+          </a:p>
+        </p:txBody>
+      </p:sp>
+      <p:graphicFrame>
+        <p:nvGraphicFramePr>
+          <p:cNvPr id="4" name="Table 3">
+            <a:extLst>
+              <a:ext uri="{FF2B5EF4-FFF2-40B4-BE49-F238E27FC236}">
+                <a16:creationId xmlns:a16="http://schemas.microsoft.com/office/drawing/2014/main" id="{6E995CB7-3DC5-4051-85C2-6CD784826BE1}"/>
+              </a:ext>
+            </a:extLst>
+          </p:cNvPr>
+          <p:cNvGraphicFramePr/>
+          <p:nvPr>
+            <p:extLst>
+              <p:ext uri="{D42A27DB-BD31-4B8C-83A1-F6EECF244321}">
+                <p14:modId xmlns:p14="http://schemas.microsoft.com/office/powerpoint/2010/main" val="4171773014"/>
+              </p:ext>
+            </p:extLst>
+          </p:nvPr>
+        </p:nvGraphicFramePr>
+        <p:xfrm>
+          <a:off x="838200" y="875243"/>
+          <a:ext cx="10515600" cy="5714138"/>
+        </p:xfrm>
+        <a:graphic>
+          <a:graphicData uri="http://schemas.openxmlformats.org/drawingml/2006/table">
+            <a:tbl>
+              <a:tblPr>
+                <a:tableStyleId>{5C22544A-7EE6-4342-B048-85BDC9FD1C3A}</a:tableStyleId>
+              </a:tblPr>
+              <a:tblGrid>
+                <a:gridCol w="1327908">
+                  <a:extLst>
+                    <a:ext uri="{9D8B030D-6E8A-4147-A177-3AD203B41FA5}">
+                      <a16:colId xmlns:a16="http://schemas.microsoft.com/office/drawing/2014/main" val="3542224914"/>
+                    </a:ext>
+                  </a:extLst>
+                </a:gridCol>
+                <a:gridCol w="2296923">
+                  <a:extLst>
+                    <a:ext uri="{9D8B030D-6E8A-4147-A177-3AD203B41FA5}">
+                      <a16:colId xmlns:a16="http://schemas.microsoft.com/office/drawing/2014/main" val="4124841195"/>
+                    </a:ext>
+                  </a:extLst>
+                </a:gridCol>
+                <a:gridCol w="2296923">
+                  <a:extLst>
+                    <a:ext uri="{9D8B030D-6E8A-4147-A177-3AD203B41FA5}">
+                      <a16:colId xmlns:a16="http://schemas.microsoft.com/office/drawing/2014/main" val="3563225021"/>
+                    </a:ext>
+                  </a:extLst>
+                </a:gridCol>
+                <a:gridCol w="2296923">
+                  <a:extLst>
+                    <a:ext uri="{9D8B030D-6E8A-4147-A177-3AD203B41FA5}">
+                      <a16:colId xmlns:a16="http://schemas.microsoft.com/office/drawing/2014/main" val="560856078"/>
+                    </a:ext>
+                  </a:extLst>
+                </a:gridCol>
+                <a:gridCol w="2296923">
+                  <a:extLst>
+                    <a:ext uri="{9D8B030D-6E8A-4147-A177-3AD203B41FA5}">
+                      <a16:colId xmlns:a16="http://schemas.microsoft.com/office/drawing/2014/main" val="3691602866"/>
+                    </a:ext>
+                  </a:extLst>
+                </a:gridCol>
+              </a:tblGrid>
+              <a:tr h="190877">
+                <a:tc>
+                  <a:txBody>
+                    <a:bodyPr/>
+                    <a:lstStyle/>
+                    <a:p>
+                      <a:pPr algn="l" fontAlgn="b">
+                        <a:spcBef>
+                          <a:spcPts val="0"/>
+                        </a:spcBef>
+                        <a:spcAft>
+                          <a:spcPts val="0"/>
+                        </a:spcAft>
+                      </a:pPr>
+                      <a:r>
+                        <a:rPr lang="en-GB" sz="1400" b="1" u="none" strike="noStrike" dirty="0">
+                          <a:effectLst/>
+                        </a:rPr>
+                        <a:t>Attribute</a:t>
+                      </a:r>
+                      <a:endParaRPr lang="en-GB" sz="2800" b="1" i="0" u="none" strike="noStrike" dirty="0">
+                        <a:effectLst/>
+                        <a:latin typeface="Arial" panose="020B0604020202020204" pitchFamily="34" charset="0"/>
+                      </a:endParaRPr>
+                    </a:p>
+                  </a:txBody>
+                  <a:tcPr marL="5741" marR="5741" marT="5741" marB="0" anchor="b"/>
+                </a:tc>
+                <a:tc>
+                  <a:txBody>
+                    <a:bodyPr/>
+                    <a:lstStyle/>
+                    <a:p>
+                      <a:pPr algn="l" fontAlgn="b">
+                        <a:spcBef>
+                          <a:spcPts val="0"/>
+                        </a:spcBef>
+                        <a:spcAft>
+                          <a:spcPts val="0"/>
+                        </a:spcAft>
+                      </a:pPr>
+                      <a:r>
+                        <a:rPr lang="en-GB" sz="1400" b="1" u="none" strike="noStrike">
+                          <a:effectLst/>
+                        </a:rPr>
+                        <a:t>On a Type</a:t>
+                      </a:r>
+                      <a:endParaRPr lang="en-GB" sz="2800" b="1" i="0" u="none" strike="noStrike">
+                        <a:effectLst/>
+                        <a:latin typeface="Arial" panose="020B0604020202020204" pitchFamily="34" charset="0"/>
+                      </a:endParaRPr>
+                    </a:p>
+                  </a:txBody>
+                  <a:tcPr marL="5741" marR="5741" marT="5741" marB="0" anchor="b"/>
+                </a:tc>
+                <a:tc>
+                  <a:txBody>
+                    <a:bodyPr/>
+                    <a:lstStyle/>
+                    <a:p>
+                      <a:pPr algn="l" fontAlgn="b">
+                        <a:spcBef>
+                          <a:spcPts val="0"/>
+                        </a:spcBef>
+                        <a:spcAft>
+                          <a:spcPts val="0"/>
+                        </a:spcAft>
+                      </a:pPr>
+                      <a:r>
+                        <a:rPr lang="en-GB" sz="1400" b="1" u="none" strike="noStrike">
+                          <a:effectLst/>
+                        </a:rPr>
+                        <a:t>On a Property</a:t>
+                      </a:r>
+                      <a:endParaRPr lang="en-GB" sz="2800" b="1" i="0" u="none" strike="noStrike">
+                        <a:effectLst/>
+                        <a:latin typeface="Arial" panose="020B0604020202020204" pitchFamily="34" charset="0"/>
+                      </a:endParaRPr>
+                    </a:p>
+                  </a:txBody>
+                  <a:tcPr marL="5741" marR="5741" marT="5741" marB="0" anchor="b"/>
+                </a:tc>
+                <a:tc>
+                  <a:txBody>
+                    <a:bodyPr/>
+                    <a:lstStyle/>
+                    <a:p>
+                      <a:pPr algn="l" fontAlgn="b">
+                        <a:spcBef>
+                          <a:spcPts val="0"/>
+                        </a:spcBef>
+                        <a:spcAft>
+                          <a:spcPts val="0"/>
+                        </a:spcAft>
+                      </a:pPr>
+                      <a:r>
+                        <a:rPr lang="en-GB" sz="1400" b="1" u="none" strike="noStrike">
+                          <a:effectLst/>
+                        </a:rPr>
+                        <a:t>On a Function</a:t>
+                      </a:r>
+                      <a:endParaRPr lang="en-GB" sz="2800" b="1" i="0" u="none" strike="noStrike">
+                        <a:effectLst/>
+                        <a:latin typeface="Arial" panose="020B0604020202020204" pitchFamily="34" charset="0"/>
+                      </a:endParaRPr>
+                    </a:p>
+                  </a:txBody>
+                  <a:tcPr marL="5741" marR="5741" marT="5741" marB="0" anchor="b"/>
+                </a:tc>
+                <a:tc>
+                  <a:txBody>
+                    <a:bodyPr/>
+                    <a:lstStyle/>
+                    <a:p>
+                      <a:pPr algn="l" fontAlgn="b">
+                        <a:spcBef>
+                          <a:spcPts val="0"/>
+                        </a:spcBef>
+                        <a:spcAft>
+                          <a:spcPts val="0"/>
+                        </a:spcAft>
+                      </a:pPr>
+                      <a:r>
+                        <a:rPr lang="en-GB" sz="1400" b="1" u="none" strike="noStrike" dirty="0">
+                          <a:effectLst/>
+                        </a:rPr>
+                        <a:t>On a Parameter</a:t>
+                      </a:r>
+                      <a:endParaRPr lang="en-GB" sz="2800" b="1" i="0" u="none" strike="noStrike" dirty="0">
+                        <a:effectLst/>
+                        <a:latin typeface="Arial" panose="020B0604020202020204" pitchFamily="34" charset="0"/>
+                      </a:endParaRPr>
+                    </a:p>
+                  </a:txBody>
+                  <a:tcPr marL="5741" marR="5741" marT="5741" marB="0" anchor="b"/>
+                </a:tc>
+                <a:extLst>
+                  <a:ext uri="{0D108BD9-81ED-4DB2-BD59-A6C34878D82A}">
+                    <a16:rowId xmlns:a16="http://schemas.microsoft.com/office/drawing/2014/main" val="3562640899"/>
+                  </a:ext>
+                </a:extLst>
+              </a:tr>
+              <a:tr h="714249">
+                <a:tc>
+                  <a:txBody>
+                    <a:bodyPr/>
+                    <a:lstStyle/>
+                    <a:p>
+                      <a:pPr marL="0" indent="0">
+                        <a:buNone/>
+                      </a:pPr>
+                      <a:r>
+                        <a:rPr lang="en-GB" sz="1200" dirty="0">
+                          <a:hlinkClick r:id="rId2" action="ppaction://hlinksldjump"/>
+                        </a:rPr>
+                        <a:t>[</a:t>
+                      </a:r>
+                      <a:r>
+                        <a:rPr lang="en-GB" sz="1200" dirty="0" err="1">
+                          <a:hlinkClick r:id="rId2" action="ppaction://hlinksldjump"/>
+                        </a:rPr>
+                        <a:t>MinLength</a:t>
+                      </a:r>
+                      <a:r>
+                        <a:rPr lang="en-GB" sz="1200" dirty="0">
+                          <a:hlinkClick r:id="rId2" action="ppaction://hlinksldjump"/>
+                        </a:rPr>
+                        <a:t>]</a:t>
+                      </a:r>
+                      <a:endParaRPr lang="en-GB" sz="1200" dirty="0"/>
+                    </a:p>
+                  </a:txBody>
+                  <a:tcPr marL="6350" marR="6350" marT="6350" marB="0" anchor="ctr"/>
+                </a:tc>
+                <a:tc gridSpan="3">
+                  <a:txBody>
+                    <a:bodyPr/>
+                    <a:lstStyle/>
+                    <a:p>
+                      <a:pPr algn="l" fontAlgn="b"/>
+                      <a:r>
+                        <a:rPr lang="en-GB" sz="1100" b="0" i="0" u="none" strike="noStrike">
+                          <a:solidFill>
+                            <a:srgbClr val="AEAAAA"/>
+                          </a:solidFill>
+                          <a:effectLst/>
+                          <a:latin typeface="Calibri" panose="020F0502020204030204" pitchFamily="34" charset="0"/>
+                        </a:rPr>
+                        <a:t> </a:t>
+                      </a:r>
+                    </a:p>
+                  </a:txBody>
+                  <a:tcPr marL="6350" marR="6350" marT="6350" marB="0" anchor="b"/>
+                </a:tc>
+                <a:tc hMerge="1">
+                  <a:txBody>
+                    <a:bodyPr/>
+                    <a:lstStyle/>
+                    <a:p>
+                      <a:endParaRPr lang="en-GB"/>
+                    </a:p>
+                  </a:txBody>
+                  <a:tcPr/>
+                </a:tc>
+                <a:tc hMerge="1">
+                  <a:txBody>
+                    <a:bodyPr/>
+                    <a:lstStyle/>
+                    <a:p>
+                      <a:endParaRPr lang="en-GB"/>
+                    </a:p>
+                  </a:txBody>
+                  <a:tcPr/>
+                </a:tc>
+                <a:tc>
+                  <a:txBody>
+                    <a:bodyPr/>
+                    <a:lstStyle/>
+                    <a:p>
+                      <a:pPr algn="l" fontAlgn="b"/>
+                      <a:r>
+                        <a:rPr lang="en-US" sz="1100" b="0" i="0" u="none" strike="noStrike" dirty="0">
+                          <a:solidFill>
+                            <a:srgbClr val="000000"/>
+                          </a:solidFill>
+                          <a:effectLst/>
+                          <a:latin typeface="Calibri" panose="020F0502020204030204" pitchFamily="34" charset="0"/>
+                        </a:rPr>
+                        <a:t>Specifies </a:t>
+                      </a:r>
+                      <a:r>
+                        <a:rPr lang="en-US" sz="1100" b="0" i="0" u="none" strike="noStrike" dirty="0" err="1">
+                          <a:solidFill>
+                            <a:srgbClr val="000000"/>
+                          </a:solidFill>
+                          <a:effectLst/>
+                          <a:latin typeface="Calibri" panose="020F0502020204030204" pitchFamily="34" charset="0"/>
+                        </a:rPr>
+                        <a:t>minumum</a:t>
+                      </a:r>
+                      <a:r>
+                        <a:rPr lang="en-US" sz="1100" b="0" i="0" u="none" strike="noStrike" dirty="0">
+                          <a:solidFill>
+                            <a:srgbClr val="000000"/>
+                          </a:solidFill>
+                          <a:effectLst/>
+                          <a:latin typeface="Calibri" panose="020F0502020204030204" pitchFamily="34" charset="0"/>
+                        </a:rPr>
+                        <a:t> accepted length for a string parameter. If used on the string parameter of an AutoComplete complementary function, specifies the minimum number of characters that must be typed before the auto-complete function will be engaged.</a:t>
+                      </a:r>
+                    </a:p>
+                  </a:txBody>
+                  <a:tcPr marL="6350" marR="6350" marT="6350" marB="0" anchor="b"/>
+                </a:tc>
+                <a:extLst>
+                  <a:ext uri="{0D108BD9-81ED-4DB2-BD59-A6C34878D82A}">
+                    <a16:rowId xmlns:a16="http://schemas.microsoft.com/office/drawing/2014/main" val="3571681318"/>
+                  </a:ext>
+                </a:extLst>
+              </a:tr>
+              <a:tr h="190877">
+                <a:tc>
+                  <a:txBody>
+                    <a:bodyPr/>
+                    <a:lstStyle/>
+                    <a:p>
+                      <a:pPr algn="l" fontAlgn="ctr"/>
+                      <a:r>
+                        <a:rPr lang="en-GB" sz="1200" b="0" i="0" u="none" strike="noStrike">
+                          <a:solidFill>
+                            <a:srgbClr val="000000"/>
+                          </a:solidFill>
+                          <a:effectLst/>
+                          <a:latin typeface="Calibri" panose="020F0502020204030204" pitchFamily="34" charset="0"/>
+                        </a:rPr>
+                        <a:t>[MultiLine]</a:t>
+                      </a:r>
+                    </a:p>
+                  </a:txBody>
+                  <a:tcPr marL="6350" marR="6350" marT="6350" marB="0" anchor="ctr"/>
+                </a:tc>
+                <a:tc>
+                  <a:txBody>
+                    <a:bodyPr/>
+                    <a:lstStyle/>
+                    <a:p>
+                      <a:pPr algn="l" fontAlgn="b"/>
+                      <a:r>
+                        <a:rPr lang="en-GB" sz="1100" b="0" i="0" u="none" strike="noStrike">
+                          <a:solidFill>
+                            <a:srgbClr val="AEAAAA"/>
+                          </a:solidFill>
+                          <a:effectLst/>
+                          <a:latin typeface="Calibri" panose="020F0502020204030204" pitchFamily="34" charset="0"/>
+                        </a:rPr>
+                        <a:t> </a:t>
+                      </a:r>
+                    </a:p>
+                  </a:txBody>
+                  <a:tcPr marL="6350" marR="6350" marT="6350" marB="0" anchor="b"/>
+                </a:tc>
+                <a:tc>
+                  <a:txBody>
+                    <a:bodyPr/>
+                    <a:lstStyle/>
+                    <a:p>
+                      <a:pPr algn="l" fontAlgn="b"/>
+                      <a:r>
+                        <a:rPr lang="en-US" sz="1100" b="0" i="0" u="none" strike="noStrike">
+                          <a:solidFill>
+                            <a:srgbClr val="000000"/>
+                          </a:solidFill>
+                          <a:effectLst/>
+                          <a:latin typeface="Calibri" panose="020F0502020204030204" pitchFamily="34" charset="0"/>
+                        </a:rPr>
+                        <a:t>Specifies that a string property should be rendered as a multi-line text field, with specified number of lines,  scrollable.  The Width property is unused by the current client, but is exposed on the Resftul API for custom use.</a:t>
+                      </a:r>
+                    </a:p>
+                  </a:txBody>
+                  <a:tcPr marL="6350" marR="6350" marT="6350" marB="0" anchor="b"/>
+                </a:tc>
+                <a:tc>
+                  <a:txBody>
+                    <a:bodyPr/>
+                    <a:lstStyle/>
+                    <a:p>
+                      <a:pPr algn="l" fontAlgn="t"/>
+                      <a:r>
+                        <a:rPr lang="en-US" sz="1100" b="0" i="0" u="none" strike="noStrike" dirty="0">
+                          <a:solidFill>
+                            <a:srgbClr val="000000"/>
+                          </a:solidFill>
+                          <a:effectLst/>
+                          <a:latin typeface="Calibri" panose="020F0502020204030204" pitchFamily="34" charset="0"/>
+                        </a:rPr>
+                        <a:t>Specifies that the user may invoke the corresponding action repeatedly - building up a table of entries.</a:t>
+                      </a:r>
+                    </a:p>
+                  </a:txBody>
+                  <a:tcPr marL="6350" marR="6350" marT="6350" marB="0"/>
+                </a:tc>
+                <a:tc>
+                  <a:txBody>
+                    <a:bodyPr/>
+                    <a:lstStyle/>
+                    <a:p>
+                      <a:pPr algn="l" fontAlgn="b"/>
+                      <a:r>
+                        <a:rPr lang="en-US" sz="1100" b="0" i="0" u="none" strike="noStrike">
+                          <a:solidFill>
+                            <a:srgbClr val="000000"/>
+                          </a:solidFill>
+                          <a:effectLst/>
+                          <a:latin typeface="Calibri" panose="020F0502020204030204" pitchFamily="34" charset="0"/>
+                        </a:rPr>
+                        <a:t>Specifies that a string parameter should be rendered as a multi-line text field, with specified number of lines,  scrollable.  The Width property is unused by the current client, but is exposed on the Resftul API for custom use.</a:t>
+                      </a:r>
+                    </a:p>
+                  </a:txBody>
+                  <a:tcPr marL="6350" marR="6350" marT="6350" marB="0" anchor="b"/>
+                </a:tc>
+                <a:extLst>
+                  <a:ext uri="{0D108BD9-81ED-4DB2-BD59-A6C34878D82A}">
+                    <a16:rowId xmlns:a16="http://schemas.microsoft.com/office/drawing/2014/main" val="2717213308"/>
+                  </a:ext>
+                </a:extLst>
+              </a:tr>
+              <a:tr h="407670">
+                <a:tc>
+                  <a:txBody>
+                    <a:bodyPr/>
+                    <a:lstStyle/>
+                    <a:p>
+                      <a:pPr marL="0" indent="0">
+                        <a:buNone/>
+                      </a:pPr>
+                      <a:r>
+                        <a:rPr lang="en-GB" sz="1200" dirty="0">
+                          <a:hlinkClick r:id="rId3" action="ppaction://hlinksldjump"/>
+                        </a:rPr>
+                        <a:t>[Named]</a:t>
+                      </a:r>
+                      <a:endParaRPr lang="en-GB" sz="1200" dirty="0"/>
+                    </a:p>
+                  </a:txBody>
+                  <a:tcPr marL="6350" marR="6350" marT="6350" marB="0" anchor="ctr"/>
+                </a:tc>
+                <a:tc gridSpan="4">
+                  <a:txBody>
+                    <a:bodyPr/>
+                    <a:lstStyle/>
+                    <a:p>
+                      <a:pPr algn="ctr" fontAlgn="b"/>
+                      <a:r>
+                        <a:rPr lang="en-US" sz="1100" b="0" i="0" u="none" strike="noStrike">
+                          <a:solidFill>
+                            <a:srgbClr val="000000"/>
+                          </a:solidFill>
+                          <a:effectLst/>
+                          <a:latin typeface="Calibri" panose="020F0502020204030204" pitchFamily="34" charset="0"/>
+                        </a:rPr>
+                        <a:t>Overrides the default name that would have been derived from the type/property/function/parameter name. Useful where, for example, the name presented to the user needs to include punctuation or symbols that cannot be used in a C# identifier.</a:t>
+                      </a:r>
+                    </a:p>
+                  </a:txBody>
+                  <a:tcPr marL="6350" marR="6350" marT="6350" marB="0" anchor="b"/>
+                </a:tc>
+                <a:tc hMerge="1">
+                  <a:txBody>
+                    <a:bodyPr/>
+                    <a:lstStyle/>
+                    <a:p>
+                      <a:endParaRPr lang="en-GB"/>
+                    </a:p>
+                  </a:txBody>
+                  <a:tcPr/>
+                </a:tc>
+                <a:tc hMerge="1">
+                  <a:txBody>
+                    <a:bodyPr/>
+                    <a:lstStyle/>
+                    <a:p>
+                      <a:endParaRPr lang="en-GB"/>
+                    </a:p>
+                  </a:txBody>
+                  <a:tcPr/>
+                </a:tc>
+                <a:tc hMerge="1">
+                  <a:txBody>
+                    <a:bodyPr/>
+                    <a:lstStyle/>
+                    <a:p>
+                      <a:endParaRPr lang="en-GB"/>
+                    </a:p>
+                  </a:txBody>
+                  <a:tcPr/>
+                </a:tc>
+                <a:extLst>
+                  <a:ext uri="{0D108BD9-81ED-4DB2-BD59-A6C34878D82A}">
+                    <a16:rowId xmlns:a16="http://schemas.microsoft.com/office/drawing/2014/main" val="234469412"/>
+                  </a:ext>
+                </a:extLst>
+              </a:tr>
+              <a:tr h="535687">
+                <a:tc>
+                  <a:txBody>
+                    <a:bodyPr/>
+                    <a:lstStyle/>
+                    <a:p>
+                      <a:pPr marL="0" indent="0">
+                        <a:buNone/>
+                      </a:pPr>
+                      <a:r>
+                        <a:rPr lang="en-GB" sz="1200" dirty="0">
+                          <a:hlinkClick r:id="rId4" action="ppaction://hlinksldjump"/>
+                        </a:rPr>
+                        <a:t>[Optionally]</a:t>
+                      </a:r>
+                      <a:endParaRPr lang="en-GB" sz="1200" dirty="0"/>
+                    </a:p>
+                  </a:txBody>
+                  <a:tcPr marL="6350" marR="6350" marT="6350" marB="0" anchor="ctr"/>
+                </a:tc>
+                <a:tc gridSpan="3">
+                  <a:txBody>
+                    <a:bodyPr/>
+                    <a:lstStyle/>
+                    <a:p>
+                      <a:pPr algn="l" fontAlgn="b"/>
+                      <a:r>
+                        <a:rPr lang="en-GB" sz="1100" b="0" i="0" u="none" strike="noStrike">
+                          <a:solidFill>
+                            <a:srgbClr val="AEAAAA"/>
+                          </a:solidFill>
+                          <a:effectLst/>
+                          <a:latin typeface="Calibri" panose="020F0502020204030204" pitchFamily="34" charset="0"/>
+                        </a:rPr>
+                        <a:t> </a:t>
+                      </a:r>
+                    </a:p>
+                  </a:txBody>
+                  <a:tcPr marL="6350" marR="6350" marT="6350" marB="0" anchor="b"/>
+                </a:tc>
+                <a:tc hMerge="1">
+                  <a:txBody>
+                    <a:bodyPr/>
+                    <a:lstStyle/>
+                    <a:p>
+                      <a:endParaRPr lang="en-GB"/>
+                    </a:p>
+                  </a:txBody>
+                  <a:tcPr/>
+                </a:tc>
+                <a:tc hMerge="1">
+                  <a:txBody>
+                    <a:bodyPr/>
+                    <a:lstStyle/>
+                    <a:p>
+                      <a:endParaRPr lang="en-GB"/>
+                    </a:p>
+                  </a:txBody>
+                  <a:tcPr/>
+                </a:tc>
+                <a:tc>
+                  <a:txBody>
+                    <a:bodyPr/>
+                    <a:lstStyle/>
+                    <a:p>
+                      <a:pPr algn="l" fontAlgn="b"/>
+                      <a:r>
+                        <a:rPr lang="en-US" sz="1100" b="0" i="0" u="none" strike="noStrike" dirty="0">
+                          <a:solidFill>
+                            <a:srgbClr val="000000"/>
+                          </a:solidFill>
+                          <a:effectLst/>
+                          <a:latin typeface="Calibri" panose="020F0502020204030204" pitchFamily="34" charset="0"/>
+                        </a:rPr>
+                        <a:t>Specifies that the parameter is optional within a dialog. The client will not then render a '*' in the field, nor require an entry in the field before the user may click 'OK'.</a:t>
+                      </a:r>
+                    </a:p>
+                  </a:txBody>
+                  <a:tcPr marL="6350" marR="6350" marT="6350" marB="0" anchor="b"/>
+                </a:tc>
+                <a:extLst>
+                  <a:ext uri="{0D108BD9-81ED-4DB2-BD59-A6C34878D82A}">
+                    <a16:rowId xmlns:a16="http://schemas.microsoft.com/office/drawing/2014/main" val="2359702833"/>
+                  </a:ext>
+                </a:extLst>
+              </a:tr>
+              <a:tr h="535687">
+                <a:tc>
+                  <a:txBody>
+                    <a:bodyPr/>
+                    <a:lstStyle/>
+                    <a:p>
+                      <a:pPr marL="0" indent="0">
+                        <a:buNone/>
+                      </a:pPr>
+                      <a:r>
+                        <a:rPr lang="en-GB" sz="1200" dirty="0">
+                          <a:hlinkClick r:id="rId5" action="ppaction://hlinksldjump"/>
+                        </a:rPr>
+                        <a:t>[</a:t>
+                      </a:r>
+                      <a:r>
+                        <a:rPr lang="en-GB" sz="1200" dirty="0" err="1">
+                          <a:hlinkClick r:id="rId5" action="ppaction://hlinksldjump"/>
+                        </a:rPr>
+                        <a:t>PageSize</a:t>
+                      </a:r>
+                      <a:r>
+                        <a:rPr lang="en-GB" sz="1200" dirty="0">
+                          <a:hlinkClick r:id="rId5" action="ppaction://hlinksldjump"/>
+                        </a:rPr>
+                        <a:t>]</a:t>
+                      </a:r>
+                      <a:endParaRPr lang="en-GB" sz="1200" dirty="0"/>
+                    </a:p>
+                  </a:txBody>
+                  <a:tcPr marL="6350" marR="6350" marT="6350" marB="0" anchor="ctr"/>
+                </a:tc>
+                <a:tc gridSpan="2">
+                  <a:txBody>
+                    <a:bodyPr/>
+                    <a:lstStyle/>
+                    <a:p>
+                      <a:pPr algn="l" fontAlgn="b"/>
+                      <a:r>
+                        <a:rPr lang="en-GB" sz="1100" b="0" i="0" u="none" strike="noStrike" dirty="0">
+                          <a:solidFill>
+                            <a:srgbClr val="AEAAAA"/>
+                          </a:solidFill>
+                          <a:effectLst/>
+                          <a:latin typeface="Calibri" panose="020F0502020204030204" pitchFamily="34" charset="0"/>
+                        </a:rPr>
+                        <a:t> </a:t>
+                      </a:r>
+                    </a:p>
+                  </a:txBody>
+                  <a:tcPr marL="6350" marR="6350" marT="6350" marB="0" anchor="b"/>
+                </a:tc>
+                <a:tc hMerge="1">
+                  <a:txBody>
+                    <a:bodyPr/>
+                    <a:lstStyle/>
+                    <a:p>
+                      <a:endParaRPr lang="en-GB"/>
+                    </a:p>
+                  </a:txBody>
+                  <a:tcPr/>
+                </a:tc>
+                <a:tc>
+                  <a:txBody>
+                    <a:bodyPr/>
+                    <a:lstStyle/>
+                    <a:p>
+                      <a:pPr algn="l" fontAlgn="b"/>
+                      <a:r>
+                        <a:rPr lang="en-US" sz="1100" b="0" i="0" u="none" strike="noStrike" dirty="0">
+                          <a:solidFill>
+                            <a:srgbClr val="000000"/>
+                          </a:solidFill>
+                          <a:effectLst/>
+                          <a:latin typeface="Calibri" panose="020F0502020204030204" pitchFamily="34" charset="0"/>
+                        </a:rPr>
+                        <a:t>Used on a function that returns </a:t>
+                      </a:r>
+                      <a:r>
+                        <a:rPr lang="en-US" sz="1100" b="0" i="0" u="none" strike="noStrike" dirty="0" err="1">
+                          <a:solidFill>
+                            <a:srgbClr val="000000"/>
+                          </a:solidFill>
+                          <a:effectLst/>
+                          <a:latin typeface="Calibri" panose="020F0502020204030204" pitchFamily="34" charset="0"/>
+                        </a:rPr>
+                        <a:t>IQueryable</a:t>
+                      </a:r>
+                      <a:r>
+                        <a:rPr lang="en-US" sz="1100" b="0" i="0" u="none" strike="noStrike" dirty="0">
+                          <a:solidFill>
+                            <a:srgbClr val="000000"/>
+                          </a:solidFill>
+                          <a:effectLst/>
+                          <a:latin typeface="Calibri" panose="020F0502020204030204" pitchFamily="34" charset="0"/>
+                        </a:rPr>
+                        <a:t>&lt;T&gt;  overrides the default page size (of 20 instances) for the rendered results. If used on an AutoComplete complementary function, species how many matching entries (max) will be offered to the user.</a:t>
+                      </a:r>
+                    </a:p>
+                  </a:txBody>
+                  <a:tcPr marL="6350" marR="6350" marT="6350" marB="0" anchor="b"/>
+                </a:tc>
+                <a:tc>
+                  <a:txBody>
+                    <a:bodyPr/>
+                    <a:lstStyle/>
+                    <a:p>
+                      <a:pPr algn="l" fontAlgn="b"/>
+                      <a:r>
+                        <a:rPr lang="en-GB" sz="1100" b="0" i="0" u="none" strike="noStrike" dirty="0">
+                          <a:solidFill>
+                            <a:srgbClr val="AEAAAA"/>
+                          </a:solidFill>
+                          <a:effectLst/>
+                          <a:latin typeface="Calibri" panose="020F0502020204030204" pitchFamily="34" charset="0"/>
+                        </a:rPr>
+                        <a:t> </a:t>
+                      </a:r>
+                    </a:p>
+                  </a:txBody>
+                  <a:tcPr marL="6350" marR="6350" marT="6350" marB="0" anchor="b"/>
+                </a:tc>
+                <a:extLst>
+                  <a:ext uri="{0D108BD9-81ED-4DB2-BD59-A6C34878D82A}">
+                    <a16:rowId xmlns:a16="http://schemas.microsoft.com/office/drawing/2014/main" val="773975833"/>
+                  </a:ext>
+                </a:extLst>
+              </a:tr>
+              <a:tr h="535687">
+                <a:tc>
+                  <a:txBody>
+                    <a:bodyPr/>
+                    <a:lstStyle/>
+                    <a:p>
+                      <a:pPr algn="l" fontAlgn="ctr"/>
+                      <a:r>
+                        <a:rPr lang="en-GB" sz="1200" b="0" i="0" u="none" strike="noStrike" dirty="0">
+                          <a:solidFill>
+                            <a:srgbClr val="000000"/>
+                          </a:solidFill>
+                          <a:effectLst/>
+                          <a:latin typeface="Calibri" panose="020F0502020204030204" pitchFamily="34" charset="0"/>
+                        </a:rPr>
+                        <a:t>[Plural]</a:t>
+                      </a:r>
+                    </a:p>
+                  </a:txBody>
+                  <a:tcPr marL="6350" marR="6350" marT="6350" marB="0" anchor="ctr"/>
+                </a:tc>
+                <a:tc>
+                  <a:txBody>
+                    <a:bodyPr/>
+                    <a:lstStyle/>
+                    <a:p>
+                      <a:pPr algn="l" fontAlgn="b"/>
+                      <a:r>
+                        <a:rPr lang="en-US" sz="1100" b="0" i="0" u="none" strike="noStrike">
+                          <a:solidFill>
+                            <a:srgbClr val="000000"/>
+                          </a:solidFill>
+                          <a:effectLst/>
+                          <a:latin typeface="Calibri" panose="020F0502020204030204" pitchFamily="34" charset="0"/>
+                        </a:rPr>
+                        <a:t>Overrides the default pluralised version of the type name e.g. for irregular nouns.</a:t>
+                      </a:r>
+                    </a:p>
+                  </a:txBody>
+                  <a:tcPr marL="6350" marR="6350" marT="6350" marB="0" anchor="b"/>
+                </a:tc>
+                <a:tc gridSpan="3">
+                  <a:txBody>
+                    <a:bodyPr/>
+                    <a:lstStyle/>
+                    <a:p>
+                      <a:pPr algn="l" fontAlgn="b"/>
+                      <a:r>
+                        <a:rPr lang="en-GB" sz="1100" b="0" i="0" u="none" strike="noStrike" dirty="0">
+                          <a:solidFill>
+                            <a:srgbClr val="AEAAAA"/>
+                          </a:solidFill>
+                          <a:effectLst/>
+                          <a:latin typeface="Calibri" panose="020F0502020204030204" pitchFamily="34" charset="0"/>
+                        </a:rPr>
+                        <a:t> </a:t>
+                      </a:r>
+                    </a:p>
+                  </a:txBody>
+                  <a:tcPr marL="6350" marR="6350" marT="6350" marB="0" anchor="b"/>
+                </a:tc>
+                <a:tc hMerge="1">
+                  <a:txBody>
+                    <a:bodyPr/>
+                    <a:lstStyle/>
+                    <a:p>
+                      <a:endParaRPr lang="en-GB"/>
+                    </a:p>
+                  </a:txBody>
+                  <a:tcPr/>
+                </a:tc>
+                <a:tc hMerge="1">
+                  <a:txBody>
+                    <a:bodyPr/>
+                    <a:lstStyle/>
+                    <a:p>
+                      <a:endParaRPr lang="en-GB"/>
+                    </a:p>
+                  </a:txBody>
+                  <a:tcPr/>
+                </a:tc>
+                <a:extLst>
+                  <a:ext uri="{0D108BD9-81ED-4DB2-BD59-A6C34878D82A}">
+                    <a16:rowId xmlns:a16="http://schemas.microsoft.com/office/drawing/2014/main" val="398776550"/>
+                  </a:ext>
+                </a:extLst>
+              </a:tr>
+            </a:tbl>
+          </a:graphicData>
+        </a:graphic>
+      </p:graphicFrame>
+      <p:sp>
+        <p:nvSpPr>
+          <p:cNvPr id="5" name="TextBox 4">
+            <a:extLst>
+              <a:ext uri="{FF2B5EF4-FFF2-40B4-BE49-F238E27FC236}">
+                <a16:creationId xmlns:a16="http://schemas.microsoft.com/office/drawing/2014/main" id="{E5621614-6E40-4E0A-A985-4C86F6BC7B15}"/>
+              </a:ext>
+            </a:extLst>
+          </p:cNvPr>
+          <p:cNvSpPr txBox="1"/>
+          <p:nvPr/>
+        </p:nvSpPr>
+        <p:spPr>
+          <a:xfrm>
+            <a:off x="11007634" y="6550223"/>
+            <a:ext cx="936667" cy="276999"/>
+          </a:xfrm>
+          <a:prstGeom prst="rect">
+            <a:avLst/>
+          </a:prstGeom>
+          <a:noFill/>
+        </p:spPr>
+        <p:txBody>
+          <a:bodyPr wrap="none" rtlCol="0">
+            <a:spAutoFit/>
+          </a:bodyPr>
+          <a:lstStyle/>
+          <a:p>
+            <a:r>
+              <a:rPr lang="en-GB" sz="1200" dirty="0"/>
+              <a:t>Continued…</a:t>
+            </a:r>
+          </a:p>
+        </p:txBody>
+      </p:sp>
+    </p:spTree>
+    <p:extLst>
+      <p:ext uri="{BB962C8B-B14F-4D97-AF65-F5344CB8AC3E}">
+        <p14:creationId xmlns:p14="http://schemas.microsoft.com/office/powerpoint/2010/main" val="3605521407"/>
+      </p:ext>
+    </p:extLst>
+  </p:cSld>
+  <p:clrMapOvr>
+    <a:masterClrMapping/>
+  </p:clrMapOvr>
+</p:sld>
+</file>
+
+<file path=ppt/slides/slide17.xml><?xml version="1.0" encoding="utf-8"?>
+<p:sld xmlns:a="http://schemas.openxmlformats.org/drawingml/2006/main" xmlns:r="http://schemas.openxmlformats.org/officeDocument/2006/relationships" xmlns:p="http://schemas.openxmlformats.org/presentationml/2006/main">
+  <p:cSld>
+    <p:spTree>
+      <p:nvGrpSpPr>
+        <p:cNvPr id="1" name=""/>
+        <p:cNvGrpSpPr/>
+        <p:nvPr/>
+      </p:nvGrpSpPr>
+      <p:grpSpPr>
+        <a:xfrm>
+          <a:off x="0" y="0"/>
+          <a:ext cx="0" cy="0"/>
+          <a:chOff x="0" y="0"/>
+          <a:chExt cx="0" cy="0"/>
+        </a:xfrm>
+      </p:grpSpPr>
+      <p:sp>
+        <p:nvSpPr>
+          <p:cNvPr id="2" name="Title 1">
+            <a:extLst>
+              <a:ext uri="{FF2B5EF4-FFF2-40B4-BE49-F238E27FC236}">
+                <a16:creationId xmlns:a16="http://schemas.microsoft.com/office/drawing/2014/main" id="{0F2F0B7A-0947-4B5E-A93F-4F623DEC3D53}"/>
+              </a:ext>
+            </a:extLst>
+          </p:cNvPr>
+          <p:cNvSpPr>
+            <a:spLocks noGrp="1"/>
+          </p:cNvSpPr>
+          <p:nvPr>
+            <p:ph type="title"/>
+          </p:nvPr>
+        </p:nvSpPr>
+        <p:spPr>
+          <a:xfrm>
+            <a:off x="838200" y="365126"/>
+            <a:ext cx="10515600" cy="549274"/>
+          </a:xfrm>
+        </p:spPr>
+        <p:txBody>
+          <a:bodyPr>
+            <a:normAutofit/>
+          </a:bodyPr>
+          <a:lstStyle/>
+          <a:p>
+            <a:r>
+              <a:rPr lang="en-GB" sz="2800" dirty="0"/>
+              <a:t>Attributes </a:t>
+            </a:r>
+            <a:r>
+              <a:rPr lang="en-GB" sz="2800" dirty="0" err="1"/>
+              <a:t>cont</a:t>
+            </a:r>
+            <a:r>
+              <a:rPr lang="en-GB" sz="2800" dirty="0"/>
+              <a:t>…</a:t>
+            </a:r>
+          </a:p>
+        </p:txBody>
+      </p:sp>
+      <p:graphicFrame>
+        <p:nvGraphicFramePr>
+          <p:cNvPr id="4" name="Table 3">
+            <a:extLst>
+              <a:ext uri="{FF2B5EF4-FFF2-40B4-BE49-F238E27FC236}">
+                <a16:creationId xmlns:a16="http://schemas.microsoft.com/office/drawing/2014/main" id="{6E995CB7-3DC5-4051-85C2-6CD784826BE1}"/>
+              </a:ext>
+            </a:extLst>
+          </p:cNvPr>
+          <p:cNvGraphicFramePr/>
+          <p:nvPr>
+            <p:extLst>
+              <p:ext uri="{D42A27DB-BD31-4B8C-83A1-F6EECF244321}">
+                <p14:modId xmlns:p14="http://schemas.microsoft.com/office/powerpoint/2010/main" val="2027779985"/>
+              </p:ext>
+            </p:extLst>
+          </p:nvPr>
+        </p:nvGraphicFramePr>
+        <p:xfrm>
+          <a:off x="916576" y="914400"/>
+          <a:ext cx="10515600" cy="5705493"/>
+        </p:xfrm>
+        <a:graphic>
+          <a:graphicData uri="http://schemas.openxmlformats.org/drawingml/2006/table">
+            <a:tbl>
+              <a:tblPr>
+                <a:tableStyleId>{5C22544A-7EE6-4342-B048-85BDC9FD1C3A}</a:tableStyleId>
+              </a:tblPr>
+              <a:tblGrid>
+                <a:gridCol w="1327908">
+                  <a:extLst>
+                    <a:ext uri="{9D8B030D-6E8A-4147-A177-3AD203B41FA5}">
+                      <a16:colId xmlns:a16="http://schemas.microsoft.com/office/drawing/2014/main" val="3542224914"/>
+                    </a:ext>
+                  </a:extLst>
+                </a:gridCol>
+                <a:gridCol w="2296923">
+                  <a:extLst>
+                    <a:ext uri="{9D8B030D-6E8A-4147-A177-3AD203B41FA5}">
+                      <a16:colId xmlns:a16="http://schemas.microsoft.com/office/drawing/2014/main" val="4124841195"/>
+                    </a:ext>
+                  </a:extLst>
+                </a:gridCol>
+                <a:gridCol w="2296923">
+                  <a:extLst>
+                    <a:ext uri="{9D8B030D-6E8A-4147-A177-3AD203B41FA5}">
+                      <a16:colId xmlns:a16="http://schemas.microsoft.com/office/drawing/2014/main" val="3563225021"/>
+                    </a:ext>
+                  </a:extLst>
+                </a:gridCol>
+                <a:gridCol w="2296923">
+                  <a:extLst>
+                    <a:ext uri="{9D8B030D-6E8A-4147-A177-3AD203B41FA5}">
+                      <a16:colId xmlns:a16="http://schemas.microsoft.com/office/drawing/2014/main" val="560856078"/>
+                    </a:ext>
+                  </a:extLst>
+                </a:gridCol>
+                <a:gridCol w="2296923">
+                  <a:extLst>
+                    <a:ext uri="{9D8B030D-6E8A-4147-A177-3AD203B41FA5}">
+                      <a16:colId xmlns:a16="http://schemas.microsoft.com/office/drawing/2014/main" val="3691602866"/>
+                    </a:ext>
+                  </a:extLst>
+                </a:gridCol>
+              </a:tblGrid>
+              <a:tr h="190877">
+                <a:tc>
+                  <a:txBody>
+                    <a:bodyPr/>
+                    <a:lstStyle/>
+                    <a:p>
+                      <a:pPr algn="l" fontAlgn="b">
+                        <a:spcBef>
+                          <a:spcPts val="0"/>
+                        </a:spcBef>
+                        <a:spcAft>
+                          <a:spcPts val="0"/>
+                        </a:spcAft>
+                      </a:pPr>
+                      <a:r>
+                        <a:rPr lang="en-GB" sz="1400" b="1" u="none" strike="noStrike" dirty="0">
+                          <a:effectLst/>
+                        </a:rPr>
+                        <a:t>Attribute</a:t>
+                      </a:r>
+                      <a:endParaRPr lang="en-GB" sz="2800" b="1" i="0" u="none" strike="noStrike" dirty="0">
+                        <a:effectLst/>
+                        <a:latin typeface="Arial" panose="020B0604020202020204" pitchFamily="34" charset="0"/>
+                      </a:endParaRPr>
+                    </a:p>
+                  </a:txBody>
+                  <a:tcPr marL="5741" marR="5741" marT="5741" marB="0" anchor="b"/>
+                </a:tc>
+                <a:tc>
+                  <a:txBody>
+                    <a:bodyPr/>
+                    <a:lstStyle/>
+                    <a:p>
+                      <a:pPr algn="l" fontAlgn="b">
+                        <a:spcBef>
+                          <a:spcPts val="0"/>
+                        </a:spcBef>
+                        <a:spcAft>
+                          <a:spcPts val="0"/>
+                        </a:spcAft>
+                      </a:pPr>
+                      <a:r>
+                        <a:rPr lang="en-GB" sz="1400" b="1" u="none" strike="noStrike">
+                          <a:effectLst/>
+                        </a:rPr>
+                        <a:t>On a Type</a:t>
+                      </a:r>
+                      <a:endParaRPr lang="en-GB" sz="2800" b="1" i="0" u="none" strike="noStrike">
+                        <a:effectLst/>
+                        <a:latin typeface="Arial" panose="020B0604020202020204" pitchFamily="34" charset="0"/>
+                      </a:endParaRPr>
+                    </a:p>
+                  </a:txBody>
+                  <a:tcPr marL="5741" marR="5741" marT="5741" marB="0" anchor="b"/>
+                </a:tc>
+                <a:tc>
+                  <a:txBody>
+                    <a:bodyPr/>
+                    <a:lstStyle/>
+                    <a:p>
+                      <a:pPr algn="l" fontAlgn="b">
+                        <a:spcBef>
+                          <a:spcPts val="0"/>
+                        </a:spcBef>
+                        <a:spcAft>
+                          <a:spcPts val="0"/>
+                        </a:spcAft>
+                      </a:pPr>
+                      <a:r>
+                        <a:rPr lang="en-GB" sz="1400" b="1" u="none" strike="noStrike">
+                          <a:effectLst/>
+                        </a:rPr>
+                        <a:t>On a Property</a:t>
+                      </a:r>
+                      <a:endParaRPr lang="en-GB" sz="2800" b="1" i="0" u="none" strike="noStrike">
+                        <a:effectLst/>
+                        <a:latin typeface="Arial" panose="020B0604020202020204" pitchFamily="34" charset="0"/>
+                      </a:endParaRPr>
+                    </a:p>
+                  </a:txBody>
+                  <a:tcPr marL="5741" marR="5741" marT="5741" marB="0" anchor="b"/>
+                </a:tc>
+                <a:tc>
+                  <a:txBody>
+                    <a:bodyPr/>
+                    <a:lstStyle/>
+                    <a:p>
+                      <a:pPr algn="l" fontAlgn="b">
+                        <a:spcBef>
+                          <a:spcPts val="0"/>
+                        </a:spcBef>
+                        <a:spcAft>
+                          <a:spcPts val="0"/>
+                        </a:spcAft>
+                      </a:pPr>
+                      <a:r>
+                        <a:rPr lang="en-GB" sz="1400" b="1" u="none" strike="noStrike">
+                          <a:effectLst/>
+                        </a:rPr>
+                        <a:t>On a Function</a:t>
+                      </a:r>
+                      <a:endParaRPr lang="en-GB" sz="2800" b="1" i="0" u="none" strike="noStrike">
+                        <a:effectLst/>
+                        <a:latin typeface="Arial" panose="020B0604020202020204" pitchFamily="34" charset="0"/>
+                      </a:endParaRPr>
+                    </a:p>
+                  </a:txBody>
+                  <a:tcPr marL="5741" marR="5741" marT="5741" marB="0" anchor="b"/>
+                </a:tc>
+                <a:tc>
+                  <a:txBody>
+                    <a:bodyPr/>
+                    <a:lstStyle/>
+                    <a:p>
+                      <a:pPr algn="l" fontAlgn="b">
+                        <a:spcBef>
+                          <a:spcPts val="0"/>
+                        </a:spcBef>
+                        <a:spcAft>
+                          <a:spcPts val="0"/>
+                        </a:spcAft>
+                      </a:pPr>
+                      <a:r>
+                        <a:rPr lang="en-GB" sz="1400" b="1" u="none" strike="noStrike" dirty="0">
+                          <a:effectLst/>
+                        </a:rPr>
+                        <a:t>On a Parameter</a:t>
+                      </a:r>
+                      <a:endParaRPr lang="en-GB" sz="2800" b="1" i="0" u="none" strike="noStrike" dirty="0">
+                        <a:effectLst/>
+                        <a:latin typeface="Arial" panose="020B0604020202020204" pitchFamily="34" charset="0"/>
+                      </a:endParaRPr>
+                    </a:p>
+                  </a:txBody>
+                  <a:tcPr marL="5741" marR="5741" marT="5741" marB="0" anchor="b"/>
+                </a:tc>
+                <a:extLst>
+                  <a:ext uri="{0D108BD9-81ED-4DB2-BD59-A6C34878D82A}">
+                    <a16:rowId xmlns:a16="http://schemas.microsoft.com/office/drawing/2014/main" val="3562640899"/>
+                  </a:ext>
+                </a:extLst>
+              </a:tr>
+              <a:tr h="225035">
+                <a:tc>
+                  <a:txBody>
+                    <a:bodyPr/>
+                    <a:lstStyle/>
+                    <a:p>
+                      <a:pPr algn="l" fontAlgn="ctr"/>
+                      <a:r>
+                        <a:rPr lang="en-GB" sz="1200" b="0" i="0" u="none" strike="noStrike">
+                          <a:solidFill>
+                            <a:srgbClr val="000000"/>
+                          </a:solidFill>
+                          <a:effectLst/>
+                          <a:latin typeface="Calibri" panose="020F0502020204030204" pitchFamily="34" charset="0"/>
+                        </a:rPr>
+                        <a:t>[PresentationHint]</a:t>
+                      </a:r>
+                    </a:p>
+                  </a:txBody>
+                  <a:tcPr marL="6350" marR="6350" marT="6350" marB="0" anchor="ctr"/>
+                </a:tc>
+                <a:tc gridSpan="4">
+                  <a:txBody>
+                    <a:bodyPr/>
+                    <a:lstStyle/>
+                    <a:p>
+                      <a:pPr algn="l" fontAlgn="b"/>
+                      <a:r>
+                        <a:rPr lang="en-US" sz="1100" b="0" i="0" u="none" strike="noStrike" dirty="0">
+                          <a:solidFill>
+                            <a:srgbClr val="000000"/>
+                          </a:solidFill>
+                          <a:effectLst/>
+                          <a:latin typeface="Calibri" panose="020F0502020204030204" pitchFamily="34" charset="0"/>
+                        </a:rPr>
+                        <a:t>Renders the specified string as an extension property on the corresponding representation in the RESTful API. For potential use in custom client views.</a:t>
+                      </a:r>
+                    </a:p>
+                  </a:txBody>
+                  <a:tcPr marL="6350" marR="6350" marT="6350" marB="0" anchor="b"/>
+                </a:tc>
+                <a:tc hMerge="1">
+                  <a:txBody>
+                    <a:bodyPr/>
+                    <a:lstStyle/>
+                    <a:p>
+                      <a:endParaRPr lang="en-GB"/>
+                    </a:p>
+                  </a:txBody>
+                  <a:tcPr/>
+                </a:tc>
+                <a:tc hMerge="1">
+                  <a:txBody>
+                    <a:bodyPr/>
+                    <a:lstStyle/>
+                    <a:p>
+                      <a:endParaRPr lang="en-GB"/>
+                    </a:p>
+                  </a:txBody>
+                  <a:tcPr/>
+                </a:tc>
+                <a:tc hMerge="1">
+                  <a:txBody>
+                    <a:bodyPr/>
+                    <a:lstStyle/>
+                    <a:p>
+                      <a:endParaRPr lang="en-GB"/>
+                    </a:p>
+                  </a:txBody>
+                  <a:tcPr/>
+                </a:tc>
+                <a:extLst>
+                  <a:ext uri="{0D108BD9-81ED-4DB2-BD59-A6C34878D82A}">
+                    <a16:rowId xmlns:a16="http://schemas.microsoft.com/office/drawing/2014/main" val="3571681318"/>
+                  </a:ext>
+                </a:extLst>
+              </a:tr>
+              <a:tr h="190877">
+                <a:tc>
+                  <a:txBody>
+                    <a:bodyPr/>
+                    <a:lstStyle/>
+                    <a:p>
+                      <a:pPr marL="0" indent="0">
+                        <a:buNone/>
+                      </a:pPr>
+                      <a:r>
+                        <a:rPr lang="en-GB" sz="1200" dirty="0">
+                          <a:hlinkClick r:id="rId2" action="ppaction://hlinksldjump"/>
+                        </a:rPr>
+                        <a:t>[</a:t>
+                      </a:r>
+                      <a:r>
+                        <a:rPr lang="en-GB" sz="1200" dirty="0" err="1">
+                          <a:hlinkClick r:id="rId2" action="ppaction://hlinksldjump"/>
+                        </a:rPr>
+                        <a:t>RegEx</a:t>
+                      </a:r>
+                      <a:r>
+                        <a:rPr lang="en-GB" sz="1200" dirty="0">
+                          <a:hlinkClick r:id="rId2" action="ppaction://hlinksldjump"/>
+                        </a:rPr>
+                        <a:t>]</a:t>
+                      </a:r>
+                      <a:endParaRPr lang="en-GB" sz="1200" dirty="0"/>
+                    </a:p>
+                  </a:txBody>
+                  <a:tcPr marL="6350" marR="6350" marT="6350" marB="0" anchor="ctr"/>
+                </a:tc>
+                <a:tc gridSpan="3">
+                  <a:txBody>
+                    <a:bodyPr/>
+                    <a:lstStyle/>
+                    <a:p>
+                      <a:pPr algn="l" fontAlgn="b"/>
+                      <a:r>
+                        <a:rPr lang="en-GB" sz="1100" b="0" i="0" u="none" strike="noStrike">
+                          <a:solidFill>
+                            <a:srgbClr val="AEAAAA"/>
+                          </a:solidFill>
+                          <a:effectLst/>
+                          <a:latin typeface="Calibri" panose="020F0502020204030204" pitchFamily="34" charset="0"/>
+                        </a:rPr>
+                        <a:t> </a:t>
+                      </a:r>
+                    </a:p>
+                  </a:txBody>
+                  <a:tcPr marL="6350" marR="6350" marT="6350" marB="0" anchor="b"/>
+                </a:tc>
+                <a:tc hMerge="1">
+                  <a:txBody>
+                    <a:bodyPr/>
+                    <a:lstStyle/>
+                    <a:p>
+                      <a:endParaRPr lang="en-GB"/>
+                    </a:p>
+                  </a:txBody>
+                  <a:tcPr/>
+                </a:tc>
+                <a:tc hMerge="1">
+                  <a:txBody>
+                    <a:bodyPr/>
+                    <a:lstStyle/>
+                    <a:p>
+                      <a:endParaRPr lang="en-GB"/>
+                    </a:p>
+                  </a:txBody>
+                  <a:tcPr/>
+                </a:tc>
+                <a:tc>
+                  <a:txBody>
+                    <a:bodyPr/>
+                    <a:lstStyle/>
+                    <a:p>
+                      <a:pPr algn="l" fontAlgn="b"/>
+                      <a:r>
+                        <a:rPr lang="en-US" sz="1100" b="0" i="0" u="none" strike="noStrike" dirty="0">
+                          <a:solidFill>
+                            <a:srgbClr val="000000"/>
+                          </a:solidFill>
+                          <a:effectLst/>
+                          <a:latin typeface="Calibri" panose="020F0502020204030204" pitchFamily="34" charset="0"/>
+                        </a:rPr>
+                        <a:t>A simple mechanism to validate the format of string parameters (see also </a:t>
+                      </a:r>
+                      <a:r>
+                        <a:rPr lang="en-US" sz="1100" b="0" i="0" u="none" strike="noStrike" dirty="0">
+                          <a:solidFill>
+                            <a:srgbClr val="000000"/>
+                          </a:solidFill>
+                          <a:effectLst/>
+                          <a:latin typeface="Calibri" panose="020F0502020204030204" pitchFamily="34" charset="0"/>
+                          <a:hlinkClick r:id="rId3" action="ppaction://hlinksldjump"/>
+                        </a:rPr>
+                        <a:t>Validate</a:t>
+                      </a:r>
+                      <a:r>
+                        <a:rPr lang="en-US" sz="1100" b="0" i="0" u="none" strike="noStrike" dirty="0">
+                          <a:solidFill>
+                            <a:srgbClr val="000000"/>
+                          </a:solidFill>
+                          <a:effectLst/>
+                          <a:latin typeface="Calibri" panose="020F0502020204030204" pitchFamily="34" charset="0"/>
+                        </a:rPr>
+                        <a:t> function)</a:t>
+                      </a:r>
+                    </a:p>
+                  </a:txBody>
+                  <a:tcPr marL="6350" marR="6350" marT="6350" marB="0" anchor="b"/>
+                </a:tc>
+                <a:extLst>
+                  <a:ext uri="{0D108BD9-81ED-4DB2-BD59-A6C34878D82A}">
+                    <a16:rowId xmlns:a16="http://schemas.microsoft.com/office/drawing/2014/main" val="2717213308"/>
+                  </a:ext>
+                </a:extLst>
+              </a:tr>
+              <a:tr h="407670">
+                <a:tc>
+                  <a:txBody>
+                    <a:bodyPr/>
+                    <a:lstStyle/>
+                    <a:p>
+                      <a:pPr algn="l" fontAlgn="ctr"/>
+                      <a:r>
+                        <a:rPr lang="en-GB" sz="1200" b="0" i="0" u="none" strike="noStrike">
+                          <a:solidFill>
+                            <a:srgbClr val="000000"/>
+                          </a:solidFill>
+                          <a:effectLst/>
+                          <a:latin typeface="Calibri" panose="020F0502020204030204" pitchFamily="34" charset="0"/>
+                        </a:rPr>
+                        <a:t>[RenderEagerly]</a:t>
+                      </a:r>
+                    </a:p>
+                  </a:txBody>
+                  <a:tcPr marL="6350" marR="6350" marT="6350" marB="0" anchor="ctr"/>
+                </a:tc>
+                <a:tc>
+                  <a:txBody>
+                    <a:bodyPr/>
+                    <a:lstStyle/>
+                    <a:p>
+                      <a:pPr algn="l" fontAlgn="b"/>
+                      <a:r>
+                        <a:rPr lang="en-US" sz="1100" b="0" i="0" u="none" strike="noStrike">
+                          <a:solidFill>
+                            <a:srgbClr val="000000"/>
+                          </a:solidFill>
+                          <a:effectLst/>
+                          <a:latin typeface="Calibri" panose="020F0502020204030204" pitchFamily="34" charset="0"/>
+                        </a:rPr>
+                        <a:t>Render </a:t>
+                      </a:r>
+                      <a:r>
+                        <a:rPr lang="en-US" sz="1100" b="0" i="1" u="none" strike="noStrike">
+                          <a:solidFill>
+                            <a:srgbClr val="000000"/>
+                          </a:solidFill>
+                          <a:effectLst/>
+                          <a:latin typeface="Calibri" panose="020F0502020204030204" pitchFamily="34" charset="0"/>
+                        </a:rPr>
+                        <a:t>all</a:t>
+                      </a:r>
+                      <a:r>
+                        <a:rPr lang="en-US" sz="1100" b="0" i="0" u="none" strike="noStrike">
+                          <a:solidFill>
+                            <a:srgbClr val="000000"/>
+                          </a:solidFill>
+                          <a:effectLst/>
+                          <a:latin typeface="Calibri" panose="020F0502020204030204" pitchFamily="34" charset="0"/>
+                        </a:rPr>
+                        <a:t> collection properties on the type, eagerly.</a:t>
+                      </a:r>
+                    </a:p>
+                  </a:txBody>
+                  <a:tcPr marL="6350" marR="6350" marT="6350" marB="0"/>
+                </a:tc>
+                <a:tc>
+                  <a:txBody>
+                    <a:bodyPr/>
+                    <a:lstStyle/>
+                    <a:p>
+                      <a:pPr algn="l" fontAlgn="b"/>
+                      <a:r>
+                        <a:rPr lang="en-US" sz="1100" b="0" i="0" u="none" strike="noStrike">
+                          <a:solidFill>
+                            <a:srgbClr val="000000"/>
+                          </a:solidFill>
+                          <a:effectLst/>
+                          <a:latin typeface="Calibri" panose="020F0502020204030204" pitchFamily="34" charset="0"/>
+                        </a:rPr>
+                        <a:t>Specifies that a collection property should be automatically opened whenever an instance is displayed.</a:t>
+                      </a:r>
+                    </a:p>
+                  </a:txBody>
+                  <a:tcPr marL="6350" marR="6350" marT="6350" marB="0"/>
+                </a:tc>
+                <a:tc>
+                  <a:txBody>
+                    <a:bodyPr/>
+                    <a:lstStyle/>
+                    <a:p>
+                      <a:pPr algn="l" fontAlgn="b"/>
+                      <a:r>
+                        <a:rPr lang="en-US" sz="1100" b="0" i="0" u="none" strike="noStrike" dirty="0">
+                          <a:solidFill>
+                            <a:srgbClr val="000000"/>
+                          </a:solidFill>
+                          <a:effectLst/>
+                          <a:latin typeface="Calibri" panose="020F0502020204030204" pitchFamily="34" charset="0"/>
+                        </a:rPr>
+                        <a:t>Used on a function that returns a collection, indicates that the result should be rendered in table view by default. (Usually used in addition to the </a:t>
+                      </a:r>
+                      <a:r>
+                        <a:rPr lang="en-US" sz="1100" b="0" i="0" u="none" strike="noStrike" dirty="0" err="1">
+                          <a:solidFill>
+                            <a:srgbClr val="000000"/>
+                          </a:solidFill>
+                          <a:effectLst/>
+                          <a:latin typeface="Calibri" panose="020F0502020204030204" pitchFamily="34" charset="0"/>
+                        </a:rPr>
+                        <a:t>TableView</a:t>
+                      </a:r>
+                      <a:r>
+                        <a:rPr lang="en-US" sz="1100" b="0" i="0" u="none" strike="noStrike" dirty="0">
+                          <a:solidFill>
+                            <a:srgbClr val="000000"/>
+                          </a:solidFill>
+                          <a:effectLst/>
+                          <a:latin typeface="Calibri" panose="020F0502020204030204" pitchFamily="34" charset="0"/>
+                        </a:rPr>
+                        <a:t> attribute.)</a:t>
+                      </a:r>
+                    </a:p>
+                  </a:txBody>
+                  <a:tcPr marL="6350" marR="6350" marT="6350" marB="0"/>
+                </a:tc>
+                <a:tc>
+                  <a:txBody>
+                    <a:bodyPr/>
+                    <a:lstStyle/>
+                    <a:p>
+                      <a:pPr algn="l" fontAlgn="b"/>
+                      <a:r>
+                        <a:rPr lang="en-GB" sz="1100" b="0" i="0" u="none" strike="noStrike">
+                          <a:solidFill>
+                            <a:srgbClr val="AEAAAA"/>
+                          </a:solidFill>
+                          <a:effectLst/>
+                          <a:latin typeface="Calibri" panose="020F0502020204030204" pitchFamily="34" charset="0"/>
+                        </a:rPr>
+                        <a:t> </a:t>
+                      </a:r>
+                    </a:p>
+                  </a:txBody>
+                  <a:tcPr marL="6350" marR="6350" marT="6350" marB="0" anchor="b"/>
+                </a:tc>
+                <a:extLst>
+                  <a:ext uri="{0D108BD9-81ED-4DB2-BD59-A6C34878D82A}">
+                    <a16:rowId xmlns:a16="http://schemas.microsoft.com/office/drawing/2014/main" val="234469412"/>
+                  </a:ext>
+                </a:extLst>
+              </a:tr>
+              <a:tr h="535687">
+                <a:tc>
+                  <a:txBody>
+                    <a:bodyPr/>
+                    <a:lstStyle/>
+                    <a:p>
+                      <a:pPr marL="0" indent="0">
+                        <a:buNone/>
+                      </a:pPr>
+                      <a:r>
+                        <a:rPr lang="en-GB" sz="1200" dirty="0">
+                          <a:hlinkClick r:id="rId4" action="ppaction://hlinksldjump"/>
+                        </a:rPr>
+                        <a:t>[</a:t>
+                      </a:r>
+                      <a:r>
+                        <a:rPr lang="en-GB" sz="1200" dirty="0" err="1">
+                          <a:hlinkClick r:id="rId4" action="ppaction://hlinksldjump"/>
+                        </a:rPr>
+                        <a:t>TableView</a:t>
+                      </a:r>
+                      <a:r>
+                        <a:rPr lang="en-GB" sz="1200" dirty="0">
+                          <a:hlinkClick r:id="rId4" action="ppaction://hlinksldjump"/>
+                        </a:rPr>
+                        <a:t>]</a:t>
+                      </a:r>
+                      <a:endParaRPr lang="en-GB" sz="1200" dirty="0"/>
+                    </a:p>
+                  </a:txBody>
+                  <a:tcPr marL="6350" marR="6350" marT="6350" marB="0" anchor="ctr"/>
+                </a:tc>
+                <a:tc>
+                  <a:txBody>
+                    <a:bodyPr/>
+                    <a:lstStyle/>
+                    <a:p>
+                      <a:pPr algn="l" fontAlgn="b"/>
+                      <a:r>
+                        <a:rPr lang="en-GB" sz="1100" b="0" i="0" u="none" strike="noStrike" dirty="0">
+                          <a:solidFill>
+                            <a:srgbClr val="AEAAAA"/>
+                          </a:solidFill>
+                          <a:effectLst/>
+                          <a:latin typeface="Calibri" panose="020F0502020204030204" pitchFamily="34" charset="0"/>
+                        </a:rPr>
+                        <a:t> </a:t>
+                      </a:r>
+                    </a:p>
+                  </a:txBody>
+                  <a:tcPr marL="6350" marR="6350" marT="6350" marB="0" anchor="b"/>
+                </a:tc>
+                <a:tc gridSpan="2">
+                  <a:txBody>
+                    <a:bodyPr/>
+                    <a:lstStyle/>
+                    <a:p>
+                      <a:pPr algn="l" fontAlgn="b"/>
+                      <a:r>
+                        <a:rPr lang="en-US" sz="1100" b="0" i="0" u="none" strike="noStrike">
+                          <a:solidFill>
+                            <a:srgbClr val="000000"/>
+                          </a:solidFill>
+                          <a:effectLst/>
+                          <a:latin typeface="Calibri" panose="020F0502020204030204" pitchFamily="34" charset="0"/>
+                        </a:rPr>
+                        <a:t>Specifies which columns of a returned collection should be rendered, </a:t>
+                      </a:r>
+                      <a:r>
+                        <a:rPr lang="en-US" sz="1100" b="0" i="1" u="none" strike="noStrike">
+                          <a:solidFill>
+                            <a:srgbClr val="000000"/>
+                          </a:solidFill>
+                          <a:effectLst/>
+                          <a:latin typeface="Calibri" panose="020F0502020204030204" pitchFamily="34" charset="0"/>
+                        </a:rPr>
+                        <a:t>when shown in table view</a:t>
+                      </a:r>
+                      <a:r>
+                        <a:rPr lang="en-US" sz="1100" b="0" i="0" u="none" strike="noStrike">
+                          <a:solidFill>
+                            <a:srgbClr val="000000"/>
+                          </a:solidFill>
+                          <a:effectLst/>
+                          <a:latin typeface="Calibri" panose="020F0502020204030204" pitchFamily="34" charset="0"/>
+                        </a:rPr>
+                        <a:t>. The first property (bool) indicates whether or not the title of the row instance should be included (as the first column).</a:t>
+                      </a:r>
+                    </a:p>
+                  </a:txBody>
+                  <a:tcPr marL="6350" marR="6350" marT="6350" marB="0" anchor="b"/>
+                </a:tc>
+                <a:tc hMerge="1">
+                  <a:txBody>
+                    <a:bodyPr/>
+                    <a:lstStyle/>
+                    <a:p>
+                      <a:endParaRPr lang="en-GB"/>
+                    </a:p>
+                  </a:txBody>
+                  <a:tcPr/>
+                </a:tc>
+                <a:tc>
+                  <a:txBody>
+                    <a:bodyPr/>
+                    <a:lstStyle/>
+                    <a:p>
+                      <a:pPr algn="l" fontAlgn="b"/>
+                      <a:r>
+                        <a:rPr lang="en-GB" sz="1100" b="0" i="0" u="none" strike="noStrike" dirty="0">
+                          <a:solidFill>
+                            <a:srgbClr val="AEAAAA"/>
+                          </a:solidFill>
+                          <a:effectLst/>
+                          <a:latin typeface="Calibri" panose="020F0502020204030204" pitchFamily="34" charset="0"/>
+                        </a:rPr>
+                        <a:t> </a:t>
+                      </a:r>
+                    </a:p>
+                  </a:txBody>
+                  <a:tcPr marL="6350" marR="6350" marT="6350" marB="0" anchor="b"/>
+                </a:tc>
+                <a:extLst>
+                  <a:ext uri="{0D108BD9-81ED-4DB2-BD59-A6C34878D82A}">
+                    <a16:rowId xmlns:a16="http://schemas.microsoft.com/office/drawing/2014/main" val="2359702833"/>
+                  </a:ext>
+                </a:extLst>
+              </a:tr>
+              <a:tr h="535687">
+                <a:tc>
+                  <a:txBody>
+                    <a:bodyPr/>
+                    <a:lstStyle/>
+                    <a:p>
+                      <a:pPr algn="l" fontAlgn="ctr"/>
+                      <a:r>
+                        <a:rPr lang="en-GB" sz="1200" b="0" i="0" u="none" strike="noStrike">
+                          <a:solidFill>
+                            <a:srgbClr val="000000"/>
+                          </a:solidFill>
+                          <a:effectLst/>
+                          <a:latin typeface="Calibri" panose="020F0502020204030204" pitchFamily="34" charset="0"/>
+                        </a:rPr>
+                        <a:t>[ValueRange]</a:t>
+                      </a:r>
+                    </a:p>
+                  </a:txBody>
+                  <a:tcPr marL="6350" marR="6350" marT="6350" marB="0" anchor="ctr"/>
+                </a:tc>
+                <a:tc gridSpan="3">
+                  <a:txBody>
+                    <a:bodyPr/>
+                    <a:lstStyle/>
+                    <a:p>
+                      <a:pPr algn="l" fontAlgn="b"/>
+                      <a:r>
+                        <a:rPr lang="en-GB" sz="1100" b="0" i="0" u="none" strike="noStrike" dirty="0">
+                          <a:solidFill>
+                            <a:srgbClr val="AEAAAA"/>
+                          </a:solidFill>
+                          <a:effectLst/>
+                          <a:latin typeface="Calibri" panose="020F0502020204030204" pitchFamily="34" charset="0"/>
+                        </a:rPr>
+                        <a:t> </a:t>
+                      </a:r>
+                    </a:p>
+                  </a:txBody>
+                  <a:tcPr marL="6350" marR="6350" marT="6350" marB="0" anchor="b"/>
+                </a:tc>
+                <a:tc hMerge="1">
+                  <a:txBody>
+                    <a:bodyPr/>
+                    <a:lstStyle/>
+                    <a:p>
+                      <a:endParaRPr lang="en-GB"/>
+                    </a:p>
+                  </a:txBody>
+                  <a:tcPr/>
+                </a:tc>
+                <a:tc hMerge="1">
+                  <a:txBody>
+                    <a:bodyPr/>
+                    <a:lstStyle/>
+                    <a:p>
+                      <a:endParaRPr lang="en-GB"/>
+                    </a:p>
+                  </a:txBody>
+                  <a:tcPr/>
+                </a:tc>
+                <a:tc>
+                  <a:txBody>
+                    <a:bodyPr/>
+                    <a:lstStyle/>
+                    <a:p>
+                      <a:pPr algn="l" fontAlgn="b"/>
+                      <a:r>
+                        <a:rPr lang="en-US" sz="1100" b="0" i="0" u="none" strike="noStrike" dirty="0">
+                          <a:solidFill>
+                            <a:srgbClr val="000000"/>
+                          </a:solidFill>
+                          <a:effectLst/>
+                          <a:latin typeface="Calibri" panose="020F0502020204030204" pitchFamily="34" charset="0"/>
+                        </a:rPr>
+                        <a:t>Specifies the acceptable  value range for and integer parameter. May also be used on a </a:t>
+                      </a:r>
+                      <a:r>
+                        <a:rPr lang="en-US" sz="1000" b="0" i="0" u="none" strike="noStrike" dirty="0" err="1">
+                          <a:solidFill>
+                            <a:srgbClr val="000000"/>
+                          </a:solidFill>
+                          <a:effectLst/>
+                          <a:latin typeface="Consolas" panose="020B0609020204030204" pitchFamily="49" charset="0"/>
+                        </a:rPr>
+                        <a:t>DateTime</a:t>
+                      </a:r>
+                      <a:r>
+                        <a:rPr lang="en-US" sz="1100" b="0" i="0" u="none" strike="noStrike" dirty="0">
+                          <a:solidFill>
+                            <a:srgbClr val="000000"/>
+                          </a:solidFill>
+                          <a:effectLst/>
+                          <a:latin typeface="Calibri" panose="020F0502020204030204" pitchFamily="34" charset="0"/>
+                        </a:rPr>
+                        <a:t> parameter to specify an acceptable range of days before (-) and/or after (+) today.</a:t>
+                      </a:r>
+                    </a:p>
+                  </a:txBody>
+                  <a:tcPr marL="6350" marR="6350" marT="6350" marB="0" anchor="b"/>
+                </a:tc>
+                <a:extLst>
+                  <a:ext uri="{0D108BD9-81ED-4DB2-BD59-A6C34878D82A}">
+                    <a16:rowId xmlns:a16="http://schemas.microsoft.com/office/drawing/2014/main" val="3218210541"/>
+                  </a:ext>
+                </a:extLst>
+              </a:tr>
+              <a:tr h="535687">
+                <a:tc>
+                  <a:txBody>
+                    <a:bodyPr/>
+                    <a:lstStyle/>
+                    <a:p>
+                      <a:pPr algn="l" fontAlgn="ctr"/>
+                      <a:r>
+                        <a:rPr lang="en-GB" sz="1200" b="0" i="0" u="none" strike="noStrike">
+                          <a:solidFill>
+                            <a:srgbClr val="000000"/>
+                          </a:solidFill>
+                          <a:effectLst/>
+                          <a:latin typeface="Calibri" panose="020F0502020204030204" pitchFamily="34" charset="0"/>
+                        </a:rPr>
+                        <a:t>[Versioned]</a:t>
+                      </a:r>
+                    </a:p>
+                  </a:txBody>
+                  <a:tcPr marL="6350" marR="6350" marT="6350" marB="0" anchor="ctr"/>
+                </a:tc>
+                <a:tc>
+                  <a:txBody>
+                    <a:bodyPr/>
+                    <a:lstStyle/>
+                    <a:p>
+                      <a:pPr algn="l" fontAlgn="b"/>
+                      <a:r>
+                        <a:rPr lang="en-GB" sz="1100" b="0" i="0" u="none" strike="noStrike">
+                          <a:solidFill>
+                            <a:srgbClr val="AEAAAA"/>
+                          </a:solidFill>
+                          <a:effectLst/>
+                          <a:latin typeface="Calibri" panose="020F0502020204030204" pitchFamily="34" charset="0"/>
+                        </a:rPr>
+                        <a:t> </a:t>
+                      </a:r>
+                    </a:p>
+                  </a:txBody>
+                  <a:tcPr marL="6350" marR="6350" marT="6350" marB="0" anchor="b"/>
+                </a:tc>
+                <a:tc>
+                  <a:txBody>
+                    <a:bodyPr/>
+                    <a:lstStyle/>
+                    <a:p>
+                      <a:pPr algn="l" fontAlgn="b"/>
+                      <a:r>
+                        <a:rPr lang="en-US" sz="1100" b="0" i="0" u="none" strike="noStrike" dirty="0">
+                          <a:solidFill>
+                            <a:srgbClr val="000000"/>
+                          </a:solidFill>
+                          <a:effectLst/>
+                          <a:latin typeface="Calibri" panose="020F0502020204030204" pitchFamily="34" charset="0"/>
+                        </a:rPr>
+                        <a:t>Used to test that the user's view of an object is up to date before allowing a function that has side-effects may be invoked - effectively a 'long term' form of concurrency checking. Entity Framework's  'short term' form of concurrency check will also be needed. The two mechanisms may use the same field or different fields for their checks.</a:t>
+                      </a:r>
+                    </a:p>
+                  </a:txBody>
+                  <a:tcPr marL="6350" marR="6350" marT="6350" marB="0" anchor="b"/>
+                </a:tc>
+                <a:tc gridSpan="2">
+                  <a:txBody>
+                    <a:bodyPr/>
+                    <a:lstStyle/>
+                    <a:p>
+                      <a:endParaRPr lang="en-GB" dirty="0"/>
+                    </a:p>
+                  </a:txBody>
+                  <a:tcPr marL="6350" marR="6350" marT="6350" marB="0" anchor="b"/>
+                </a:tc>
+                <a:tc hMerge="1">
+                  <a:txBody>
+                    <a:bodyPr/>
+                    <a:lstStyle/>
+                    <a:p>
+                      <a:endParaRPr lang="en-GB"/>
+                    </a:p>
+                  </a:txBody>
+                  <a:tcPr/>
+                </a:tc>
+                <a:extLst>
+                  <a:ext uri="{0D108BD9-81ED-4DB2-BD59-A6C34878D82A}">
+                    <a16:rowId xmlns:a16="http://schemas.microsoft.com/office/drawing/2014/main" val="963902815"/>
+                  </a:ext>
+                </a:extLst>
+              </a:tr>
+              <a:tr h="535687">
+                <a:tc>
+                  <a:txBody>
+                    <a:bodyPr/>
+                    <a:lstStyle/>
+                    <a:p>
+                      <a:pPr marL="0" indent="0">
+                        <a:buNone/>
+                      </a:pPr>
+                      <a:r>
+                        <a:rPr lang="en-GB" sz="1200" dirty="0">
+                          <a:hlinkClick r:id="rId5" action="ppaction://hlinksldjump"/>
+                        </a:rPr>
+                        <a:t>[</a:t>
+                      </a:r>
+                      <a:r>
+                        <a:rPr lang="en-GB" sz="1200" dirty="0" err="1">
+                          <a:hlinkClick r:id="rId5" action="ppaction://hlinksldjump"/>
+                        </a:rPr>
+                        <a:t>ViewModel</a:t>
+                      </a:r>
+                      <a:r>
+                        <a:rPr lang="en-GB" sz="1200" dirty="0">
+                          <a:hlinkClick r:id="rId5" action="ppaction://hlinksldjump"/>
+                        </a:rPr>
+                        <a:t>]</a:t>
+                      </a:r>
+                      <a:endParaRPr lang="en-GB" sz="1200" dirty="0"/>
+                    </a:p>
+                  </a:txBody>
+                  <a:tcPr marL="6350" marR="6350" marT="6350" marB="0" anchor="ctr"/>
+                </a:tc>
+                <a:tc>
+                  <a:txBody>
+                    <a:bodyPr/>
+                    <a:lstStyle/>
+                    <a:p>
+                      <a:pPr algn="l" fontAlgn="b"/>
+                      <a:r>
+                        <a:rPr lang="en-US" sz="1100" b="0" i="0" u="none" strike="noStrike" dirty="0">
+                          <a:solidFill>
+                            <a:srgbClr val="000000"/>
+                          </a:solidFill>
+                          <a:effectLst/>
+                          <a:latin typeface="Calibri" panose="020F0502020204030204" pitchFamily="34" charset="0"/>
+                        </a:rPr>
+                        <a:t>Specifies that a type is not persisted on the database but is a view model. The mandatory Type property must specify a type that contains the required static </a:t>
+                      </a:r>
+                      <a:r>
+                        <a:rPr lang="en-US" sz="1000" b="0" i="0" u="none" strike="noStrike" kern="1200" dirty="0" err="1">
+                          <a:solidFill>
+                            <a:srgbClr val="000000"/>
+                          </a:solidFill>
+                          <a:effectLst/>
+                          <a:latin typeface="Consolas" panose="020B0609020204030204" pitchFamily="49" charset="0"/>
+                          <a:ea typeface="+mn-ea"/>
+                          <a:cs typeface="+mn-cs"/>
+                        </a:rPr>
+                        <a:t>DeriveKeys</a:t>
+                      </a:r>
+                      <a:r>
+                        <a:rPr lang="en-US" sz="1100" b="0" i="0" u="none" strike="noStrike" dirty="0">
+                          <a:solidFill>
+                            <a:srgbClr val="000000"/>
+                          </a:solidFill>
+                          <a:effectLst/>
+                          <a:latin typeface="Calibri" panose="020F0502020204030204" pitchFamily="34" charset="0"/>
+                        </a:rPr>
+                        <a:t> and </a:t>
+                      </a:r>
+                      <a:r>
+                        <a:rPr lang="en-US" sz="1000" b="0" i="0" u="none" strike="noStrike" kern="1200" dirty="0" err="1">
+                          <a:solidFill>
+                            <a:srgbClr val="000000"/>
+                          </a:solidFill>
+                          <a:effectLst/>
+                          <a:latin typeface="Consolas" panose="020B0609020204030204" pitchFamily="49" charset="0"/>
+                          <a:ea typeface="+mn-ea"/>
+                          <a:cs typeface="+mn-cs"/>
+                        </a:rPr>
+                        <a:t>CreateFromKeys</a:t>
+                      </a:r>
+                      <a:r>
+                        <a:rPr lang="en-US" sz="1100" b="0" i="0" u="none" strike="noStrike" dirty="0">
+                          <a:solidFill>
+                            <a:srgbClr val="000000"/>
+                          </a:solidFill>
+                          <a:effectLst/>
+                          <a:latin typeface="Calibri" panose="020F0502020204030204" pitchFamily="34" charset="0"/>
+                        </a:rPr>
+                        <a:t> functions for the view model type.</a:t>
+                      </a:r>
+                    </a:p>
+                  </a:txBody>
+                  <a:tcPr marL="6350" marR="6350" marT="6350" marB="0" anchor="b"/>
+                </a:tc>
+                <a:tc gridSpan="3">
+                  <a:txBody>
+                    <a:bodyPr/>
+                    <a:lstStyle/>
+                    <a:p>
+                      <a:pPr algn="l" fontAlgn="b"/>
+                      <a:r>
+                        <a:rPr lang="en-GB" sz="1100" b="0" i="0" u="none" strike="noStrike" dirty="0">
+                          <a:solidFill>
+                            <a:srgbClr val="AEAAAA"/>
+                          </a:solidFill>
+                          <a:effectLst/>
+                          <a:latin typeface="Calibri" panose="020F0502020204030204" pitchFamily="34" charset="0"/>
+                        </a:rPr>
+                        <a:t> </a:t>
+                      </a:r>
+                    </a:p>
+                  </a:txBody>
+                  <a:tcPr marL="6350" marR="6350" marT="6350" marB="0" anchor="b"/>
+                </a:tc>
+                <a:tc hMerge="1">
+                  <a:txBody>
+                    <a:bodyPr/>
+                    <a:lstStyle/>
+                    <a:p>
+                      <a:endParaRPr lang="en-GB"/>
+                    </a:p>
+                  </a:txBody>
+                  <a:tcPr/>
+                </a:tc>
+                <a:tc hMerge="1">
+                  <a:txBody>
+                    <a:bodyPr/>
+                    <a:lstStyle/>
+                    <a:p>
+                      <a:endParaRPr lang="en-GB" dirty="0"/>
+                    </a:p>
+                  </a:txBody>
+                  <a:tcPr/>
+                </a:tc>
+                <a:extLst>
+                  <a:ext uri="{0D108BD9-81ED-4DB2-BD59-A6C34878D82A}">
+                    <a16:rowId xmlns:a16="http://schemas.microsoft.com/office/drawing/2014/main" val="3523521088"/>
+                  </a:ext>
+                </a:extLst>
+              </a:tr>
+            </a:tbl>
+          </a:graphicData>
+        </a:graphic>
+      </p:graphicFrame>
+      <p:sp>
+        <p:nvSpPr>
+          <p:cNvPr id="6" name="TextBox 5">
+            <a:extLst>
+              <a:ext uri="{FF2B5EF4-FFF2-40B4-BE49-F238E27FC236}">
+                <a16:creationId xmlns:a16="http://schemas.microsoft.com/office/drawing/2014/main" id="{A857D423-28C9-4F2D-9462-34EA135F456F}"/>
+              </a:ext>
+            </a:extLst>
+          </p:cNvPr>
+          <p:cNvSpPr txBox="1"/>
+          <p:nvPr/>
+        </p:nvSpPr>
+        <p:spPr>
+          <a:xfrm>
+            <a:off x="11007634" y="6550223"/>
+            <a:ext cx="936667" cy="276999"/>
+          </a:xfrm>
+          <a:prstGeom prst="rect">
+            <a:avLst/>
+          </a:prstGeom>
+          <a:noFill/>
+        </p:spPr>
+        <p:txBody>
+          <a:bodyPr wrap="none" rtlCol="0">
+            <a:spAutoFit/>
+          </a:bodyPr>
+          <a:lstStyle/>
+          <a:p>
+            <a:r>
+              <a:rPr lang="en-GB" sz="1200" dirty="0"/>
+              <a:t>Continued…</a:t>
+            </a:r>
+          </a:p>
+        </p:txBody>
+      </p:sp>
+    </p:spTree>
+    <p:extLst>
+      <p:ext uri="{BB962C8B-B14F-4D97-AF65-F5344CB8AC3E}">
+        <p14:creationId xmlns:p14="http://schemas.microsoft.com/office/powerpoint/2010/main" val="3092900564"/>
+      </p:ext>
+    </p:extLst>
+  </p:cSld>
+  <p:clrMapOvr>
+    <a:masterClrMapping/>
+  </p:clrMapOvr>
+</p:sld>
+</file>
+
+<file path=ppt/slides/slide18.xml><?xml version="1.0" encoding="utf-8"?>
 <p:sld xmlns:a="http://schemas.openxmlformats.org/drawingml/2006/main" xmlns:r="http://schemas.openxmlformats.org/officeDocument/2006/relationships" xmlns:p="http://schemas.openxmlformats.org/presentationml/2006/main">
   <p:cSld>
     <p:spTree>
@@ -8117,6 +11388,41 @@
           </p:style>
         </p:cxnSp>
       </p:grpSp>
+      <p:sp>
+        <p:nvSpPr>
+          <p:cNvPr id="19" name="TextBox 18">
+            <a:extLst>
+              <a:ext uri="{FF2B5EF4-FFF2-40B4-BE49-F238E27FC236}">
+                <a16:creationId xmlns:a16="http://schemas.microsoft.com/office/drawing/2014/main" id="{60B4AC77-C30C-4CED-802E-06913A4EB4A8}"/>
+              </a:ext>
+            </a:extLst>
+          </p:cNvPr>
+          <p:cNvSpPr txBox="1"/>
+          <p:nvPr/>
+        </p:nvSpPr>
+        <p:spPr>
+          <a:xfrm>
+            <a:off x="11007634" y="6550223"/>
+            <a:ext cx="936667" cy="276999"/>
+          </a:xfrm>
+          <a:prstGeom prst="rect">
+            <a:avLst/>
+          </a:prstGeom>
+          <a:noFill/>
+        </p:spPr>
+        <p:txBody>
+          <a:bodyPr wrap="none" rtlCol="0">
+            <a:spAutoFit/>
+          </a:bodyPr>
+          <a:lstStyle/>
+          <a:p>
+            <a:r>
+              <a:rPr lang="en-GB" sz="1200" dirty="0"/>
+              <a:t>Continued…</a:t>
+            </a:r>
+          </a:p>
+        </p:txBody>
+      </p:sp>
     </p:spTree>
     <p:extLst>
       <p:ext uri="{BB962C8B-B14F-4D97-AF65-F5344CB8AC3E}">
@@ -8130,7 +11436,7 @@
 </p:sld>
 </file>
 
-<file path=ppt/slides/slide16.xml><?xml version="1.0" encoding="utf-8"?>
+<file path=ppt/slides/slide19.xml><?xml version="1.0" encoding="utf-8"?>
 <p:sld xmlns:a="http://schemas.openxmlformats.org/drawingml/2006/main" xmlns:r="http://schemas.openxmlformats.org/officeDocument/2006/relationships" xmlns:p="http://schemas.openxmlformats.org/presentationml/2006/main">
   <p:cSld>
     <p:spTree>
@@ -9006,7 +12312,287 @@
 </p:sld>
 </file>
 
-<file path=ppt/slides/slide17.xml><?xml version="1.0" encoding="utf-8"?>
+<file path=ppt/slides/slide2.xml><?xml version="1.0" encoding="utf-8"?>
+<p:sld xmlns:a="http://schemas.openxmlformats.org/drawingml/2006/main" xmlns:r="http://schemas.openxmlformats.org/officeDocument/2006/relationships" xmlns:p="http://schemas.openxmlformats.org/presentationml/2006/main">
+  <p:cSld>
+    <p:spTree>
+      <p:nvGrpSpPr>
+        <p:cNvPr id="1" name=""/>
+        <p:cNvGrpSpPr/>
+        <p:nvPr/>
+      </p:nvGrpSpPr>
+      <p:grpSpPr>
+        <a:xfrm>
+          <a:off x="0" y="0"/>
+          <a:ext cx="0" cy="0"/>
+          <a:chOff x="0" y="0"/>
+          <a:chExt cx="0" cy="0"/>
+        </a:xfrm>
+      </p:grpSpPr>
+      <p:sp>
+        <p:nvSpPr>
+          <p:cNvPr id="2" name="Title 1">
+            <a:extLst>
+              <a:ext uri="{FF2B5EF4-FFF2-40B4-BE49-F238E27FC236}">
+                <a16:creationId xmlns:a16="http://schemas.microsoft.com/office/drawing/2014/main" id="{E08C3C0D-A11E-498A-9FC8-08308CC1042C}"/>
+              </a:ext>
+            </a:extLst>
+          </p:cNvPr>
+          <p:cNvSpPr>
+            <a:spLocks noGrp="1"/>
+          </p:cNvSpPr>
+          <p:nvPr>
+            <p:ph type="title"/>
+          </p:nvPr>
+        </p:nvSpPr>
+        <p:spPr/>
+        <p:txBody>
+          <a:bodyPr/>
+          <a:lstStyle/>
+          <a:p>
+            <a:r>
+              <a:rPr lang="en-GB" dirty="0"/>
+              <a:t>Quick links</a:t>
+            </a:r>
+          </a:p>
+        </p:txBody>
+      </p:sp>
+      <p:sp>
+        <p:nvSpPr>
+          <p:cNvPr id="3" name="Content Placeholder 2">
+            <a:extLst>
+              <a:ext uri="{FF2B5EF4-FFF2-40B4-BE49-F238E27FC236}">
+                <a16:creationId xmlns:a16="http://schemas.microsoft.com/office/drawing/2014/main" id="{FC5E7828-1DF2-4DFB-8B85-F1A4841AE121}"/>
+              </a:ext>
+            </a:extLst>
+          </p:cNvPr>
+          <p:cNvSpPr>
+            <a:spLocks noGrp="1"/>
+          </p:cNvSpPr>
+          <p:nvPr>
+            <p:ph idx="1"/>
+          </p:nvPr>
+        </p:nvSpPr>
+        <p:spPr/>
+        <p:txBody>
+          <a:bodyPr>
+            <a:normAutofit fontScale="85000" lnSpcReduction="20000"/>
+          </a:bodyPr>
+          <a:lstStyle/>
+          <a:p>
+            <a:r>
+              <a:rPr lang="en-GB" dirty="0">
+                <a:hlinkClick r:id="rId2" action="ppaction://hlinksldjump"/>
+              </a:rPr>
+              <a:t>Records</a:t>
+            </a:r>
+            <a:endParaRPr lang="en-GB" dirty="0"/>
+          </a:p>
+          <a:p>
+            <a:r>
+              <a:rPr lang="en-GB" dirty="0">
+                <a:hlinkClick r:id="rId3" action="ppaction://hlinksldjump"/>
+              </a:rPr>
+              <a:t>Main Menu actions</a:t>
+            </a:r>
+            <a:endParaRPr lang="en-GB" dirty="0"/>
+          </a:p>
+          <a:p>
+            <a:pPr lvl="1"/>
+            <a:r>
+              <a:rPr lang="en-GB" dirty="0">
+                <a:hlinkClick r:id="rId4" action="ppaction://hlinksldjump"/>
+              </a:rPr>
+              <a:t>An action to retrieve one or more instances</a:t>
+            </a:r>
+            <a:endParaRPr lang="en-GB" dirty="0"/>
+          </a:p>
+          <a:p>
+            <a:pPr lvl="1"/>
+            <a:r>
+              <a:rPr lang="en-GB" dirty="0">
+                <a:hlinkClick r:id="rId5" action="ppaction://hlinksldjump"/>
+              </a:rPr>
+              <a:t>An action to create and save a new instance</a:t>
+            </a:r>
+            <a:endParaRPr lang="en-GB" dirty="0"/>
+          </a:p>
+          <a:p>
+            <a:r>
+              <a:rPr lang="en-GB" dirty="0">
+                <a:hlinkClick r:id="rId6" action="ppaction://hlinksldjump"/>
+              </a:rPr>
+              <a:t>Actions contributed to an instance’s Action menu</a:t>
+            </a:r>
+            <a:endParaRPr lang="en-GB" dirty="0">
+              <a:hlinkClick r:id="rId7" action="ppaction://hlinksldjump"/>
+            </a:endParaRPr>
+          </a:p>
+          <a:p>
+            <a:r>
+              <a:rPr lang="en-GB" dirty="0">
+                <a:hlinkClick r:id="rId7" action="ppaction://hlinksldjump"/>
+              </a:rPr>
+              <a:t>View models</a:t>
+            </a:r>
+            <a:endParaRPr lang="en-GB" dirty="0"/>
+          </a:p>
+          <a:p>
+            <a:r>
+              <a:rPr lang="en-GB" dirty="0">
+                <a:hlinkClick r:id="rId8" action="ppaction://hlinksldjump"/>
+              </a:rPr>
+              <a:t>List of attributes, their roles, and applicability</a:t>
+            </a:r>
+          </a:p>
+          <a:p>
+            <a:r>
+              <a:rPr lang="en-GB" dirty="0">
+                <a:hlinkClick r:id="rId9" action="ppaction://hlinksldjump"/>
+              </a:rPr>
+              <a:t>Complementary functions - explanation</a:t>
+            </a:r>
+            <a:endParaRPr lang="en-GB" dirty="0"/>
+          </a:p>
+          <a:p>
+            <a:pPr lvl="1"/>
+            <a:r>
+              <a:rPr lang="en-GB" dirty="0">
+                <a:hlinkClick r:id="rId10" action="ppaction://hlinksldjump"/>
+              </a:rPr>
+              <a:t>Validate</a:t>
+            </a:r>
+            <a:r>
+              <a:rPr lang="en-GB" dirty="0"/>
+              <a:t>, </a:t>
+            </a:r>
+            <a:r>
+              <a:rPr lang="en-GB" dirty="0">
+                <a:hlinkClick r:id="rId11" action="ppaction://hlinksldjump"/>
+              </a:rPr>
+              <a:t>AutoComplete</a:t>
+            </a:r>
+            <a:r>
+              <a:rPr lang="en-GB" dirty="0"/>
+              <a:t>, </a:t>
+            </a:r>
+            <a:r>
+              <a:rPr lang="en-GB" dirty="0">
+                <a:hlinkClick r:id="rId12" action="ppaction://hlinksldjump"/>
+              </a:rPr>
+              <a:t>Choices</a:t>
+            </a:r>
+            <a:r>
+              <a:rPr lang="en-GB" dirty="0"/>
+              <a:t>, </a:t>
+            </a:r>
+            <a:r>
+              <a:rPr lang="en-GB" dirty="0">
+                <a:hlinkClick r:id="rId13" action="ppaction://hlinksldjump"/>
+              </a:rPr>
+              <a:t>Default</a:t>
+            </a:r>
+            <a:r>
+              <a:rPr lang="en-GB" dirty="0"/>
+              <a:t>, </a:t>
+            </a:r>
+            <a:r>
+              <a:rPr lang="en-GB" dirty="0">
+                <a:hlinkClick r:id="rId14" action="ppaction://hlinksldjump"/>
+              </a:rPr>
+              <a:t>Disable</a:t>
+            </a:r>
+            <a:r>
+              <a:rPr lang="en-GB" dirty="0"/>
+              <a:t>, </a:t>
+            </a:r>
+            <a:r>
+              <a:rPr lang="en-GB" dirty="0">
+                <a:hlinkClick r:id="rId15" action="ppaction://hlinksldjump"/>
+              </a:rPr>
+              <a:t>Hide</a:t>
+            </a:r>
+            <a:endParaRPr lang="en-GB" dirty="0"/>
+          </a:p>
+          <a:p>
+            <a:r>
+              <a:rPr lang="en-GB" dirty="0" err="1">
+                <a:hlinkClick r:id="rId16" action="ppaction://hlinksldjump"/>
+              </a:rPr>
+              <a:t>IContext</a:t>
+            </a:r>
+            <a:r>
+              <a:rPr lang="en-GB" dirty="0">
+                <a:hlinkClick r:id="rId16" action="ppaction://hlinksldjump"/>
+              </a:rPr>
+              <a:t> helper methods</a:t>
+            </a:r>
+            <a:endParaRPr lang="en-GB" dirty="0"/>
+          </a:p>
+          <a:p>
+            <a:pPr lvl="1"/>
+            <a:r>
+              <a:rPr lang="en-GB" dirty="0"/>
+              <a:t>Today(), </a:t>
+            </a:r>
+            <a:r>
+              <a:rPr lang="en-GB" dirty="0" err="1"/>
+              <a:t>RandomSeed</a:t>
+            </a:r>
+            <a:r>
+              <a:rPr lang="en-GB" dirty="0"/>
+              <a:t>(), </a:t>
+            </a:r>
+            <a:r>
+              <a:rPr lang="en-GB" dirty="0" err="1"/>
+              <a:t>CurrentUser</a:t>
+            </a:r>
+            <a:r>
+              <a:rPr lang="en-GB" dirty="0"/>
+              <a:t>(), </a:t>
+            </a:r>
+            <a:r>
+              <a:rPr lang="en-GB" dirty="0" err="1"/>
+              <a:t>NewGuid</a:t>
+            </a:r>
+            <a:r>
+              <a:rPr lang="en-GB" dirty="0"/>
+              <a:t>()</a:t>
+            </a:r>
+          </a:p>
+          <a:p>
+            <a:r>
+              <a:rPr lang="en-GB" dirty="0"/>
+              <a:t>(Advanced) </a:t>
+            </a:r>
+            <a:r>
+              <a:rPr lang="en-GB" dirty="0">
+                <a:hlinkClick r:id="rId17" action="ppaction://hlinksldjump"/>
+              </a:rPr>
+              <a:t>Deferred functions</a:t>
+            </a:r>
+            <a:endParaRPr lang="en-GB" dirty="0"/>
+          </a:p>
+          <a:p>
+            <a:pPr lvl="1"/>
+            <a:endParaRPr lang="en-GB" dirty="0"/>
+          </a:p>
+        </p:txBody>
+      </p:sp>
+    </p:spTree>
+    <p:extLst>
+      <p:ext uri="{BB962C8B-B14F-4D97-AF65-F5344CB8AC3E}">
+        <p14:creationId xmlns:p14="http://schemas.microsoft.com/office/powerpoint/2010/main" val="1047517409"/>
+      </p:ext>
+    </p:extLst>
+  </p:cSld>
+  <p:clrMapOvr>
+    <a:masterClrMapping/>
+  </p:clrMapOvr>
+</p:sld>
+</file>
+
+<file path=ppt/slides/slide20.xml><?xml version="1.0" encoding="utf-8"?>
 <p:sld xmlns:a="http://schemas.openxmlformats.org/drawingml/2006/main" xmlns:r="http://schemas.openxmlformats.org/officeDocument/2006/relationships" xmlns:p="http://schemas.openxmlformats.org/presentationml/2006/main">
   <p:cSld>
     <p:spTree>
@@ -9254,7 +12840,7 @@
 </p:sld>
 </file>
 
-<file path=ppt/slides/slide18.xml><?xml version="1.0" encoding="utf-8"?>
+<file path=ppt/slides/slide21.xml><?xml version="1.0" encoding="utf-8"?>
 <p:sld xmlns:a="http://schemas.openxmlformats.org/drawingml/2006/main" xmlns:r="http://schemas.openxmlformats.org/officeDocument/2006/relationships" xmlns:p="http://schemas.openxmlformats.org/presentationml/2006/main">
   <p:cSld>
     <p:spTree>
@@ -9985,7 +13571,7 @@
 </p:sld>
 </file>
 
-<file path=ppt/slides/slide19.xml><?xml version="1.0" encoding="utf-8"?>
+<file path=ppt/slides/slide22.xml><?xml version="1.0" encoding="utf-8"?>
 <p:sld xmlns:a="http://schemas.openxmlformats.org/drawingml/2006/main" xmlns:r="http://schemas.openxmlformats.org/officeDocument/2006/relationships" xmlns:p="http://schemas.openxmlformats.org/presentationml/2006/main">
   <p:cSld>
     <p:spTree>
@@ -10775,1449 +14361,7 @@
 </p:sld>
 </file>
 
-<file path=ppt/slides/slide2.xml><?xml version="1.0" encoding="utf-8"?>
-<p:sld xmlns:a="http://schemas.openxmlformats.org/drawingml/2006/main" xmlns:r="http://schemas.openxmlformats.org/officeDocument/2006/relationships" xmlns:p="http://schemas.openxmlformats.org/presentationml/2006/main">
-  <p:cSld>
-    <p:spTree>
-      <p:nvGrpSpPr>
-        <p:cNvPr id="1" name=""/>
-        <p:cNvGrpSpPr/>
-        <p:nvPr/>
-      </p:nvGrpSpPr>
-      <p:grpSpPr>
-        <a:xfrm>
-          <a:off x="0" y="0"/>
-          <a:ext cx="0" cy="0"/>
-          <a:chOff x="0" y="0"/>
-          <a:chExt cx="0" cy="0"/>
-        </a:xfrm>
-      </p:grpSpPr>
-      <p:pic>
-        <p:nvPicPr>
-          <p:cNvPr id="48" name="Picture 47">
-            <a:extLst>
-              <a:ext uri="{FF2B5EF4-FFF2-40B4-BE49-F238E27FC236}">
-                <a16:creationId xmlns:a16="http://schemas.microsoft.com/office/drawing/2014/main" id="{F82BF298-420D-4FDD-B8CE-ADA8EEA4C395}"/>
-              </a:ext>
-            </a:extLst>
-          </p:cNvPr>
-          <p:cNvPicPr>
-            <a:picLocks noChangeAspect="1"/>
-          </p:cNvPicPr>
-          <p:nvPr/>
-        </p:nvPicPr>
-        <p:blipFill>
-          <a:blip r:embed="rId2"/>
-          <a:stretch>
-            <a:fillRect/>
-          </a:stretch>
-        </p:blipFill>
-        <p:spPr>
-          <a:xfrm>
-            <a:off x="117013" y="681037"/>
-            <a:ext cx="5122994" cy="5999697"/>
-          </a:xfrm>
-          <a:prstGeom prst="rect">
-            <a:avLst/>
-          </a:prstGeom>
-        </p:spPr>
-      </p:pic>
-      <p:sp>
-        <p:nvSpPr>
-          <p:cNvPr id="2" name="Title 1">
-            <a:extLst>
-              <a:ext uri="{FF2B5EF4-FFF2-40B4-BE49-F238E27FC236}">
-                <a16:creationId xmlns:a16="http://schemas.microsoft.com/office/drawing/2014/main" id="{8EDDC412-877C-4510-B156-A22697AAD67E}"/>
-              </a:ext>
-            </a:extLst>
-          </p:cNvPr>
-          <p:cNvSpPr>
-            <a:spLocks noGrp="1"/>
-          </p:cNvSpPr>
-          <p:nvPr>
-            <p:ph type="title"/>
-          </p:nvPr>
-        </p:nvSpPr>
-        <p:spPr>
-          <a:xfrm>
-            <a:off x="838200" y="198669"/>
-            <a:ext cx="10515600" cy="482368"/>
-          </a:xfrm>
-        </p:spPr>
-        <p:txBody>
-          <a:bodyPr>
-            <a:normAutofit fontScale="90000"/>
-          </a:bodyPr>
-          <a:lstStyle/>
-          <a:p>
-            <a:r>
-              <a:rPr lang="en-GB" sz="3200" dirty="0"/>
-              <a:t>Most views are generated automatically from the underlying record</a:t>
-            </a:r>
-          </a:p>
-        </p:txBody>
-      </p:sp>
-      <p:sp>
-        <p:nvSpPr>
-          <p:cNvPr id="9" name="TextBox 8">
-            <a:extLst>
-              <a:ext uri="{FF2B5EF4-FFF2-40B4-BE49-F238E27FC236}">
-                <a16:creationId xmlns:a16="http://schemas.microsoft.com/office/drawing/2014/main" id="{8C20F1E2-B326-41F9-A5A1-C7C4C1CF36DB}"/>
-              </a:ext>
-            </a:extLst>
-          </p:cNvPr>
-          <p:cNvSpPr txBox="1"/>
-          <p:nvPr/>
-        </p:nvSpPr>
-        <p:spPr>
-          <a:xfrm>
-            <a:off x="5452606" y="1007271"/>
-            <a:ext cx="6533985" cy="5047536"/>
-          </a:xfrm>
-          <a:prstGeom prst="rect">
-            <a:avLst/>
-          </a:prstGeom>
-          <a:noFill/>
-        </p:spPr>
-        <p:txBody>
-          <a:bodyPr wrap="square" rtlCol="0">
-            <a:spAutoFit/>
-          </a:bodyPr>
-          <a:lstStyle/>
-          <a:p>
-            <a:r>
-              <a:rPr lang="en-GB" sz="1400" dirty="0">
-                <a:solidFill>
-                  <a:srgbClr val="0000FF"/>
-                </a:solidFill>
-                <a:latin typeface="Consolas" panose="020B0609020204030204" pitchFamily="49" charset="0"/>
-              </a:rPr>
-              <a:t>public</a:t>
-            </a:r>
-            <a:r>
-              <a:rPr lang="en-GB" sz="1400" dirty="0">
-                <a:solidFill>
-                  <a:srgbClr val="000000"/>
-                </a:solidFill>
-                <a:latin typeface="Consolas" panose="020B0609020204030204" pitchFamily="49" charset="0"/>
-              </a:rPr>
-              <a:t> </a:t>
-            </a:r>
-            <a:r>
-              <a:rPr lang="en-GB" sz="1400" dirty="0">
-                <a:solidFill>
-                  <a:srgbClr val="0000FF"/>
-                </a:solidFill>
-                <a:latin typeface="Consolas" panose="020B0609020204030204" pitchFamily="49" charset="0"/>
-              </a:rPr>
-              <a:t>record</a:t>
-            </a:r>
-            <a:r>
-              <a:rPr lang="en-GB" sz="1400" dirty="0">
-                <a:solidFill>
-                  <a:srgbClr val="000000"/>
-                </a:solidFill>
-                <a:latin typeface="Consolas" panose="020B0609020204030204" pitchFamily="49" charset="0"/>
-              </a:rPr>
-              <a:t> Employee</a:t>
-            </a:r>
-          </a:p>
-          <a:p>
-            <a:r>
-              <a:rPr lang="en-GB" sz="1400" dirty="0">
-                <a:solidFill>
-                  <a:srgbClr val="000000"/>
-                </a:solidFill>
-                <a:latin typeface="Consolas" panose="020B0609020204030204" pitchFamily="49" charset="0"/>
-              </a:rPr>
-              <a:t>{</a:t>
-            </a:r>
-          </a:p>
-          <a:p>
-            <a:r>
-              <a:rPr lang="en-GB" sz="1400" dirty="0">
-                <a:solidFill>
-                  <a:srgbClr val="000000"/>
-                </a:solidFill>
-                <a:latin typeface="Consolas" panose="020B0609020204030204" pitchFamily="49" charset="0"/>
-              </a:rPr>
-              <a:t>    [Hidden]</a:t>
-            </a:r>
-          </a:p>
-          <a:p>
-            <a:r>
-              <a:rPr lang="en-US" sz="1400" dirty="0">
-                <a:solidFill>
-                  <a:srgbClr val="000000"/>
-                </a:solidFill>
-                <a:latin typeface="Consolas" panose="020B0609020204030204" pitchFamily="49" charset="0"/>
-              </a:rPr>
-              <a:t>    </a:t>
-            </a:r>
-            <a:r>
-              <a:rPr lang="en-US" sz="1400" dirty="0">
-                <a:solidFill>
-                  <a:srgbClr val="0000FF"/>
-                </a:solidFill>
-                <a:latin typeface="Consolas" panose="020B0609020204030204" pitchFamily="49" charset="0"/>
-              </a:rPr>
-              <a:t>public</a:t>
-            </a:r>
-            <a:r>
-              <a:rPr lang="en-US" sz="1400" dirty="0">
-                <a:solidFill>
-                  <a:srgbClr val="000000"/>
-                </a:solidFill>
-                <a:latin typeface="Consolas" panose="020B0609020204030204" pitchFamily="49" charset="0"/>
-              </a:rPr>
-              <a:t> </a:t>
-            </a:r>
-            <a:r>
-              <a:rPr lang="en-US" sz="1400" dirty="0">
-                <a:solidFill>
-                  <a:srgbClr val="0000FF"/>
-                </a:solidFill>
-                <a:latin typeface="Consolas" panose="020B0609020204030204" pitchFamily="49" charset="0"/>
-              </a:rPr>
-              <a:t>virtual</a:t>
-            </a:r>
-            <a:r>
-              <a:rPr lang="en-US" sz="1400" dirty="0">
-                <a:solidFill>
-                  <a:srgbClr val="000000"/>
-                </a:solidFill>
-                <a:latin typeface="Consolas" panose="020B0609020204030204" pitchFamily="49" charset="0"/>
-              </a:rPr>
-              <a:t> </a:t>
-            </a:r>
-            <a:r>
-              <a:rPr lang="en-US" sz="1400" dirty="0">
-                <a:solidFill>
-                  <a:srgbClr val="0000FF"/>
-                </a:solidFill>
-                <a:latin typeface="Consolas" panose="020B0609020204030204" pitchFamily="49" charset="0"/>
-              </a:rPr>
-              <a:t>int</a:t>
-            </a:r>
-            <a:r>
-              <a:rPr lang="en-US" sz="1400" dirty="0">
-                <a:solidFill>
-                  <a:srgbClr val="000000"/>
-                </a:solidFill>
-                <a:latin typeface="Consolas" panose="020B0609020204030204" pitchFamily="49" charset="0"/>
-              </a:rPr>
-              <a:t> </a:t>
-            </a:r>
-            <a:r>
-              <a:rPr lang="en-US" sz="1400" dirty="0" err="1">
-                <a:solidFill>
-                  <a:srgbClr val="000000"/>
-                </a:solidFill>
-                <a:latin typeface="Consolas" panose="020B0609020204030204" pitchFamily="49" charset="0"/>
-              </a:rPr>
-              <a:t>EmployeeID</a:t>
-            </a:r>
-            <a:r>
-              <a:rPr lang="en-US" sz="1400" dirty="0">
-                <a:solidFill>
-                  <a:srgbClr val="000000"/>
-                </a:solidFill>
-                <a:latin typeface="Consolas" panose="020B0609020204030204" pitchFamily="49" charset="0"/>
-              </a:rPr>
-              <a:t> { </a:t>
-            </a:r>
-            <a:r>
-              <a:rPr lang="en-US" sz="1400" dirty="0">
-                <a:solidFill>
-                  <a:srgbClr val="0000FF"/>
-                </a:solidFill>
-                <a:latin typeface="Consolas" panose="020B0609020204030204" pitchFamily="49" charset="0"/>
-              </a:rPr>
-              <a:t>get</a:t>
-            </a:r>
-            <a:r>
-              <a:rPr lang="en-US" sz="1400" dirty="0">
-                <a:solidFill>
-                  <a:srgbClr val="000000"/>
-                </a:solidFill>
-                <a:latin typeface="Consolas" panose="020B0609020204030204" pitchFamily="49" charset="0"/>
-              </a:rPr>
-              <a:t>; </a:t>
-            </a:r>
-            <a:r>
-              <a:rPr lang="en-US" sz="1400" dirty="0" err="1">
-                <a:solidFill>
-                  <a:srgbClr val="0000FF"/>
-                </a:solidFill>
-                <a:latin typeface="Consolas" panose="020B0609020204030204" pitchFamily="49" charset="0"/>
-              </a:rPr>
-              <a:t>init</a:t>
-            </a:r>
-            <a:r>
-              <a:rPr lang="en-US" sz="1400" dirty="0">
-                <a:solidFill>
-                  <a:srgbClr val="000000"/>
-                </a:solidFill>
-                <a:latin typeface="Consolas" panose="020B0609020204030204" pitchFamily="49" charset="0"/>
-              </a:rPr>
-              <a:t>; }</a:t>
-            </a:r>
-          </a:p>
-          <a:p>
-            <a:endParaRPr lang="en-GB" sz="1400" dirty="0">
-              <a:solidFill>
-                <a:srgbClr val="000000"/>
-              </a:solidFill>
-              <a:latin typeface="Consolas" panose="020B0609020204030204" pitchFamily="49" charset="0"/>
-            </a:endParaRPr>
-          </a:p>
-          <a:p>
-            <a:r>
-              <a:rPr lang="en-GB" sz="1400" dirty="0">
-                <a:solidFill>
-                  <a:srgbClr val="000000"/>
-                </a:solidFill>
-                <a:latin typeface="Consolas" panose="020B0609020204030204" pitchFamily="49" charset="0"/>
-              </a:rPr>
-              <a:t>    [</a:t>
-            </a:r>
-            <a:r>
-              <a:rPr lang="en-GB" sz="1400" dirty="0" err="1">
-                <a:solidFill>
-                  <a:srgbClr val="000000"/>
-                </a:solidFill>
-                <a:latin typeface="Consolas" panose="020B0609020204030204" pitchFamily="49" charset="0"/>
-              </a:rPr>
-              <a:t>MemberOrder</a:t>
-            </a:r>
-            <a:r>
-              <a:rPr lang="en-GB" sz="1400" dirty="0">
-                <a:solidFill>
-                  <a:srgbClr val="000000"/>
-                </a:solidFill>
-                <a:latin typeface="Consolas" panose="020B0609020204030204" pitchFamily="49" charset="0"/>
-              </a:rPr>
-              <a:t>(1)]</a:t>
-            </a:r>
-          </a:p>
-          <a:p>
-            <a:r>
-              <a:rPr lang="en-US" sz="1400" dirty="0">
-                <a:solidFill>
-                  <a:srgbClr val="000000"/>
-                </a:solidFill>
-                <a:latin typeface="Consolas" panose="020B0609020204030204" pitchFamily="49" charset="0"/>
-              </a:rPr>
-              <a:t>    </a:t>
-            </a:r>
-            <a:r>
-              <a:rPr lang="en-US" sz="1400" dirty="0">
-                <a:solidFill>
-                  <a:srgbClr val="0000FF"/>
-                </a:solidFill>
-                <a:latin typeface="Consolas" panose="020B0609020204030204" pitchFamily="49" charset="0"/>
-              </a:rPr>
-              <a:t>public</a:t>
-            </a:r>
-            <a:r>
-              <a:rPr lang="en-US" sz="1400" dirty="0">
-                <a:solidFill>
-                  <a:srgbClr val="000000"/>
-                </a:solidFill>
-                <a:latin typeface="Consolas" panose="020B0609020204030204" pitchFamily="49" charset="0"/>
-              </a:rPr>
-              <a:t> </a:t>
-            </a:r>
-            <a:r>
-              <a:rPr lang="en-US" sz="1400" dirty="0">
-                <a:solidFill>
-                  <a:srgbClr val="0000FF"/>
-                </a:solidFill>
-                <a:latin typeface="Consolas" panose="020B0609020204030204" pitchFamily="49" charset="0"/>
-              </a:rPr>
-              <a:t>virtual</a:t>
-            </a:r>
-            <a:r>
-              <a:rPr lang="en-US" sz="1400" dirty="0">
-                <a:solidFill>
-                  <a:srgbClr val="000000"/>
-                </a:solidFill>
-                <a:latin typeface="Consolas" panose="020B0609020204030204" pitchFamily="49" charset="0"/>
-              </a:rPr>
-              <a:t> Person </a:t>
-            </a:r>
-            <a:r>
-              <a:rPr lang="en-US" sz="1400" dirty="0" err="1">
-                <a:solidFill>
-                  <a:srgbClr val="000000"/>
-                </a:solidFill>
-                <a:latin typeface="Consolas" panose="020B0609020204030204" pitchFamily="49" charset="0"/>
-              </a:rPr>
-              <a:t>PersonDetails</a:t>
-            </a:r>
-            <a:r>
-              <a:rPr lang="en-US" sz="1400" dirty="0">
-                <a:solidFill>
-                  <a:srgbClr val="000000"/>
-                </a:solidFill>
-                <a:latin typeface="Consolas" panose="020B0609020204030204" pitchFamily="49" charset="0"/>
-              </a:rPr>
-              <a:t> { </a:t>
-            </a:r>
-            <a:r>
-              <a:rPr lang="en-US" sz="1400" dirty="0">
-                <a:solidFill>
-                  <a:srgbClr val="0000FF"/>
-                </a:solidFill>
-                <a:latin typeface="Consolas" panose="020B0609020204030204" pitchFamily="49" charset="0"/>
-              </a:rPr>
-              <a:t>get</a:t>
-            </a:r>
-            <a:r>
-              <a:rPr lang="en-US" sz="1400" dirty="0">
-                <a:solidFill>
-                  <a:srgbClr val="000000"/>
-                </a:solidFill>
-                <a:latin typeface="Consolas" panose="020B0609020204030204" pitchFamily="49" charset="0"/>
-              </a:rPr>
-              <a:t>; </a:t>
-            </a:r>
-            <a:r>
-              <a:rPr lang="en-US" sz="1400" dirty="0" err="1">
-                <a:solidFill>
-                  <a:srgbClr val="0000FF"/>
-                </a:solidFill>
-                <a:latin typeface="Consolas" panose="020B0609020204030204" pitchFamily="49" charset="0"/>
-              </a:rPr>
-              <a:t>init</a:t>
-            </a:r>
-            <a:r>
-              <a:rPr lang="en-US" sz="1400" dirty="0">
-                <a:solidFill>
-                  <a:srgbClr val="000000"/>
-                </a:solidFill>
-                <a:latin typeface="Consolas" panose="020B0609020204030204" pitchFamily="49" charset="0"/>
-              </a:rPr>
-              <a:t>; }</a:t>
-            </a:r>
-          </a:p>
-          <a:p>
-            <a:r>
-              <a:rPr lang="en-GB" sz="1400" dirty="0">
-                <a:solidFill>
-                  <a:srgbClr val="000000"/>
-                </a:solidFill>
-                <a:latin typeface="Consolas" panose="020B0609020204030204" pitchFamily="49" charset="0"/>
-              </a:rPr>
-              <a:t>    ...</a:t>
-            </a:r>
-          </a:p>
-          <a:p>
-            <a:r>
-              <a:rPr lang="en-GB" sz="1400" dirty="0">
-                <a:solidFill>
-                  <a:srgbClr val="000000"/>
-                </a:solidFill>
-                <a:latin typeface="Consolas" panose="020B0609020204030204" pitchFamily="49" charset="0"/>
-              </a:rPr>
-              <a:t>    [</a:t>
-            </a:r>
-            <a:r>
-              <a:rPr lang="en-GB" sz="1400" dirty="0" err="1">
-                <a:solidFill>
-                  <a:srgbClr val="000000"/>
-                </a:solidFill>
-                <a:latin typeface="Consolas" panose="020B0609020204030204" pitchFamily="49" charset="0"/>
-              </a:rPr>
-              <a:t>MemberOrder</a:t>
-            </a:r>
-            <a:r>
-              <a:rPr lang="en-GB" sz="1400" dirty="0">
-                <a:solidFill>
-                  <a:srgbClr val="000000"/>
-                </a:solidFill>
-                <a:latin typeface="Consolas" panose="020B0609020204030204" pitchFamily="49" charset="0"/>
-              </a:rPr>
-              <a:t>(12)]</a:t>
-            </a:r>
-          </a:p>
-          <a:p>
-            <a:r>
-              <a:rPr lang="en-US" sz="1400" dirty="0">
-                <a:solidFill>
-                  <a:srgbClr val="000000"/>
-                </a:solidFill>
-                <a:latin typeface="Consolas" panose="020B0609020204030204" pitchFamily="49" charset="0"/>
-              </a:rPr>
-              <a:t>    </a:t>
-            </a:r>
-            <a:r>
-              <a:rPr lang="en-US" sz="1400" dirty="0">
-                <a:solidFill>
-                  <a:srgbClr val="0000FF"/>
-                </a:solidFill>
-                <a:latin typeface="Consolas" panose="020B0609020204030204" pitchFamily="49" charset="0"/>
-              </a:rPr>
-              <a:t>public</a:t>
-            </a:r>
-            <a:r>
-              <a:rPr lang="en-US" sz="1400" dirty="0">
-                <a:solidFill>
-                  <a:srgbClr val="000000"/>
-                </a:solidFill>
-                <a:latin typeface="Consolas" panose="020B0609020204030204" pitchFamily="49" charset="0"/>
-              </a:rPr>
-              <a:t> </a:t>
-            </a:r>
-            <a:r>
-              <a:rPr lang="en-US" sz="1400" dirty="0">
-                <a:solidFill>
-                  <a:srgbClr val="0000FF"/>
-                </a:solidFill>
-                <a:latin typeface="Consolas" panose="020B0609020204030204" pitchFamily="49" charset="0"/>
-              </a:rPr>
-              <a:t>virtual</a:t>
-            </a:r>
-            <a:r>
-              <a:rPr lang="en-US" sz="1400" dirty="0">
-                <a:solidFill>
-                  <a:srgbClr val="000000"/>
-                </a:solidFill>
-                <a:latin typeface="Consolas" panose="020B0609020204030204" pitchFamily="49" charset="0"/>
-              </a:rPr>
-              <a:t> </a:t>
-            </a:r>
-            <a:r>
-              <a:rPr lang="en-US" sz="1400" dirty="0">
-                <a:solidFill>
-                  <a:srgbClr val="0000FF"/>
-                </a:solidFill>
-                <a:latin typeface="Consolas" panose="020B0609020204030204" pitchFamily="49" charset="0"/>
-              </a:rPr>
-              <a:t>string</a:t>
-            </a:r>
-            <a:r>
-              <a:rPr lang="en-US" sz="1400" dirty="0">
-                <a:solidFill>
-                  <a:srgbClr val="000000"/>
-                </a:solidFill>
-                <a:latin typeface="Consolas" panose="020B0609020204030204" pitchFamily="49" charset="0"/>
-              </a:rPr>
-              <a:t> </a:t>
-            </a:r>
-            <a:r>
-              <a:rPr lang="en-US" sz="1400" dirty="0" err="1">
-                <a:solidFill>
-                  <a:srgbClr val="000000"/>
-                </a:solidFill>
-                <a:latin typeface="Consolas" panose="020B0609020204030204" pitchFamily="49" charset="0"/>
-              </a:rPr>
-              <a:t>JobTitle</a:t>
-            </a:r>
-            <a:r>
-              <a:rPr lang="en-US" sz="1400" dirty="0">
-                <a:solidFill>
-                  <a:srgbClr val="000000"/>
-                </a:solidFill>
-                <a:latin typeface="Consolas" panose="020B0609020204030204" pitchFamily="49" charset="0"/>
-              </a:rPr>
-              <a:t> { </a:t>
-            </a:r>
-            <a:r>
-              <a:rPr lang="en-US" sz="1400" dirty="0">
-                <a:solidFill>
-                  <a:srgbClr val="0000FF"/>
-                </a:solidFill>
-                <a:latin typeface="Consolas" panose="020B0609020204030204" pitchFamily="49" charset="0"/>
-              </a:rPr>
-              <a:t>get</a:t>
-            </a:r>
-            <a:r>
-              <a:rPr lang="en-US" sz="1400" dirty="0">
-                <a:solidFill>
-                  <a:srgbClr val="000000"/>
-                </a:solidFill>
-                <a:latin typeface="Consolas" panose="020B0609020204030204" pitchFamily="49" charset="0"/>
-              </a:rPr>
-              <a:t>; </a:t>
-            </a:r>
-            <a:r>
-              <a:rPr lang="en-US" sz="1400" dirty="0" err="1">
-                <a:solidFill>
-                  <a:srgbClr val="0000FF"/>
-                </a:solidFill>
-                <a:latin typeface="Consolas" panose="020B0609020204030204" pitchFamily="49" charset="0"/>
-              </a:rPr>
-              <a:t>init</a:t>
-            </a:r>
-            <a:r>
-              <a:rPr lang="en-US" sz="1400" dirty="0">
-                <a:solidFill>
-                  <a:srgbClr val="000000"/>
-                </a:solidFill>
-                <a:latin typeface="Consolas" panose="020B0609020204030204" pitchFamily="49" charset="0"/>
-              </a:rPr>
-              <a:t>; }</a:t>
-            </a:r>
-          </a:p>
-          <a:p>
-            <a:r>
-              <a:rPr lang="en-GB" sz="1400" dirty="0">
-                <a:solidFill>
-                  <a:srgbClr val="000000"/>
-                </a:solidFill>
-                <a:latin typeface="Consolas" panose="020B0609020204030204" pitchFamily="49" charset="0"/>
-              </a:rPr>
-              <a:t>    ...</a:t>
-            </a:r>
-          </a:p>
-          <a:p>
-            <a:r>
-              <a:rPr lang="en-GB" sz="1400" dirty="0">
-                <a:solidFill>
-                  <a:srgbClr val="000000"/>
-                </a:solidFill>
-                <a:latin typeface="Consolas" panose="020B0609020204030204" pitchFamily="49" charset="0"/>
-              </a:rPr>
-              <a:t>    [</a:t>
-            </a:r>
-            <a:r>
-              <a:rPr lang="en-GB" sz="1400" dirty="0" err="1">
-                <a:solidFill>
-                  <a:srgbClr val="000000"/>
-                </a:solidFill>
-                <a:latin typeface="Consolas" panose="020B0609020204030204" pitchFamily="49" charset="0"/>
-              </a:rPr>
-              <a:t>MemberOrder</a:t>
-            </a:r>
-            <a:r>
-              <a:rPr lang="en-GB" sz="1400" dirty="0">
-                <a:solidFill>
-                  <a:srgbClr val="000000"/>
-                </a:solidFill>
-                <a:latin typeface="Consolas" panose="020B0609020204030204" pitchFamily="49" charset="0"/>
-              </a:rPr>
-              <a:t>(16), Mask(</a:t>
-            </a:r>
-            <a:r>
-              <a:rPr lang="en-GB" sz="1400" dirty="0">
-                <a:solidFill>
-                  <a:srgbClr val="A31515"/>
-                </a:solidFill>
-                <a:latin typeface="Consolas" panose="020B0609020204030204" pitchFamily="49" charset="0"/>
-              </a:rPr>
-              <a:t>"d"</a:t>
-            </a:r>
-            <a:r>
-              <a:rPr lang="en-GB" sz="1400" dirty="0">
-                <a:solidFill>
-                  <a:srgbClr val="000000"/>
-                </a:solidFill>
-                <a:latin typeface="Consolas" panose="020B0609020204030204" pitchFamily="49" charset="0"/>
-              </a:rPr>
-              <a:t>)]</a:t>
-            </a:r>
-          </a:p>
-          <a:p>
-            <a:r>
-              <a:rPr lang="en-US" sz="1400" dirty="0">
-                <a:solidFill>
-                  <a:srgbClr val="000000"/>
-                </a:solidFill>
-                <a:latin typeface="Consolas" panose="020B0609020204030204" pitchFamily="49" charset="0"/>
-              </a:rPr>
-              <a:t>    </a:t>
-            </a:r>
-            <a:r>
-              <a:rPr lang="en-US" sz="1400" dirty="0">
-                <a:solidFill>
-                  <a:srgbClr val="0000FF"/>
-                </a:solidFill>
-                <a:latin typeface="Consolas" panose="020B0609020204030204" pitchFamily="49" charset="0"/>
-              </a:rPr>
-              <a:t>public</a:t>
-            </a:r>
-            <a:r>
-              <a:rPr lang="en-US" sz="1400" dirty="0">
-                <a:solidFill>
-                  <a:srgbClr val="000000"/>
-                </a:solidFill>
-                <a:latin typeface="Consolas" panose="020B0609020204030204" pitchFamily="49" charset="0"/>
-              </a:rPr>
-              <a:t> </a:t>
-            </a:r>
-            <a:r>
-              <a:rPr lang="en-US" sz="1400" dirty="0">
-                <a:solidFill>
-                  <a:srgbClr val="0000FF"/>
-                </a:solidFill>
-                <a:latin typeface="Consolas" panose="020B0609020204030204" pitchFamily="49" charset="0"/>
-              </a:rPr>
-              <a:t>virtual</a:t>
-            </a:r>
-            <a:r>
-              <a:rPr lang="en-US" sz="1400" dirty="0">
-                <a:solidFill>
-                  <a:srgbClr val="000000"/>
-                </a:solidFill>
-                <a:latin typeface="Consolas" panose="020B0609020204030204" pitchFamily="49" charset="0"/>
-              </a:rPr>
-              <a:t> </a:t>
-            </a:r>
-            <a:r>
-              <a:rPr lang="en-US" sz="1400" dirty="0" err="1">
-                <a:solidFill>
-                  <a:srgbClr val="000000"/>
-                </a:solidFill>
-                <a:latin typeface="Consolas" panose="020B0609020204030204" pitchFamily="49" charset="0"/>
-              </a:rPr>
-              <a:t>DateTime</a:t>
-            </a:r>
-            <a:r>
-              <a:rPr lang="en-US" sz="1400" dirty="0">
-                <a:solidFill>
-                  <a:srgbClr val="000000"/>
-                </a:solidFill>
-                <a:latin typeface="Consolas" panose="020B0609020204030204" pitchFamily="49" charset="0"/>
-              </a:rPr>
-              <a:t>? </a:t>
-            </a:r>
-            <a:r>
-              <a:rPr lang="en-US" sz="1400" dirty="0" err="1">
-                <a:solidFill>
-                  <a:srgbClr val="000000"/>
-                </a:solidFill>
-                <a:latin typeface="Consolas" panose="020B0609020204030204" pitchFamily="49" charset="0"/>
-              </a:rPr>
-              <a:t>HireDate</a:t>
-            </a:r>
-            <a:r>
-              <a:rPr lang="en-US" sz="1400" dirty="0">
-                <a:solidFill>
-                  <a:srgbClr val="000000"/>
-                </a:solidFill>
-                <a:latin typeface="Consolas" panose="020B0609020204030204" pitchFamily="49" charset="0"/>
-              </a:rPr>
-              <a:t> { </a:t>
-            </a:r>
-            <a:r>
-              <a:rPr lang="en-US" sz="1400" dirty="0">
-                <a:solidFill>
-                  <a:srgbClr val="0000FF"/>
-                </a:solidFill>
-                <a:latin typeface="Consolas" panose="020B0609020204030204" pitchFamily="49" charset="0"/>
-              </a:rPr>
-              <a:t>get</a:t>
-            </a:r>
-            <a:r>
-              <a:rPr lang="en-US" sz="1400" dirty="0">
-                <a:solidFill>
-                  <a:srgbClr val="000000"/>
-                </a:solidFill>
-                <a:latin typeface="Consolas" panose="020B0609020204030204" pitchFamily="49" charset="0"/>
-              </a:rPr>
-              <a:t>; </a:t>
-            </a:r>
-            <a:r>
-              <a:rPr lang="en-US" sz="1400" dirty="0" err="1">
-                <a:solidFill>
-                  <a:srgbClr val="0000FF"/>
-                </a:solidFill>
-                <a:latin typeface="Consolas" panose="020B0609020204030204" pitchFamily="49" charset="0"/>
-              </a:rPr>
-              <a:t>init</a:t>
-            </a:r>
-            <a:r>
-              <a:rPr lang="en-US" sz="1400" dirty="0">
-                <a:solidFill>
-                  <a:srgbClr val="000000"/>
-                </a:solidFill>
-                <a:latin typeface="Consolas" panose="020B0609020204030204" pitchFamily="49" charset="0"/>
-              </a:rPr>
-              <a:t>; }</a:t>
-            </a:r>
-          </a:p>
-          <a:p>
-            <a:r>
-              <a:rPr lang="en-GB" sz="1400" dirty="0">
-                <a:solidFill>
-                  <a:srgbClr val="000000"/>
-                </a:solidFill>
-                <a:latin typeface="Consolas" panose="020B0609020204030204" pitchFamily="49" charset="0"/>
-              </a:rPr>
-              <a:t>    ...</a:t>
-            </a:r>
-          </a:p>
-          <a:p>
-            <a:r>
-              <a:rPr lang="en-GB" sz="1400" dirty="0">
-                <a:solidFill>
-                  <a:srgbClr val="000000"/>
-                </a:solidFill>
-                <a:latin typeface="Consolas" panose="020B0609020204030204" pitchFamily="49" charset="0"/>
-              </a:rPr>
-              <a:t>    [</a:t>
-            </a:r>
-            <a:r>
-              <a:rPr lang="en-GB" sz="1400" dirty="0" err="1">
-                <a:solidFill>
-                  <a:srgbClr val="000000"/>
-                </a:solidFill>
-                <a:latin typeface="Consolas" panose="020B0609020204030204" pitchFamily="49" charset="0"/>
-              </a:rPr>
-              <a:t>TableView</a:t>
-            </a:r>
-            <a:r>
-              <a:rPr lang="en-GB" sz="1400" dirty="0">
-                <a:solidFill>
-                  <a:srgbClr val="000000"/>
-                </a:solidFill>
-                <a:latin typeface="Consolas" panose="020B0609020204030204" pitchFamily="49" charset="0"/>
-              </a:rPr>
-              <a:t>(</a:t>
-            </a:r>
-            <a:r>
-              <a:rPr lang="en-GB" sz="1400" dirty="0">
-                <a:solidFill>
-                  <a:srgbClr val="0000FF"/>
-                </a:solidFill>
-                <a:latin typeface="Consolas" panose="020B0609020204030204" pitchFamily="49" charset="0"/>
-              </a:rPr>
-              <a:t>true</a:t>
-            </a:r>
-            <a:r>
-              <a:rPr lang="en-GB" sz="1400" dirty="0">
-                <a:solidFill>
-                  <a:srgbClr val="000000"/>
-                </a:solidFill>
-                <a:latin typeface="Consolas" panose="020B0609020204030204" pitchFamily="49" charset="0"/>
-              </a:rPr>
-              <a:t>,</a:t>
-            </a:r>
-          </a:p>
-          <a:p>
-            <a:r>
-              <a:rPr lang="en-GB" sz="1400" dirty="0">
-                <a:solidFill>
-                  <a:srgbClr val="000000"/>
-                </a:solidFill>
-                <a:latin typeface="Consolas" panose="020B0609020204030204" pitchFamily="49" charset="0"/>
-              </a:rPr>
-              <a:t>                </a:t>
-            </a:r>
-            <a:r>
-              <a:rPr lang="en-GB" sz="1400" dirty="0" err="1">
-                <a:solidFill>
-                  <a:srgbClr val="000000"/>
-                </a:solidFill>
-                <a:latin typeface="Consolas" panose="020B0609020204030204" pitchFamily="49" charset="0"/>
-              </a:rPr>
-              <a:t>nameof</a:t>
-            </a:r>
-            <a:r>
-              <a:rPr lang="en-GB" sz="1400" dirty="0">
-                <a:solidFill>
-                  <a:srgbClr val="000000"/>
-                </a:solidFill>
-                <a:latin typeface="Consolas" panose="020B0609020204030204" pitchFamily="49" charset="0"/>
-              </a:rPr>
-              <a:t>(</a:t>
-            </a:r>
-            <a:r>
-              <a:rPr lang="en-GB" sz="1400" dirty="0" err="1">
-                <a:solidFill>
-                  <a:srgbClr val="000000"/>
-                </a:solidFill>
-                <a:latin typeface="Consolas" panose="020B0609020204030204" pitchFamily="49" charset="0"/>
-              </a:rPr>
-              <a:t>EmployeeDepartmentHistory.StartDate</a:t>
-            </a:r>
-            <a:r>
-              <a:rPr lang="en-GB" sz="1400" dirty="0">
-                <a:solidFill>
-                  <a:srgbClr val="000000"/>
-                </a:solidFill>
-                <a:latin typeface="Consolas" panose="020B0609020204030204" pitchFamily="49" charset="0"/>
-              </a:rPr>
-              <a:t>),</a:t>
-            </a:r>
-          </a:p>
-          <a:p>
-            <a:r>
-              <a:rPr lang="en-GB" sz="1400" dirty="0">
-                <a:solidFill>
-                  <a:srgbClr val="000000"/>
-                </a:solidFill>
-                <a:latin typeface="Consolas" panose="020B0609020204030204" pitchFamily="49" charset="0"/>
-              </a:rPr>
-              <a:t>                </a:t>
-            </a:r>
-            <a:r>
-              <a:rPr lang="en-GB" sz="1400" dirty="0" err="1">
-                <a:solidFill>
-                  <a:srgbClr val="000000"/>
-                </a:solidFill>
-                <a:latin typeface="Consolas" panose="020B0609020204030204" pitchFamily="49" charset="0"/>
-              </a:rPr>
-              <a:t>nameof</a:t>
-            </a:r>
-            <a:r>
-              <a:rPr lang="en-GB" sz="1400" dirty="0">
-                <a:solidFill>
-                  <a:srgbClr val="000000"/>
-                </a:solidFill>
-                <a:latin typeface="Consolas" panose="020B0609020204030204" pitchFamily="49" charset="0"/>
-              </a:rPr>
-              <a:t>(</a:t>
-            </a:r>
-            <a:r>
-              <a:rPr lang="en-GB" sz="1400" dirty="0" err="1">
-                <a:solidFill>
-                  <a:srgbClr val="000000"/>
-                </a:solidFill>
-                <a:latin typeface="Consolas" panose="020B0609020204030204" pitchFamily="49" charset="0"/>
-              </a:rPr>
-              <a:t>EmployeeDepartmentHistory.EndDate</a:t>
-            </a:r>
-            <a:r>
-              <a:rPr lang="en-GB" sz="1400" dirty="0">
-                <a:solidFill>
-                  <a:srgbClr val="000000"/>
-                </a:solidFill>
-                <a:latin typeface="Consolas" panose="020B0609020204030204" pitchFamily="49" charset="0"/>
-              </a:rPr>
-              <a:t>),</a:t>
-            </a:r>
-          </a:p>
-          <a:p>
-            <a:r>
-              <a:rPr lang="en-GB" sz="1400" dirty="0">
-                <a:solidFill>
-                  <a:srgbClr val="000000"/>
-                </a:solidFill>
-                <a:latin typeface="Consolas" panose="020B0609020204030204" pitchFamily="49" charset="0"/>
-              </a:rPr>
-              <a:t>                </a:t>
-            </a:r>
-            <a:r>
-              <a:rPr lang="en-GB" sz="1400" dirty="0" err="1">
-                <a:solidFill>
-                  <a:srgbClr val="000000"/>
-                </a:solidFill>
-                <a:latin typeface="Consolas" panose="020B0609020204030204" pitchFamily="49" charset="0"/>
-              </a:rPr>
-              <a:t>nameof</a:t>
-            </a:r>
-            <a:r>
-              <a:rPr lang="en-GB" sz="1400" dirty="0">
-                <a:solidFill>
-                  <a:srgbClr val="000000"/>
-                </a:solidFill>
-                <a:latin typeface="Consolas" panose="020B0609020204030204" pitchFamily="49" charset="0"/>
-              </a:rPr>
-              <a:t>(</a:t>
-            </a:r>
-            <a:r>
-              <a:rPr lang="en-GB" sz="1400" dirty="0" err="1">
-                <a:solidFill>
-                  <a:srgbClr val="000000"/>
-                </a:solidFill>
-                <a:latin typeface="Consolas" panose="020B0609020204030204" pitchFamily="49" charset="0"/>
-              </a:rPr>
-              <a:t>EmployeeDepartmentHistory.Department</a:t>
-            </a:r>
-            <a:r>
-              <a:rPr lang="en-GB" sz="1400" dirty="0">
-                <a:solidFill>
-                  <a:srgbClr val="000000"/>
-                </a:solidFill>
-                <a:latin typeface="Consolas" panose="020B0609020204030204" pitchFamily="49" charset="0"/>
-              </a:rPr>
-              <a:t>),</a:t>
-            </a:r>
-          </a:p>
-          <a:p>
-            <a:r>
-              <a:rPr lang="en-GB" sz="1400" dirty="0">
-                <a:solidFill>
-                  <a:srgbClr val="000000"/>
-                </a:solidFill>
-                <a:latin typeface="Consolas" panose="020B0609020204030204" pitchFamily="49" charset="0"/>
-              </a:rPr>
-              <a:t>                </a:t>
-            </a:r>
-            <a:r>
-              <a:rPr lang="en-GB" sz="1400" dirty="0" err="1">
-                <a:solidFill>
-                  <a:srgbClr val="000000"/>
-                </a:solidFill>
-                <a:latin typeface="Consolas" panose="020B0609020204030204" pitchFamily="49" charset="0"/>
-              </a:rPr>
-              <a:t>nameof</a:t>
-            </a:r>
-            <a:r>
-              <a:rPr lang="en-GB" sz="1400" dirty="0">
-                <a:solidFill>
-                  <a:srgbClr val="000000"/>
-                </a:solidFill>
-                <a:latin typeface="Consolas" panose="020B0609020204030204" pitchFamily="49" charset="0"/>
-              </a:rPr>
-              <a:t>(</a:t>
-            </a:r>
-            <a:r>
-              <a:rPr lang="en-GB" sz="1400" dirty="0" err="1">
-                <a:solidFill>
-                  <a:srgbClr val="000000"/>
-                </a:solidFill>
-                <a:latin typeface="Consolas" panose="020B0609020204030204" pitchFamily="49" charset="0"/>
-              </a:rPr>
-              <a:t>EmployeeDepartmentHistory.Shift</a:t>
-            </a:r>
-            <a:r>
-              <a:rPr lang="en-GB" sz="1400" dirty="0">
-                <a:solidFill>
-                  <a:srgbClr val="000000"/>
-                </a:solidFill>
-                <a:latin typeface="Consolas" panose="020B0609020204030204" pitchFamily="49" charset="0"/>
-              </a:rPr>
-              <a:t>))]</a:t>
-            </a:r>
-          </a:p>
-          <a:p>
-            <a:r>
-              <a:rPr lang="en-US" sz="1400" dirty="0">
-                <a:solidFill>
-                  <a:srgbClr val="000000"/>
-                </a:solidFill>
-                <a:latin typeface="Consolas" panose="020B0609020204030204" pitchFamily="49" charset="0"/>
-              </a:rPr>
-              <a:t>    </a:t>
-            </a:r>
-            <a:r>
-              <a:rPr lang="en-US" sz="1400" dirty="0">
-                <a:solidFill>
-                  <a:srgbClr val="0000FF"/>
-                </a:solidFill>
-                <a:latin typeface="Consolas" panose="020B0609020204030204" pitchFamily="49" charset="0"/>
-              </a:rPr>
-              <a:t>public</a:t>
-            </a:r>
-            <a:r>
-              <a:rPr lang="en-US" sz="1400" dirty="0">
-                <a:solidFill>
-                  <a:srgbClr val="000000"/>
-                </a:solidFill>
-                <a:latin typeface="Consolas" panose="020B0609020204030204" pitchFamily="49" charset="0"/>
-              </a:rPr>
-              <a:t> </a:t>
-            </a:r>
-            <a:r>
-              <a:rPr lang="en-US" sz="1400" dirty="0">
-                <a:solidFill>
-                  <a:srgbClr val="0000FF"/>
-                </a:solidFill>
-                <a:latin typeface="Consolas" panose="020B0609020204030204" pitchFamily="49" charset="0"/>
-              </a:rPr>
-              <a:t>virtual</a:t>
-            </a:r>
-            <a:r>
-              <a:rPr lang="en-US" sz="1400" dirty="0">
-                <a:solidFill>
-                  <a:srgbClr val="000000"/>
-                </a:solidFill>
-                <a:latin typeface="Consolas" panose="020B0609020204030204" pitchFamily="49" charset="0"/>
-              </a:rPr>
-              <a:t> </a:t>
-            </a:r>
-            <a:r>
-              <a:rPr lang="en-US" sz="1400" dirty="0" err="1">
-                <a:solidFill>
-                  <a:srgbClr val="000000"/>
-                </a:solidFill>
-                <a:latin typeface="Consolas" panose="020B0609020204030204" pitchFamily="49" charset="0"/>
-              </a:rPr>
-              <a:t>ICollection</a:t>
-            </a:r>
-            <a:r>
-              <a:rPr lang="en-US" sz="1400" dirty="0">
-                <a:solidFill>
-                  <a:srgbClr val="000000"/>
-                </a:solidFill>
-                <a:latin typeface="Consolas" panose="020B0609020204030204" pitchFamily="49" charset="0"/>
-              </a:rPr>
-              <a:t>&lt;</a:t>
-            </a:r>
-            <a:r>
-              <a:rPr lang="en-US" sz="1400" dirty="0" err="1">
-                <a:solidFill>
-                  <a:srgbClr val="000000"/>
-                </a:solidFill>
-                <a:latin typeface="Consolas" panose="020B0609020204030204" pitchFamily="49" charset="0"/>
-              </a:rPr>
-              <a:t>EmployeeDepartmentHistory</a:t>
-            </a:r>
-            <a:r>
-              <a:rPr lang="en-US" sz="1400" dirty="0">
-                <a:solidFill>
-                  <a:srgbClr val="000000"/>
-                </a:solidFill>
-                <a:latin typeface="Consolas" panose="020B0609020204030204" pitchFamily="49" charset="0"/>
-              </a:rPr>
-              <a:t>&gt; Depart</a:t>
-            </a:r>
-          </a:p>
-          <a:p>
-            <a:endParaRPr lang="en-GB" sz="1400" dirty="0">
-              <a:solidFill>
-                <a:srgbClr val="000000"/>
-              </a:solidFill>
-              <a:latin typeface="Consolas" panose="020B0609020204030204" pitchFamily="49" charset="0"/>
-            </a:endParaRPr>
-          </a:p>
-          <a:p>
-            <a:r>
-              <a:rPr lang="en-GB" sz="1400" dirty="0">
-                <a:solidFill>
-                  <a:srgbClr val="000000"/>
-                </a:solidFill>
-                <a:latin typeface="Consolas" panose="020B0609020204030204" pitchFamily="49" charset="0"/>
-              </a:rPr>
-              <a:t>    </a:t>
-            </a:r>
-            <a:r>
-              <a:rPr lang="en-GB" sz="1400" dirty="0">
-                <a:solidFill>
-                  <a:srgbClr val="0000FF"/>
-                </a:solidFill>
-                <a:latin typeface="Consolas" panose="020B0609020204030204" pitchFamily="49" charset="0"/>
-              </a:rPr>
-              <a:t>public</a:t>
-            </a:r>
-            <a:r>
-              <a:rPr lang="en-GB" sz="1400" dirty="0">
-                <a:solidFill>
-                  <a:srgbClr val="000000"/>
-                </a:solidFill>
-                <a:latin typeface="Consolas" panose="020B0609020204030204" pitchFamily="49" charset="0"/>
-              </a:rPr>
-              <a:t> </a:t>
-            </a:r>
-            <a:r>
-              <a:rPr lang="en-GB" sz="1400" dirty="0">
-                <a:solidFill>
-                  <a:srgbClr val="0000FF"/>
-                </a:solidFill>
-                <a:latin typeface="Consolas" panose="020B0609020204030204" pitchFamily="49" charset="0"/>
-              </a:rPr>
-              <a:t>override</a:t>
-            </a:r>
-            <a:r>
-              <a:rPr lang="en-GB" sz="1400" dirty="0">
-                <a:solidFill>
-                  <a:srgbClr val="000000"/>
-                </a:solidFill>
-                <a:latin typeface="Consolas" panose="020B0609020204030204" pitchFamily="49" charset="0"/>
-              </a:rPr>
-              <a:t> </a:t>
-            </a:r>
-            <a:r>
-              <a:rPr lang="en-GB" sz="1400" dirty="0">
-                <a:solidFill>
-                  <a:srgbClr val="0000FF"/>
-                </a:solidFill>
-                <a:latin typeface="Consolas" panose="020B0609020204030204" pitchFamily="49" charset="0"/>
-              </a:rPr>
-              <a:t>string</a:t>
-            </a:r>
-            <a:r>
-              <a:rPr lang="en-GB" sz="1400" dirty="0">
-                <a:solidFill>
-                  <a:srgbClr val="000000"/>
-                </a:solidFill>
-                <a:latin typeface="Consolas" panose="020B0609020204030204" pitchFamily="49" charset="0"/>
-              </a:rPr>
-              <a:t> </a:t>
-            </a:r>
-            <a:r>
-              <a:rPr lang="en-GB" sz="1400" dirty="0" err="1">
-                <a:solidFill>
-                  <a:srgbClr val="000000"/>
-                </a:solidFill>
-                <a:latin typeface="Consolas" panose="020B0609020204030204" pitchFamily="49" charset="0"/>
-              </a:rPr>
-              <a:t>ToString</a:t>
-            </a:r>
-            <a:r>
-              <a:rPr lang="en-GB" sz="1400" dirty="0">
-                <a:solidFill>
-                  <a:srgbClr val="000000"/>
-                </a:solidFill>
-                <a:latin typeface="Consolas" panose="020B0609020204030204" pitchFamily="49" charset="0"/>
-              </a:rPr>
-              <a:t>() =&gt; </a:t>
-            </a:r>
-            <a:r>
-              <a:rPr lang="en-GB" sz="1400" dirty="0">
-                <a:solidFill>
-                  <a:srgbClr val="A31515"/>
-                </a:solidFill>
-                <a:latin typeface="Consolas" panose="020B0609020204030204" pitchFamily="49" charset="0"/>
-              </a:rPr>
-              <a:t>$"</a:t>
-            </a:r>
-            <a:r>
-              <a:rPr lang="en-GB" sz="1400" dirty="0">
-                <a:solidFill>
-                  <a:srgbClr val="000000"/>
-                </a:solidFill>
-                <a:latin typeface="Consolas" panose="020B0609020204030204" pitchFamily="49" charset="0"/>
-              </a:rPr>
-              <a:t>{</a:t>
-            </a:r>
-            <a:r>
-              <a:rPr lang="en-GB" sz="1400" dirty="0" err="1">
-                <a:solidFill>
-                  <a:srgbClr val="000000"/>
-                </a:solidFill>
-                <a:latin typeface="Consolas" panose="020B0609020204030204" pitchFamily="49" charset="0"/>
-              </a:rPr>
-              <a:t>PersonDetails</a:t>
-            </a:r>
-            <a:r>
-              <a:rPr lang="en-GB" sz="1400" dirty="0">
-                <a:solidFill>
-                  <a:srgbClr val="000000"/>
-                </a:solidFill>
-                <a:latin typeface="Consolas" panose="020B0609020204030204" pitchFamily="49" charset="0"/>
-              </a:rPr>
-              <a:t>}</a:t>
-            </a:r>
-            <a:r>
-              <a:rPr lang="en-GB" sz="1400" dirty="0">
-                <a:solidFill>
-                  <a:srgbClr val="A31515"/>
-                </a:solidFill>
-                <a:latin typeface="Consolas" panose="020B0609020204030204" pitchFamily="49" charset="0"/>
-              </a:rPr>
-              <a:t>"</a:t>
-            </a:r>
-            <a:r>
-              <a:rPr lang="en-GB" sz="1400" dirty="0">
-                <a:solidFill>
-                  <a:srgbClr val="000000"/>
-                </a:solidFill>
-                <a:latin typeface="Consolas" panose="020B0609020204030204" pitchFamily="49" charset="0"/>
-              </a:rPr>
-              <a:t>;</a:t>
-            </a:r>
-          </a:p>
-          <a:p>
-            <a:r>
-              <a:rPr lang="en-GB" sz="1400" dirty="0">
-                <a:solidFill>
-                  <a:srgbClr val="000000"/>
-                </a:solidFill>
-                <a:latin typeface="Consolas" panose="020B0609020204030204" pitchFamily="49" charset="0"/>
-              </a:rPr>
-              <a:t>}</a:t>
-            </a:r>
-            <a:endParaRPr lang="en-GB" sz="1400" dirty="0"/>
-          </a:p>
-        </p:txBody>
-      </p:sp>
-      <p:grpSp>
-        <p:nvGrpSpPr>
-          <p:cNvPr id="5" name="Group 4">
-            <a:extLst>
-              <a:ext uri="{FF2B5EF4-FFF2-40B4-BE49-F238E27FC236}">
-                <a16:creationId xmlns:a16="http://schemas.microsoft.com/office/drawing/2014/main" id="{CF4DACAB-2F31-4851-92D8-F332559B4D79}"/>
-              </a:ext>
-            </a:extLst>
-          </p:cNvPr>
-          <p:cNvGrpSpPr/>
-          <p:nvPr/>
-        </p:nvGrpSpPr>
-        <p:grpSpPr>
-          <a:xfrm>
-            <a:off x="7811589" y="741997"/>
-            <a:ext cx="3823061" cy="964883"/>
-            <a:chOff x="3616272" y="1618099"/>
-            <a:chExt cx="3823061" cy="964883"/>
-          </a:xfrm>
-        </p:grpSpPr>
-        <p:sp>
-          <p:nvSpPr>
-            <p:cNvPr id="6" name="TextBox 5">
-              <a:extLst>
-                <a:ext uri="{FF2B5EF4-FFF2-40B4-BE49-F238E27FC236}">
-                  <a16:creationId xmlns:a16="http://schemas.microsoft.com/office/drawing/2014/main" id="{82AD786B-77AC-4F75-8C7B-04831E0E081E}"/>
-                </a:ext>
-              </a:extLst>
-            </p:cNvPr>
-            <p:cNvSpPr txBox="1"/>
-            <p:nvPr/>
-          </p:nvSpPr>
-          <p:spPr>
-            <a:xfrm>
-              <a:off x="4143672" y="1618099"/>
-              <a:ext cx="3295661" cy="830997"/>
-            </a:xfrm>
-            <a:prstGeom prst="rect">
-              <a:avLst/>
-            </a:prstGeom>
-            <a:solidFill>
-              <a:schemeClr val="bg1"/>
-            </a:solidFill>
-            <a:ln w="28575">
-              <a:solidFill>
-                <a:schemeClr val="accent1"/>
-              </a:solidFill>
-            </a:ln>
-          </p:spPr>
-          <p:txBody>
-            <a:bodyPr wrap="square" rtlCol="0">
-              <a:spAutoFit/>
-            </a:bodyPr>
-            <a:lstStyle/>
-            <a:p>
-              <a:r>
-                <a:rPr lang="en-GB" sz="1200" dirty="0">
-                  <a:solidFill>
-                    <a:srgbClr val="FF0000"/>
-                  </a:solidFill>
-                </a:rPr>
-                <a:t>A record (in C# 9) is an immutable class. Properties have an </a:t>
-              </a:r>
-              <a:r>
-                <a:rPr lang="en-GB" sz="1100" dirty="0" err="1">
-                  <a:latin typeface="Consolas" panose="020B0609020204030204" pitchFamily="49" charset="0"/>
-                </a:rPr>
-                <a:t>init</a:t>
-              </a:r>
-              <a:r>
-                <a:rPr lang="en-GB" sz="1200" dirty="0">
-                  <a:solidFill>
-                    <a:srgbClr val="FF0000"/>
-                  </a:solidFill>
-                </a:rPr>
-                <a:t> rather than a </a:t>
-              </a:r>
-              <a:r>
-                <a:rPr lang="en-GB" sz="1100" dirty="0">
-                  <a:latin typeface="Consolas" panose="020B0609020204030204" pitchFamily="49" charset="0"/>
-                </a:rPr>
-                <a:t>set</a:t>
-              </a:r>
-              <a:r>
-                <a:rPr lang="en-GB" sz="1200" dirty="0">
-                  <a:solidFill>
-                    <a:srgbClr val="FF0000"/>
-                  </a:solidFill>
-                </a:rPr>
-                <a:t>, which means the property may only be set when constructing the object.</a:t>
-              </a:r>
-            </a:p>
-          </p:txBody>
-        </p:sp>
-        <p:cxnSp>
-          <p:nvCxnSpPr>
-            <p:cNvPr id="7" name="Straight Arrow Connector 6">
-              <a:extLst>
-                <a:ext uri="{FF2B5EF4-FFF2-40B4-BE49-F238E27FC236}">
-                  <a16:creationId xmlns:a16="http://schemas.microsoft.com/office/drawing/2014/main" id="{7CF528E7-3C51-41CD-87B7-F0A50EE16C4F}"/>
-                </a:ext>
-              </a:extLst>
-            </p:cNvPr>
-            <p:cNvCxnSpPr>
-              <a:cxnSpLocks/>
-              <a:stCxn id="6" idx="2"/>
-            </p:cNvCxnSpPr>
-            <p:nvPr/>
-          </p:nvCxnSpPr>
-          <p:spPr>
-            <a:xfrm flipH="1">
-              <a:off x="5662786" y="2449096"/>
-              <a:ext cx="128717" cy="133886"/>
-            </a:xfrm>
-            <a:prstGeom prst="straightConnector1">
-              <a:avLst/>
-            </a:prstGeom>
-            <a:ln w="28575">
-              <a:tailEnd type="triangle"/>
-            </a:ln>
-          </p:spPr>
-          <p:style>
-            <a:lnRef idx="1">
-              <a:schemeClr val="accent1"/>
-            </a:lnRef>
-            <a:fillRef idx="0">
-              <a:schemeClr val="accent1"/>
-            </a:fillRef>
-            <a:effectRef idx="0">
-              <a:schemeClr val="accent1"/>
-            </a:effectRef>
-            <a:fontRef idx="minor">
-              <a:schemeClr val="tx1"/>
-            </a:fontRef>
-          </p:style>
-        </p:cxnSp>
-        <p:cxnSp>
-          <p:nvCxnSpPr>
-            <p:cNvPr id="8" name="Straight Arrow Connector 7">
-              <a:extLst>
-                <a:ext uri="{FF2B5EF4-FFF2-40B4-BE49-F238E27FC236}">
-                  <a16:creationId xmlns:a16="http://schemas.microsoft.com/office/drawing/2014/main" id="{861208DE-3434-414B-BE86-DDA72A99E646}"/>
-                </a:ext>
-              </a:extLst>
-            </p:cNvPr>
-            <p:cNvCxnSpPr>
-              <a:cxnSpLocks/>
-              <a:stCxn id="6" idx="1"/>
-            </p:cNvCxnSpPr>
-            <p:nvPr/>
-          </p:nvCxnSpPr>
-          <p:spPr>
-            <a:xfrm flipH="1">
-              <a:off x="3616272" y="2033598"/>
-              <a:ext cx="527400" cy="0"/>
-            </a:xfrm>
-            <a:prstGeom prst="straightConnector1">
-              <a:avLst/>
-            </a:prstGeom>
-            <a:ln w="28575">
-              <a:tailEnd type="triangle"/>
-            </a:ln>
-          </p:spPr>
-          <p:style>
-            <a:lnRef idx="1">
-              <a:schemeClr val="accent1"/>
-            </a:lnRef>
-            <a:fillRef idx="0">
-              <a:schemeClr val="accent1"/>
-            </a:fillRef>
-            <a:effectRef idx="0">
-              <a:schemeClr val="accent1"/>
-            </a:effectRef>
-            <a:fontRef idx="minor">
-              <a:schemeClr val="tx1"/>
-            </a:fontRef>
-          </p:style>
-        </p:cxnSp>
-      </p:grpSp>
-    </p:spTree>
-    <p:extLst>
-      <p:ext uri="{BB962C8B-B14F-4D97-AF65-F5344CB8AC3E}">
-        <p14:creationId xmlns:p14="http://schemas.microsoft.com/office/powerpoint/2010/main" val="1390112203"/>
-      </p:ext>
-    </p:extLst>
-  </p:cSld>
-  <p:clrMapOvr>
-    <a:masterClrMapping/>
-  </p:clrMapOvr>
-</p:sld>
-</file>
-
-<file path=ppt/slides/slide20.xml><?xml version="1.0" encoding="utf-8"?>
+<file path=ppt/slides/slide23.xml><?xml version="1.0" encoding="utf-8"?>
 <p:sld xmlns:a="http://schemas.openxmlformats.org/drawingml/2006/main" xmlns:r="http://schemas.openxmlformats.org/officeDocument/2006/relationships" xmlns:p="http://schemas.openxmlformats.org/presentationml/2006/main">
   <p:cSld>
     <p:spTree>
@@ -13777,7 +15921,7 @@
 </p:sld>
 </file>
 
-<file path=ppt/slides/slide21.xml><?xml version="1.0" encoding="utf-8"?>
+<file path=ppt/slides/slide24.xml><?xml version="1.0" encoding="utf-8"?>
 <p:sld xmlns:a="http://schemas.openxmlformats.org/drawingml/2006/main" xmlns:r="http://schemas.openxmlformats.org/officeDocument/2006/relationships" xmlns:p="http://schemas.openxmlformats.org/presentationml/2006/main">
   <p:cSld>
     <p:spTree>
@@ -14945,7 +17089,7 @@
 </p:sld>
 </file>
 
-<file path=ppt/slides/slide22.xml><?xml version="1.0" encoding="utf-8"?>
+<file path=ppt/slides/slide25.xml><?xml version="1.0" encoding="utf-8"?>
 <p:sld xmlns:a="http://schemas.openxmlformats.org/drawingml/2006/main" xmlns:r="http://schemas.openxmlformats.org/officeDocument/2006/relationships" xmlns:p="http://schemas.openxmlformats.org/presentationml/2006/main">
   <p:cSld>
     <p:spTree>
@@ -16068,7 +18212,7 @@
 </p:sld>
 </file>
 
-<file path=ppt/slides/slide23.xml><?xml version="1.0" encoding="utf-8"?>
+<file path=ppt/slides/slide26.xml><?xml version="1.0" encoding="utf-8"?>
 <p:sld xmlns:a="http://schemas.openxmlformats.org/drawingml/2006/main" xmlns:r="http://schemas.openxmlformats.org/officeDocument/2006/relationships" xmlns:p="http://schemas.openxmlformats.org/presentationml/2006/main">
   <p:cSld>
     <p:spTree>
@@ -17491,7 +19635,7 @@
 </p:sld>
 </file>
 
-<file path=ppt/slides/slide24.xml><?xml version="1.0" encoding="utf-8"?>
+<file path=ppt/slides/slide27.xml><?xml version="1.0" encoding="utf-8"?>
 <p:sld xmlns:a="http://schemas.openxmlformats.org/drawingml/2006/main" xmlns:r="http://schemas.openxmlformats.org/officeDocument/2006/relationships" xmlns:p="http://schemas.openxmlformats.org/presentationml/2006/main">
   <p:cSld>
     <p:spTree>
@@ -18021,6 +20165,41 @@
           </a:prstGeom>
         </p:spPr>
       </p:pic>
+      <p:sp>
+        <p:nvSpPr>
+          <p:cNvPr id="20" name="TextBox 19">
+            <a:extLst>
+              <a:ext uri="{FF2B5EF4-FFF2-40B4-BE49-F238E27FC236}">
+                <a16:creationId xmlns:a16="http://schemas.microsoft.com/office/drawing/2014/main" id="{E2D70A85-60E1-412F-8AD4-E4DD5BEE9C6A}"/>
+              </a:ext>
+            </a:extLst>
+          </p:cNvPr>
+          <p:cNvSpPr txBox="1"/>
+          <p:nvPr/>
+        </p:nvSpPr>
+        <p:spPr>
+          <a:xfrm>
+            <a:off x="11007634" y="6550223"/>
+            <a:ext cx="936667" cy="276999"/>
+          </a:xfrm>
+          <a:prstGeom prst="rect">
+            <a:avLst/>
+          </a:prstGeom>
+          <a:noFill/>
+        </p:spPr>
+        <p:txBody>
+          <a:bodyPr wrap="none" rtlCol="0">
+            <a:spAutoFit/>
+          </a:bodyPr>
+          <a:lstStyle/>
+          <a:p>
+            <a:r>
+              <a:rPr lang="en-GB" sz="1200" dirty="0"/>
+              <a:t>Continued…</a:t>
+            </a:r>
+          </a:p>
+        </p:txBody>
+      </p:sp>
     </p:spTree>
     <p:extLst>
       <p:ext uri="{BB962C8B-B14F-4D97-AF65-F5344CB8AC3E}">
@@ -18034,7 +20213,7 @@
 </p:sld>
 </file>
 
-<file path=ppt/slides/slide25.xml><?xml version="1.0" encoding="utf-8"?>
+<file path=ppt/slides/slide28.xml><?xml version="1.0" encoding="utf-8"?>
 <p:sld xmlns:a="http://schemas.openxmlformats.org/drawingml/2006/main" xmlns:r="http://schemas.openxmlformats.org/officeDocument/2006/relationships" xmlns:p="http://schemas.openxmlformats.org/presentationml/2006/main">
   <p:cSld>
     <p:spTree>
@@ -18260,7 +20439,7 @@
 </p:sld>
 </file>
 
-<file path=ppt/slides/slide26.xml><?xml version="1.0" encoding="utf-8"?>
+<file path=ppt/slides/slide29.xml><?xml version="1.0" encoding="utf-8"?>
 <p:sld xmlns:a="http://schemas.openxmlformats.org/drawingml/2006/main" xmlns:r="http://schemas.openxmlformats.org/officeDocument/2006/relationships" xmlns:p="http://schemas.openxmlformats.org/presentationml/2006/main">
   <p:cSld>
     <p:spTree>
@@ -18306,32 +20485,20 @@
           <a:lstStyle/>
           <a:p>
             <a:r>
-              <a:rPr lang="en-GB" sz="3200" b="1"/>
+              <a:rPr lang="en-GB" sz="3200" b="1" dirty="0"/>
               <a:t>Advanced: </a:t>
             </a:r>
             <a:r>
-              <a:rPr lang="en-GB" sz="3200"/>
-              <a:t>A </a:t>
-            </a:r>
-            <a:r>
               <a:rPr lang="en-GB" sz="3200" dirty="0"/>
-              <a:t>‘deferred function’ </a:t>
-            </a:r>
-            <a:r>
-              <a:rPr lang="en-GB" sz="3200"/>
-              <a:t>is registered </a:t>
+              <a:t>A ‘deferred function’ is registered on the context, and will be executed by the framework only after the main function has exited </a:t>
+            </a:r>
+            <a:r>
+              <a:rPr lang="en-GB" sz="3200" i="1" dirty="0"/>
+              <a:t>and any changes have been saved to the database</a:t>
             </a:r>
             <a:r>
               <a:rPr lang="en-GB" sz="3200" dirty="0"/>
-              <a:t>on the context</a:t>
-            </a:r>
-            <a:r>
-              <a:rPr lang="en-GB" sz="3200"/>
-              <a:t>, and </a:t>
-            </a:r>
-            <a:r>
-              <a:rPr lang="en-GB" sz="3200" dirty="0"/>
-              <a:t>will be executed by the framework only after the main function has exited and any changes have been saved to the database.</a:t>
+              <a:t>.</a:t>
             </a:r>
           </a:p>
         </p:txBody>
@@ -18476,7 +20643,7 @@
                     <a:srgbClr val="FF0000"/>
                   </a:solidFill>
                 </a:rPr>
-                <a:t>It may be specified as a lambda or a standalone function.</a:t>
+                <a:t>It may be defined as a lambda or a standalone function.</a:t>
               </a:r>
             </a:p>
           </p:txBody>
@@ -18854,23 +21021,7 @@
                     <a:srgbClr val="FF0000"/>
                   </a:solidFill>
                 </a:rPr>
-                <a:t>5. The deferred function may make further updates to any objects, or create and save new ones -  by registering them on the returned context, </a:t>
-              </a:r>
-              <a:r>
-                <a:rPr lang="en-GB" sz="1200">
-                  <a:solidFill>
-                    <a:srgbClr val="FF0000"/>
-                  </a:solidFill>
-                </a:rPr>
-                <a:t>for subsequent </a:t>
-              </a:r>
-              <a:r>
-                <a:rPr lang="en-GB" sz="1200" dirty="0">
-                  <a:solidFill>
-                    <a:srgbClr val="FF0000"/>
-                  </a:solidFill>
-                </a:rPr>
-                <a:t>execution by the framework. </a:t>
+                <a:t>5. The deferred function may make further updates to any objects, or create and save new ones -  by registering them on the returned context, for subsequent commitment by the framework. </a:t>
               </a:r>
             </a:p>
           </p:txBody>
@@ -18993,15 +21144,13 @@
                     <a:srgbClr val="FF0000"/>
                   </a:solidFill>
                 </a:rPr>
-                <a:t> creates a new order and a new </a:t>
+                <a:t> creates a new </a:t>
               </a:r>
               <a:r>
-                <a:rPr lang="en-GB" sz="1200">
-                  <a:solidFill>
-                    <a:srgbClr val="FF0000"/>
-                  </a:solidFill>
+                <a:rPr lang="en-GB" sz="1100" dirty="0" err="1">
+                  <a:latin typeface="Consolas" panose="020B0609020204030204" pitchFamily="49" charset="0"/>
                 </a:rPr>
-                <a:t>detail object, both </a:t>
+                <a:t>SalesOrderHeader</a:t>
               </a:r>
               <a:r>
                 <a:rPr lang="en-GB" sz="1200" dirty="0">
@@ -19009,15 +21158,21 @@
                     <a:srgbClr val="FF0000"/>
                   </a:solidFill>
                 </a:rPr>
-                <a:t>to be saved</a:t>
+                <a:t> and a new </a:t>
               </a:r>
               <a:r>
-                <a:rPr lang="en-GB" sz="1200">
+                <a:rPr lang="en-GB" sz="1100" dirty="0" err="1">
+                  <a:latin typeface="Consolas" panose="020B0609020204030204" pitchFamily="49" charset="0"/>
+                </a:rPr>
+                <a:t>SalesOrderDetail</a:t>
+              </a:r>
+              <a:r>
+                <a:rPr lang="en-GB" sz="1200" dirty="0">
                   <a:solidFill>
                     <a:srgbClr val="FF0000"/>
                   </a:solidFill>
                 </a:rPr>
-                <a:t>. The </a:t>
+                <a:t> object, both to be saved. The </a:t>
               </a:r>
               <a:r>
                 <a:rPr lang="en-GB" sz="1100" dirty="0">
@@ -19031,23 +21186,7 @@
                     <a:srgbClr val="FF0000"/>
                   </a:solidFill>
                 </a:rPr>
-                <a:t> function </a:t>
-              </a:r>
-              <a:r>
-                <a:rPr lang="en-GB" sz="1200">
-                  <a:solidFill>
-                    <a:srgbClr val="FF0000"/>
-                  </a:solidFill>
-                </a:rPr>
-                <a:t>will update </a:t>
-              </a:r>
-              <a:r>
-                <a:rPr lang="en-GB" sz="1200" dirty="0">
-                  <a:solidFill>
-                    <a:srgbClr val="FF0000"/>
-                  </a:solidFill>
-                </a:rPr>
-                <a:t>the order’s </a:t>
+                <a:t> function will update the order’s </a:t>
               </a:r>
               <a:r>
                 <a:rPr lang="en-GB" sz="1100" dirty="0">
@@ -19181,6 +21320,41 @@
           </p:style>
         </p:cxnSp>
       </p:grpSp>
+      <p:sp>
+        <p:nvSpPr>
+          <p:cNvPr id="19" name="TextBox 18">
+            <a:extLst>
+              <a:ext uri="{FF2B5EF4-FFF2-40B4-BE49-F238E27FC236}">
+                <a16:creationId xmlns:a16="http://schemas.microsoft.com/office/drawing/2014/main" id="{4502DC77-4491-4EB8-8959-E0F8F5A9CC6C}"/>
+              </a:ext>
+            </a:extLst>
+          </p:cNvPr>
+          <p:cNvSpPr txBox="1"/>
+          <p:nvPr/>
+        </p:nvSpPr>
+        <p:spPr>
+          <a:xfrm>
+            <a:off x="11007634" y="6550223"/>
+            <a:ext cx="936667" cy="276999"/>
+          </a:xfrm>
+          <a:prstGeom prst="rect">
+            <a:avLst/>
+          </a:prstGeom>
+          <a:noFill/>
+        </p:spPr>
+        <p:txBody>
+          <a:bodyPr wrap="none" rtlCol="0">
+            <a:spAutoFit/>
+          </a:bodyPr>
+          <a:lstStyle/>
+          <a:p>
+            <a:r>
+              <a:rPr lang="en-GB" sz="1200" dirty="0"/>
+              <a:t>Continued…</a:t>
+            </a:r>
+          </a:p>
+        </p:txBody>
+      </p:sp>
     </p:spTree>
     <p:extLst>
       <p:ext uri="{BB962C8B-B14F-4D97-AF65-F5344CB8AC3E}">
@@ -19194,7 +21368,1449 @@
 </p:sld>
 </file>
 
-<file path=ppt/slides/slide27.xml><?xml version="1.0" encoding="utf-8"?>
+<file path=ppt/slides/slide3.xml><?xml version="1.0" encoding="utf-8"?>
+<p:sld xmlns:a="http://schemas.openxmlformats.org/drawingml/2006/main" xmlns:r="http://schemas.openxmlformats.org/officeDocument/2006/relationships" xmlns:p="http://schemas.openxmlformats.org/presentationml/2006/main">
+  <p:cSld>
+    <p:spTree>
+      <p:nvGrpSpPr>
+        <p:cNvPr id="1" name=""/>
+        <p:cNvGrpSpPr/>
+        <p:nvPr/>
+      </p:nvGrpSpPr>
+      <p:grpSpPr>
+        <a:xfrm>
+          <a:off x="0" y="0"/>
+          <a:ext cx="0" cy="0"/>
+          <a:chOff x="0" y="0"/>
+          <a:chExt cx="0" cy="0"/>
+        </a:xfrm>
+      </p:grpSpPr>
+      <p:pic>
+        <p:nvPicPr>
+          <p:cNvPr id="48" name="Picture 47">
+            <a:extLst>
+              <a:ext uri="{FF2B5EF4-FFF2-40B4-BE49-F238E27FC236}">
+                <a16:creationId xmlns:a16="http://schemas.microsoft.com/office/drawing/2014/main" id="{F82BF298-420D-4FDD-B8CE-ADA8EEA4C395}"/>
+              </a:ext>
+            </a:extLst>
+          </p:cNvPr>
+          <p:cNvPicPr>
+            <a:picLocks noChangeAspect="1"/>
+          </p:cNvPicPr>
+          <p:nvPr/>
+        </p:nvPicPr>
+        <p:blipFill>
+          <a:blip r:embed="rId2"/>
+          <a:stretch>
+            <a:fillRect/>
+          </a:stretch>
+        </p:blipFill>
+        <p:spPr>
+          <a:xfrm>
+            <a:off x="117013" y="681037"/>
+            <a:ext cx="5122994" cy="5999697"/>
+          </a:xfrm>
+          <a:prstGeom prst="rect">
+            <a:avLst/>
+          </a:prstGeom>
+        </p:spPr>
+      </p:pic>
+      <p:sp>
+        <p:nvSpPr>
+          <p:cNvPr id="2" name="Title 1">
+            <a:extLst>
+              <a:ext uri="{FF2B5EF4-FFF2-40B4-BE49-F238E27FC236}">
+                <a16:creationId xmlns:a16="http://schemas.microsoft.com/office/drawing/2014/main" id="{8EDDC412-877C-4510-B156-A22697AAD67E}"/>
+              </a:ext>
+            </a:extLst>
+          </p:cNvPr>
+          <p:cNvSpPr>
+            <a:spLocks noGrp="1"/>
+          </p:cNvSpPr>
+          <p:nvPr>
+            <p:ph type="title"/>
+          </p:nvPr>
+        </p:nvSpPr>
+        <p:spPr>
+          <a:xfrm>
+            <a:off x="838200" y="198669"/>
+            <a:ext cx="10515600" cy="482368"/>
+          </a:xfrm>
+        </p:spPr>
+        <p:txBody>
+          <a:bodyPr>
+            <a:normAutofit fontScale="90000"/>
+          </a:bodyPr>
+          <a:lstStyle/>
+          <a:p>
+            <a:r>
+              <a:rPr lang="en-GB" sz="3200" dirty="0"/>
+              <a:t>Most views are generated automatically from the underlying record</a:t>
+            </a:r>
+          </a:p>
+        </p:txBody>
+      </p:sp>
+      <p:sp>
+        <p:nvSpPr>
+          <p:cNvPr id="9" name="TextBox 8">
+            <a:extLst>
+              <a:ext uri="{FF2B5EF4-FFF2-40B4-BE49-F238E27FC236}">
+                <a16:creationId xmlns:a16="http://schemas.microsoft.com/office/drawing/2014/main" id="{8C20F1E2-B326-41F9-A5A1-C7C4C1CF36DB}"/>
+              </a:ext>
+            </a:extLst>
+          </p:cNvPr>
+          <p:cNvSpPr txBox="1"/>
+          <p:nvPr/>
+        </p:nvSpPr>
+        <p:spPr>
+          <a:xfrm>
+            <a:off x="5452606" y="1007271"/>
+            <a:ext cx="6533985" cy="5047536"/>
+          </a:xfrm>
+          <a:prstGeom prst="rect">
+            <a:avLst/>
+          </a:prstGeom>
+          <a:noFill/>
+        </p:spPr>
+        <p:txBody>
+          <a:bodyPr wrap="square" rtlCol="0">
+            <a:spAutoFit/>
+          </a:bodyPr>
+          <a:lstStyle/>
+          <a:p>
+            <a:r>
+              <a:rPr lang="en-GB" sz="1400" dirty="0">
+                <a:solidFill>
+                  <a:srgbClr val="0000FF"/>
+                </a:solidFill>
+                <a:latin typeface="Consolas" panose="020B0609020204030204" pitchFamily="49" charset="0"/>
+              </a:rPr>
+              <a:t>public</a:t>
+            </a:r>
+            <a:r>
+              <a:rPr lang="en-GB" sz="1400" dirty="0">
+                <a:solidFill>
+                  <a:srgbClr val="000000"/>
+                </a:solidFill>
+                <a:latin typeface="Consolas" panose="020B0609020204030204" pitchFamily="49" charset="0"/>
+              </a:rPr>
+              <a:t> </a:t>
+            </a:r>
+            <a:r>
+              <a:rPr lang="en-GB" sz="1400" dirty="0">
+                <a:solidFill>
+                  <a:srgbClr val="0000FF"/>
+                </a:solidFill>
+                <a:latin typeface="Consolas" panose="020B0609020204030204" pitchFamily="49" charset="0"/>
+              </a:rPr>
+              <a:t>record</a:t>
+            </a:r>
+            <a:r>
+              <a:rPr lang="en-GB" sz="1400" dirty="0">
+                <a:solidFill>
+                  <a:srgbClr val="000000"/>
+                </a:solidFill>
+                <a:latin typeface="Consolas" panose="020B0609020204030204" pitchFamily="49" charset="0"/>
+              </a:rPr>
+              <a:t> Employee</a:t>
+            </a:r>
+          </a:p>
+          <a:p>
+            <a:r>
+              <a:rPr lang="en-GB" sz="1400" dirty="0">
+                <a:solidFill>
+                  <a:srgbClr val="000000"/>
+                </a:solidFill>
+                <a:latin typeface="Consolas" panose="020B0609020204030204" pitchFamily="49" charset="0"/>
+              </a:rPr>
+              <a:t>{</a:t>
+            </a:r>
+          </a:p>
+          <a:p>
+            <a:r>
+              <a:rPr lang="en-GB" sz="1400" dirty="0">
+                <a:solidFill>
+                  <a:srgbClr val="000000"/>
+                </a:solidFill>
+                <a:latin typeface="Consolas" panose="020B0609020204030204" pitchFamily="49" charset="0"/>
+              </a:rPr>
+              <a:t>    [Hidden]</a:t>
+            </a:r>
+          </a:p>
+          <a:p>
+            <a:r>
+              <a:rPr lang="en-US" sz="1400" dirty="0">
+                <a:solidFill>
+                  <a:srgbClr val="000000"/>
+                </a:solidFill>
+                <a:latin typeface="Consolas" panose="020B0609020204030204" pitchFamily="49" charset="0"/>
+              </a:rPr>
+              <a:t>    </a:t>
+            </a:r>
+            <a:r>
+              <a:rPr lang="en-US" sz="1400" dirty="0">
+                <a:solidFill>
+                  <a:srgbClr val="0000FF"/>
+                </a:solidFill>
+                <a:latin typeface="Consolas" panose="020B0609020204030204" pitchFamily="49" charset="0"/>
+              </a:rPr>
+              <a:t>public</a:t>
+            </a:r>
+            <a:r>
+              <a:rPr lang="en-US" sz="1400" dirty="0">
+                <a:solidFill>
+                  <a:srgbClr val="000000"/>
+                </a:solidFill>
+                <a:latin typeface="Consolas" panose="020B0609020204030204" pitchFamily="49" charset="0"/>
+              </a:rPr>
+              <a:t> </a:t>
+            </a:r>
+            <a:r>
+              <a:rPr lang="en-US" sz="1400" dirty="0">
+                <a:solidFill>
+                  <a:srgbClr val="0000FF"/>
+                </a:solidFill>
+                <a:latin typeface="Consolas" panose="020B0609020204030204" pitchFamily="49" charset="0"/>
+              </a:rPr>
+              <a:t>virtual</a:t>
+            </a:r>
+            <a:r>
+              <a:rPr lang="en-US" sz="1400" dirty="0">
+                <a:solidFill>
+                  <a:srgbClr val="000000"/>
+                </a:solidFill>
+                <a:latin typeface="Consolas" panose="020B0609020204030204" pitchFamily="49" charset="0"/>
+              </a:rPr>
+              <a:t> </a:t>
+            </a:r>
+            <a:r>
+              <a:rPr lang="en-US" sz="1400" dirty="0">
+                <a:solidFill>
+                  <a:srgbClr val="0000FF"/>
+                </a:solidFill>
+                <a:latin typeface="Consolas" panose="020B0609020204030204" pitchFamily="49" charset="0"/>
+              </a:rPr>
+              <a:t>int</a:t>
+            </a:r>
+            <a:r>
+              <a:rPr lang="en-US" sz="1400" dirty="0">
+                <a:solidFill>
+                  <a:srgbClr val="000000"/>
+                </a:solidFill>
+                <a:latin typeface="Consolas" panose="020B0609020204030204" pitchFamily="49" charset="0"/>
+              </a:rPr>
+              <a:t> </a:t>
+            </a:r>
+            <a:r>
+              <a:rPr lang="en-US" sz="1400" dirty="0" err="1">
+                <a:solidFill>
+                  <a:srgbClr val="000000"/>
+                </a:solidFill>
+                <a:latin typeface="Consolas" panose="020B0609020204030204" pitchFamily="49" charset="0"/>
+              </a:rPr>
+              <a:t>EmployeeID</a:t>
+            </a:r>
+            <a:r>
+              <a:rPr lang="en-US" sz="1400" dirty="0">
+                <a:solidFill>
+                  <a:srgbClr val="000000"/>
+                </a:solidFill>
+                <a:latin typeface="Consolas" panose="020B0609020204030204" pitchFamily="49" charset="0"/>
+              </a:rPr>
+              <a:t> { </a:t>
+            </a:r>
+            <a:r>
+              <a:rPr lang="en-US" sz="1400" dirty="0">
+                <a:solidFill>
+                  <a:srgbClr val="0000FF"/>
+                </a:solidFill>
+                <a:latin typeface="Consolas" panose="020B0609020204030204" pitchFamily="49" charset="0"/>
+              </a:rPr>
+              <a:t>get</a:t>
+            </a:r>
+            <a:r>
+              <a:rPr lang="en-US" sz="1400" dirty="0">
+                <a:solidFill>
+                  <a:srgbClr val="000000"/>
+                </a:solidFill>
+                <a:latin typeface="Consolas" panose="020B0609020204030204" pitchFamily="49" charset="0"/>
+              </a:rPr>
+              <a:t>; </a:t>
+            </a:r>
+            <a:r>
+              <a:rPr lang="en-US" sz="1400" dirty="0" err="1">
+                <a:solidFill>
+                  <a:srgbClr val="0000FF"/>
+                </a:solidFill>
+                <a:latin typeface="Consolas" panose="020B0609020204030204" pitchFamily="49" charset="0"/>
+              </a:rPr>
+              <a:t>init</a:t>
+            </a:r>
+            <a:r>
+              <a:rPr lang="en-US" sz="1400" dirty="0">
+                <a:solidFill>
+                  <a:srgbClr val="000000"/>
+                </a:solidFill>
+                <a:latin typeface="Consolas" panose="020B0609020204030204" pitchFamily="49" charset="0"/>
+              </a:rPr>
+              <a:t>; }</a:t>
+            </a:r>
+          </a:p>
+          <a:p>
+            <a:endParaRPr lang="en-GB" sz="1400" dirty="0">
+              <a:solidFill>
+                <a:srgbClr val="000000"/>
+              </a:solidFill>
+              <a:latin typeface="Consolas" panose="020B0609020204030204" pitchFamily="49" charset="0"/>
+            </a:endParaRPr>
+          </a:p>
+          <a:p>
+            <a:r>
+              <a:rPr lang="en-GB" sz="1400" dirty="0">
+                <a:solidFill>
+                  <a:srgbClr val="000000"/>
+                </a:solidFill>
+                <a:latin typeface="Consolas" panose="020B0609020204030204" pitchFamily="49" charset="0"/>
+              </a:rPr>
+              <a:t>    [</a:t>
+            </a:r>
+            <a:r>
+              <a:rPr lang="en-GB" sz="1400" dirty="0" err="1">
+                <a:solidFill>
+                  <a:srgbClr val="000000"/>
+                </a:solidFill>
+                <a:latin typeface="Consolas" panose="020B0609020204030204" pitchFamily="49" charset="0"/>
+              </a:rPr>
+              <a:t>MemberOrder</a:t>
+            </a:r>
+            <a:r>
+              <a:rPr lang="en-GB" sz="1400" dirty="0">
+                <a:solidFill>
+                  <a:srgbClr val="000000"/>
+                </a:solidFill>
+                <a:latin typeface="Consolas" panose="020B0609020204030204" pitchFamily="49" charset="0"/>
+              </a:rPr>
+              <a:t>(1)]</a:t>
+            </a:r>
+          </a:p>
+          <a:p>
+            <a:r>
+              <a:rPr lang="en-US" sz="1400" dirty="0">
+                <a:solidFill>
+                  <a:srgbClr val="000000"/>
+                </a:solidFill>
+                <a:latin typeface="Consolas" panose="020B0609020204030204" pitchFamily="49" charset="0"/>
+              </a:rPr>
+              <a:t>    </a:t>
+            </a:r>
+            <a:r>
+              <a:rPr lang="en-US" sz="1400" dirty="0">
+                <a:solidFill>
+                  <a:srgbClr val="0000FF"/>
+                </a:solidFill>
+                <a:latin typeface="Consolas" panose="020B0609020204030204" pitchFamily="49" charset="0"/>
+              </a:rPr>
+              <a:t>public</a:t>
+            </a:r>
+            <a:r>
+              <a:rPr lang="en-US" sz="1400" dirty="0">
+                <a:solidFill>
+                  <a:srgbClr val="000000"/>
+                </a:solidFill>
+                <a:latin typeface="Consolas" panose="020B0609020204030204" pitchFamily="49" charset="0"/>
+              </a:rPr>
+              <a:t> </a:t>
+            </a:r>
+            <a:r>
+              <a:rPr lang="en-US" sz="1400" dirty="0">
+                <a:solidFill>
+                  <a:srgbClr val="0000FF"/>
+                </a:solidFill>
+                <a:latin typeface="Consolas" panose="020B0609020204030204" pitchFamily="49" charset="0"/>
+              </a:rPr>
+              <a:t>virtual</a:t>
+            </a:r>
+            <a:r>
+              <a:rPr lang="en-US" sz="1400" dirty="0">
+                <a:solidFill>
+                  <a:srgbClr val="000000"/>
+                </a:solidFill>
+                <a:latin typeface="Consolas" panose="020B0609020204030204" pitchFamily="49" charset="0"/>
+              </a:rPr>
+              <a:t> Person </a:t>
+            </a:r>
+            <a:r>
+              <a:rPr lang="en-US" sz="1400" dirty="0" err="1">
+                <a:solidFill>
+                  <a:srgbClr val="000000"/>
+                </a:solidFill>
+                <a:latin typeface="Consolas" panose="020B0609020204030204" pitchFamily="49" charset="0"/>
+              </a:rPr>
+              <a:t>PersonDetails</a:t>
+            </a:r>
+            <a:r>
+              <a:rPr lang="en-US" sz="1400" dirty="0">
+                <a:solidFill>
+                  <a:srgbClr val="000000"/>
+                </a:solidFill>
+                <a:latin typeface="Consolas" panose="020B0609020204030204" pitchFamily="49" charset="0"/>
+              </a:rPr>
+              <a:t> { </a:t>
+            </a:r>
+            <a:r>
+              <a:rPr lang="en-US" sz="1400" dirty="0">
+                <a:solidFill>
+                  <a:srgbClr val="0000FF"/>
+                </a:solidFill>
+                <a:latin typeface="Consolas" panose="020B0609020204030204" pitchFamily="49" charset="0"/>
+              </a:rPr>
+              <a:t>get</a:t>
+            </a:r>
+            <a:r>
+              <a:rPr lang="en-US" sz="1400" dirty="0">
+                <a:solidFill>
+                  <a:srgbClr val="000000"/>
+                </a:solidFill>
+                <a:latin typeface="Consolas" panose="020B0609020204030204" pitchFamily="49" charset="0"/>
+              </a:rPr>
+              <a:t>; </a:t>
+            </a:r>
+            <a:r>
+              <a:rPr lang="en-US" sz="1400" dirty="0" err="1">
+                <a:solidFill>
+                  <a:srgbClr val="0000FF"/>
+                </a:solidFill>
+                <a:latin typeface="Consolas" panose="020B0609020204030204" pitchFamily="49" charset="0"/>
+              </a:rPr>
+              <a:t>init</a:t>
+            </a:r>
+            <a:r>
+              <a:rPr lang="en-US" sz="1400" dirty="0">
+                <a:solidFill>
+                  <a:srgbClr val="000000"/>
+                </a:solidFill>
+                <a:latin typeface="Consolas" panose="020B0609020204030204" pitchFamily="49" charset="0"/>
+              </a:rPr>
+              <a:t>; }</a:t>
+            </a:r>
+          </a:p>
+          <a:p>
+            <a:r>
+              <a:rPr lang="en-GB" sz="1400" dirty="0">
+                <a:solidFill>
+                  <a:srgbClr val="000000"/>
+                </a:solidFill>
+                <a:latin typeface="Consolas" panose="020B0609020204030204" pitchFamily="49" charset="0"/>
+              </a:rPr>
+              <a:t>    ...</a:t>
+            </a:r>
+          </a:p>
+          <a:p>
+            <a:r>
+              <a:rPr lang="en-GB" sz="1400" dirty="0">
+                <a:solidFill>
+                  <a:srgbClr val="000000"/>
+                </a:solidFill>
+                <a:latin typeface="Consolas" panose="020B0609020204030204" pitchFamily="49" charset="0"/>
+              </a:rPr>
+              <a:t>    [</a:t>
+            </a:r>
+            <a:r>
+              <a:rPr lang="en-GB" sz="1400" dirty="0" err="1">
+                <a:solidFill>
+                  <a:srgbClr val="000000"/>
+                </a:solidFill>
+                <a:latin typeface="Consolas" panose="020B0609020204030204" pitchFamily="49" charset="0"/>
+              </a:rPr>
+              <a:t>MemberOrder</a:t>
+            </a:r>
+            <a:r>
+              <a:rPr lang="en-GB" sz="1400" dirty="0">
+                <a:solidFill>
+                  <a:srgbClr val="000000"/>
+                </a:solidFill>
+                <a:latin typeface="Consolas" panose="020B0609020204030204" pitchFamily="49" charset="0"/>
+              </a:rPr>
+              <a:t>(12)]</a:t>
+            </a:r>
+          </a:p>
+          <a:p>
+            <a:r>
+              <a:rPr lang="en-US" sz="1400" dirty="0">
+                <a:solidFill>
+                  <a:srgbClr val="000000"/>
+                </a:solidFill>
+                <a:latin typeface="Consolas" panose="020B0609020204030204" pitchFamily="49" charset="0"/>
+              </a:rPr>
+              <a:t>    </a:t>
+            </a:r>
+            <a:r>
+              <a:rPr lang="en-US" sz="1400" dirty="0">
+                <a:solidFill>
+                  <a:srgbClr val="0000FF"/>
+                </a:solidFill>
+                <a:latin typeface="Consolas" panose="020B0609020204030204" pitchFamily="49" charset="0"/>
+              </a:rPr>
+              <a:t>public</a:t>
+            </a:r>
+            <a:r>
+              <a:rPr lang="en-US" sz="1400" dirty="0">
+                <a:solidFill>
+                  <a:srgbClr val="000000"/>
+                </a:solidFill>
+                <a:latin typeface="Consolas" panose="020B0609020204030204" pitchFamily="49" charset="0"/>
+              </a:rPr>
+              <a:t> </a:t>
+            </a:r>
+            <a:r>
+              <a:rPr lang="en-US" sz="1400" dirty="0">
+                <a:solidFill>
+                  <a:srgbClr val="0000FF"/>
+                </a:solidFill>
+                <a:latin typeface="Consolas" panose="020B0609020204030204" pitchFamily="49" charset="0"/>
+              </a:rPr>
+              <a:t>virtual</a:t>
+            </a:r>
+            <a:r>
+              <a:rPr lang="en-US" sz="1400" dirty="0">
+                <a:solidFill>
+                  <a:srgbClr val="000000"/>
+                </a:solidFill>
+                <a:latin typeface="Consolas" panose="020B0609020204030204" pitchFamily="49" charset="0"/>
+              </a:rPr>
+              <a:t> </a:t>
+            </a:r>
+            <a:r>
+              <a:rPr lang="en-US" sz="1400" dirty="0">
+                <a:solidFill>
+                  <a:srgbClr val="0000FF"/>
+                </a:solidFill>
+                <a:latin typeface="Consolas" panose="020B0609020204030204" pitchFamily="49" charset="0"/>
+              </a:rPr>
+              <a:t>string</a:t>
+            </a:r>
+            <a:r>
+              <a:rPr lang="en-US" sz="1400" dirty="0">
+                <a:solidFill>
+                  <a:srgbClr val="000000"/>
+                </a:solidFill>
+                <a:latin typeface="Consolas" panose="020B0609020204030204" pitchFamily="49" charset="0"/>
+              </a:rPr>
+              <a:t> </a:t>
+            </a:r>
+            <a:r>
+              <a:rPr lang="en-US" sz="1400" dirty="0" err="1">
+                <a:solidFill>
+                  <a:srgbClr val="000000"/>
+                </a:solidFill>
+                <a:latin typeface="Consolas" panose="020B0609020204030204" pitchFamily="49" charset="0"/>
+              </a:rPr>
+              <a:t>JobTitle</a:t>
+            </a:r>
+            <a:r>
+              <a:rPr lang="en-US" sz="1400" dirty="0">
+                <a:solidFill>
+                  <a:srgbClr val="000000"/>
+                </a:solidFill>
+                <a:latin typeface="Consolas" panose="020B0609020204030204" pitchFamily="49" charset="0"/>
+              </a:rPr>
+              <a:t> { </a:t>
+            </a:r>
+            <a:r>
+              <a:rPr lang="en-US" sz="1400" dirty="0">
+                <a:solidFill>
+                  <a:srgbClr val="0000FF"/>
+                </a:solidFill>
+                <a:latin typeface="Consolas" panose="020B0609020204030204" pitchFamily="49" charset="0"/>
+              </a:rPr>
+              <a:t>get</a:t>
+            </a:r>
+            <a:r>
+              <a:rPr lang="en-US" sz="1400" dirty="0">
+                <a:solidFill>
+                  <a:srgbClr val="000000"/>
+                </a:solidFill>
+                <a:latin typeface="Consolas" panose="020B0609020204030204" pitchFamily="49" charset="0"/>
+              </a:rPr>
+              <a:t>; </a:t>
+            </a:r>
+            <a:r>
+              <a:rPr lang="en-US" sz="1400" dirty="0" err="1">
+                <a:solidFill>
+                  <a:srgbClr val="0000FF"/>
+                </a:solidFill>
+                <a:latin typeface="Consolas" panose="020B0609020204030204" pitchFamily="49" charset="0"/>
+              </a:rPr>
+              <a:t>init</a:t>
+            </a:r>
+            <a:r>
+              <a:rPr lang="en-US" sz="1400" dirty="0">
+                <a:solidFill>
+                  <a:srgbClr val="000000"/>
+                </a:solidFill>
+                <a:latin typeface="Consolas" panose="020B0609020204030204" pitchFamily="49" charset="0"/>
+              </a:rPr>
+              <a:t>; }</a:t>
+            </a:r>
+          </a:p>
+          <a:p>
+            <a:r>
+              <a:rPr lang="en-GB" sz="1400" dirty="0">
+                <a:solidFill>
+                  <a:srgbClr val="000000"/>
+                </a:solidFill>
+                <a:latin typeface="Consolas" panose="020B0609020204030204" pitchFamily="49" charset="0"/>
+              </a:rPr>
+              <a:t>    ...</a:t>
+            </a:r>
+          </a:p>
+          <a:p>
+            <a:r>
+              <a:rPr lang="en-GB" sz="1400" dirty="0">
+                <a:solidFill>
+                  <a:srgbClr val="000000"/>
+                </a:solidFill>
+                <a:latin typeface="Consolas" panose="020B0609020204030204" pitchFamily="49" charset="0"/>
+              </a:rPr>
+              <a:t>    [</a:t>
+            </a:r>
+            <a:r>
+              <a:rPr lang="en-GB" sz="1400" dirty="0" err="1">
+                <a:solidFill>
+                  <a:srgbClr val="000000"/>
+                </a:solidFill>
+                <a:latin typeface="Consolas" panose="020B0609020204030204" pitchFamily="49" charset="0"/>
+              </a:rPr>
+              <a:t>MemberOrder</a:t>
+            </a:r>
+            <a:r>
+              <a:rPr lang="en-GB" sz="1400" dirty="0">
+                <a:solidFill>
+                  <a:srgbClr val="000000"/>
+                </a:solidFill>
+                <a:latin typeface="Consolas" panose="020B0609020204030204" pitchFamily="49" charset="0"/>
+              </a:rPr>
+              <a:t>(16), Mask(</a:t>
+            </a:r>
+            <a:r>
+              <a:rPr lang="en-GB" sz="1400" dirty="0">
+                <a:solidFill>
+                  <a:srgbClr val="A31515"/>
+                </a:solidFill>
+                <a:latin typeface="Consolas" panose="020B0609020204030204" pitchFamily="49" charset="0"/>
+              </a:rPr>
+              <a:t>"d"</a:t>
+            </a:r>
+            <a:r>
+              <a:rPr lang="en-GB" sz="1400" dirty="0">
+                <a:solidFill>
+                  <a:srgbClr val="000000"/>
+                </a:solidFill>
+                <a:latin typeface="Consolas" panose="020B0609020204030204" pitchFamily="49" charset="0"/>
+              </a:rPr>
+              <a:t>)]</a:t>
+            </a:r>
+          </a:p>
+          <a:p>
+            <a:r>
+              <a:rPr lang="en-US" sz="1400" dirty="0">
+                <a:solidFill>
+                  <a:srgbClr val="000000"/>
+                </a:solidFill>
+                <a:latin typeface="Consolas" panose="020B0609020204030204" pitchFamily="49" charset="0"/>
+              </a:rPr>
+              <a:t>    </a:t>
+            </a:r>
+            <a:r>
+              <a:rPr lang="en-US" sz="1400" dirty="0">
+                <a:solidFill>
+                  <a:srgbClr val="0000FF"/>
+                </a:solidFill>
+                <a:latin typeface="Consolas" panose="020B0609020204030204" pitchFamily="49" charset="0"/>
+              </a:rPr>
+              <a:t>public</a:t>
+            </a:r>
+            <a:r>
+              <a:rPr lang="en-US" sz="1400" dirty="0">
+                <a:solidFill>
+                  <a:srgbClr val="000000"/>
+                </a:solidFill>
+                <a:latin typeface="Consolas" panose="020B0609020204030204" pitchFamily="49" charset="0"/>
+              </a:rPr>
+              <a:t> </a:t>
+            </a:r>
+            <a:r>
+              <a:rPr lang="en-US" sz="1400" dirty="0">
+                <a:solidFill>
+                  <a:srgbClr val="0000FF"/>
+                </a:solidFill>
+                <a:latin typeface="Consolas" panose="020B0609020204030204" pitchFamily="49" charset="0"/>
+              </a:rPr>
+              <a:t>virtual</a:t>
+            </a:r>
+            <a:r>
+              <a:rPr lang="en-US" sz="1400" dirty="0">
+                <a:solidFill>
+                  <a:srgbClr val="000000"/>
+                </a:solidFill>
+                <a:latin typeface="Consolas" panose="020B0609020204030204" pitchFamily="49" charset="0"/>
+              </a:rPr>
+              <a:t> </a:t>
+            </a:r>
+            <a:r>
+              <a:rPr lang="en-US" sz="1400" dirty="0" err="1">
+                <a:solidFill>
+                  <a:srgbClr val="000000"/>
+                </a:solidFill>
+                <a:latin typeface="Consolas" panose="020B0609020204030204" pitchFamily="49" charset="0"/>
+              </a:rPr>
+              <a:t>DateTime</a:t>
+            </a:r>
+            <a:r>
+              <a:rPr lang="en-US" sz="1400" dirty="0">
+                <a:solidFill>
+                  <a:srgbClr val="000000"/>
+                </a:solidFill>
+                <a:latin typeface="Consolas" panose="020B0609020204030204" pitchFamily="49" charset="0"/>
+              </a:rPr>
+              <a:t>? </a:t>
+            </a:r>
+            <a:r>
+              <a:rPr lang="en-US" sz="1400" dirty="0" err="1">
+                <a:solidFill>
+                  <a:srgbClr val="000000"/>
+                </a:solidFill>
+                <a:latin typeface="Consolas" panose="020B0609020204030204" pitchFamily="49" charset="0"/>
+              </a:rPr>
+              <a:t>HireDate</a:t>
+            </a:r>
+            <a:r>
+              <a:rPr lang="en-US" sz="1400" dirty="0">
+                <a:solidFill>
+                  <a:srgbClr val="000000"/>
+                </a:solidFill>
+                <a:latin typeface="Consolas" panose="020B0609020204030204" pitchFamily="49" charset="0"/>
+              </a:rPr>
+              <a:t> { </a:t>
+            </a:r>
+            <a:r>
+              <a:rPr lang="en-US" sz="1400" dirty="0">
+                <a:solidFill>
+                  <a:srgbClr val="0000FF"/>
+                </a:solidFill>
+                <a:latin typeface="Consolas" panose="020B0609020204030204" pitchFamily="49" charset="0"/>
+              </a:rPr>
+              <a:t>get</a:t>
+            </a:r>
+            <a:r>
+              <a:rPr lang="en-US" sz="1400" dirty="0">
+                <a:solidFill>
+                  <a:srgbClr val="000000"/>
+                </a:solidFill>
+                <a:latin typeface="Consolas" panose="020B0609020204030204" pitchFamily="49" charset="0"/>
+              </a:rPr>
+              <a:t>; </a:t>
+            </a:r>
+            <a:r>
+              <a:rPr lang="en-US" sz="1400" dirty="0" err="1">
+                <a:solidFill>
+                  <a:srgbClr val="0000FF"/>
+                </a:solidFill>
+                <a:latin typeface="Consolas" panose="020B0609020204030204" pitchFamily="49" charset="0"/>
+              </a:rPr>
+              <a:t>init</a:t>
+            </a:r>
+            <a:r>
+              <a:rPr lang="en-US" sz="1400" dirty="0">
+                <a:solidFill>
+                  <a:srgbClr val="000000"/>
+                </a:solidFill>
+                <a:latin typeface="Consolas" panose="020B0609020204030204" pitchFamily="49" charset="0"/>
+              </a:rPr>
+              <a:t>; }</a:t>
+            </a:r>
+          </a:p>
+          <a:p>
+            <a:r>
+              <a:rPr lang="en-GB" sz="1400" dirty="0">
+                <a:solidFill>
+                  <a:srgbClr val="000000"/>
+                </a:solidFill>
+                <a:latin typeface="Consolas" panose="020B0609020204030204" pitchFamily="49" charset="0"/>
+              </a:rPr>
+              <a:t>    ...</a:t>
+            </a:r>
+          </a:p>
+          <a:p>
+            <a:r>
+              <a:rPr lang="en-GB" sz="1400" dirty="0">
+                <a:solidFill>
+                  <a:srgbClr val="000000"/>
+                </a:solidFill>
+                <a:latin typeface="Consolas" panose="020B0609020204030204" pitchFamily="49" charset="0"/>
+              </a:rPr>
+              <a:t>    [</a:t>
+            </a:r>
+            <a:r>
+              <a:rPr lang="en-GB" sz="1400" dirty="0" err="1">
+                <a:solidFill>
+                  <a:srgbClr val="000000"/>
+                </a:solidFill>
+                <a:latin typeface="Consolas" panose="020B0609020204030204" pitchFamily="49" charset="0"/>
+              </a:rPr>
+              <a:t>TableView</a:t>
+            </a:r>
+            <a:r>
+              <a:rPr lang="en-GB" sz="1400" dirty="0">
+                <a:solidFill>
+                  <a:srgbClr val="000000"/>
+                </a:solidFill>
+                <a:latin typeface="Consolas" panose="020B0609020204030204" pitchFamily="49" charset="0"/>
+              </a:rPr>
+              <a:t>(</a:t>
+            </a:r>
+            <a:r>
+              <a:rPr lang="en-GB" sz="1400" dirty="0">
+                <a:solidFill>
+                  <a:srgbClr val="0000FF"/>
+                </a:solidFill>
+                <a:latin typeface="Consolas" panose="020B0609020204030204" pitchFamily="49" charset="0"/>
+              </a:rPr>
+              <a:t>true</a:t>
+            </a:r>
+            <a:r>
+              <a:rPr lang="en-GB" sz="1400" dirty="0">
+                <a:solidFill>
+                  <a:srgbClr val="000000"/>
+                </a:solidFill>
+                <a:latin typeface="Consolas" panose="020B0609020204030204" pitchFamily="49" charset="0"/>
+              </a:rPr>
+              <a:t>,</a:t>
+            </a:r>
+          </a:p>
+          <a:p>
+            <a:r>
+              <a:rPr lang="en-GB" sz="1400" dirty="0">
+                <a:solidFill>
+                  <a:srgbClr val="000000"/>
+                </a:solidFill>
+                <a:latin typeface="Consolas" panose="020B0609020204030204" pitchFamily="49" charset="0"/>
+              </a:rPr>
+              <a:t>                </a:t>
+            </a:r>
+            <a:r>
+              <a:rPr lang="en-GB" sz="1400" dirty="0" err="1">
+                <a:solidFill>
+                  <a:srgbClr val="000000"/>
+                </a:solidFill>
+                <a:latin typeface="Consolas" panose="020B0609020204030204" pitchFamily="49" charset="0"/>
+              </a:rPr>
+              <a:t>nameof</a:t>
+            </a:r>
+            <a:r>
+              <a:rPr lang="en-GB" sz="1400" dirty="0">
+                <a:solidFill>
+                  <a:srgbClr val="000000"/>
+                </a:solidFill>
+                <a:latin typeface="Consolas" panose="020B0609020204030204" pitchFamily="49" charset="0"/>
+              </a:rPr>
+              <a:t>(</a:t>
+            </a:r>
+            <a:r>
+              <a:rPr lang="en-GB" sz="1400" dirty="0" err="1">
+                <a:solidFill>
+                  <a:srgbClr val="000000"/>
+                </a:solidFill>
+                <a:latin typeface="Consolas" panose="020B0609020204030204" pitchFamily="49" charset="0"/>
+              </a:rPr>
+              <a:t>EmployeeDepartmentHistory.StartDate</a:t>
+            </a:r>
+            <a:r>
+              <a:rPr lang="en-GB" sz="1400" dirty="0">
+                <a:solidFill>
+                  <a:srgbClr val="000000"/>
+                </a:solidFill>
+                <a:latin typeface="Consolas" panose="020B0609020204030204" pitchFamily="49" charset="0"/>
+              </a:rPr>
+              <a:t>),</a:t>
+            </a:r>
+          </a:p>
+          <a:p>
+            <a:r>
+              <a:rPr lang="en-GB" sz="1400" dirty="0">
+                <a:solidFill>
+                  <a:srgbClr val="000000"/>
+                </a:solidFill>
+                <a:latin typeface="Consolas" panose="020B0609020204030204" pitchFamily="49" charset="0"/>
+              </a:rPr>
+              <a:t>                </a:t>
+            </a:r>
+            <a:r>
+              <a:rPr lang="en-GB" sz="1400" dirty="0" err="1">
+                <a:solidFill>
+                  <a:srgbClr val="000000"/>
+                </a:solidFill>
+                <a:latin typeface="Consolas" panose="020B0609020204030204" pitchFamily="49" charset="0"/>
+              </a:rPr>
+              <a:t>nameof</a:t>
+            </a:r>
+            <a:r>
+              <a:rPr lang="en-GB" sz="1400" dirty="0">
+                <a:solidFill>
+                  <a:srgbClr val="000000"/>
+                </a:solidFill>
+                <a:latin typeface="Consolas" panose="020B0609020204030204" pitchFamily="49" charset="0"/>
+              </a:rPr>
+              <a:t>(</a:t>
+            </a:r>
+            <a:r>
+              <a:rPr lang="en-GB" sz="1400" dirty="0" err="1">
+                <a:solidFill>
+                  <a:srgbClr val="000000"/>
+                </a:solidFill>
+                <a:latin typeface="Consolas" panose="020B0609020204030204" pitchFamily="49" charset="0"/>
+              </a:rPr>
+              <a:t>EmployeeDepartmentHistory.EndDate</a:t>
+            </a:r>
+            <a:r>
+              <a:rPr lang="en-GB" sz="1400" dirty="0">
+                <a:solidFill>
+                  <a:srgbClr val="000000"/>
+                </a:solidFill>
+                <a:latin typeface="Consolas" panose="020B0609020204030204" pitchFamily="49" charset="0"/>
+              </a:rPr>
+              <a:t>),</a:t>
+            </a:r>
+          </a:p>
+          <a:p>
+            <a:r>
+              <a:rPr lang="en-GB" sz="1400" dirty="0">
+                <a:solidFill>
+                  <a:srgbClr val="000000"/>
+                </a:solidFill>
+                <a:latin typeface="Consolas" panose="020B0609020204030204" pitchFamily="49" charset="0"/>
+              </a:rPr>
+              <a:t>                </a:t>
+            </a:r>
+            <a:r>
+              <a:rPr lang="en-GB" sz="1400" dirty="0" err="1">
+                <a:solidFill>
+                  <a:srgbClr val="000000"/>
+                </a:solidFill>
+                <a:latin typeface="Consolas" panose="020B0609020204030204" pitchFamily="49" charset="0"/>
+              </a:rPr>
+              <a:t>nameof</a:t>
+            </a:r>
+            <a:r>
+              <a:rPr lang="en-GB" sz="1400" dirty="0">
+                <a:solidFill>
+                  <a:srgbClr val="000000"/>
+                </a:solidFill>
+                <a:latin typeface="Consolas" panose="020B0609020204030204" pitchFamily="49" charset="0"/>
+              </a:rPr>
+              <a:t>(</a:t>
+            </a:r>
+            <a:r>
+              <a:rPr lang="en-GB" sz="1400" dirty="0" err="1">
+                <a:solidFill>
+                  <a:srgbClr val="000000"/>
+                </a:solidFill>
+                <a:latin typeface="Consolas" panose="020B0609020204030204" pitchFamily="49" charset="0"/>
+              </a:rPr>
+              <a:t>EmployeeDepartmentHistory.Department</a:t>
+            </a:r>
+            <a:r>
+              <a:rPr lang="en-GB" sz="1400" dirty="0">
+                <a:solidFill>
+                  <a:srgbClr val="000000"/>
+                </a:solidFill>
+                <a:latin typeface="Consolas" panose="020B0609020204030204" pitchFamily="49" charset="0"/>
+              </a:rPr>
+              <a:t>),</a:t>
+            </a:r>
+          </a:p>
+          <a:p>
+            <a:r>
+              <a:rPr lang="en-GB" sz="1400" dirty="0">
+                <a:solidFill>
+                  <a:srgbClr val="000000"/>
+                </a:solidFill>
+                <a:latin typeface="Consolas" panose="020B0609020204030204" pitchFamily="49" charset="0"/>
+              </a:rPr>
+              <a:t>                </a:t>
+            </a:r>
+            <a:r>
+              <a:rPr lang="en-GB" sz="1400" dirty="0" err="1">
+                <a:solidFill>
+                  <a:srgbClr val="000000"/>
+                </a:solidFill>
+                <a:latin typeface="Consolas" panose="020B0609020204030204" pitchFamily="49" charset="0"/>
+              </a:rPr>
+              <a:t>nameof</a:t>
+            </a:r>
+            <a:r>
+              <a:rPr lang="en-GB" sz="1400" dirty="0">
+                <a:solidFill>
+                  <a:srgbClr val="000000"/>
+                </a:solidFill>
+                <a:latin typeface="Consolas" panose="020B0609020204030204" pitchFamily="49" charset="0"/>
+              </a:rPr>
+              <a:t>(</a:t>
+            </a:r>
+            <a:r>
+              <a:rPr lang="en-GB" sz="1400" dirty="0" err="1">
+                <a:solidFill>
+                  <a:srgbClr val="000000"/>
+                </a:solidFill>
+                <a:latin typeface="Consolas" panose="020B0609020204030204" pitchFamily="49" charset="0"/>
+              </a:rPr>
+              <a:t>EmployeeDepartmentHistory.Shift</a:t>
+            </a:r>
+            <a:r>
+              <a:rPr lang="en-GB" sz="1400" dirty="0">
+                <a:solidFill>
+                  <a:srgbClr val="000000"/>
+                </a:solidFill>
+                <a:latin typeface="Consolas" panose="020B0609020204030204" pitchFamily="49" charset="0"/>
+              </a:rPr>
+              <a:t>))]</a:t>
+            </a:r>
+          </a:p>
+          <a:p>
+            <a:r>
+              <a:rPr lang="en-US" sz="1400" dirty="0">
+                <a:solidFill>
+                  <a:srgbClr val="000000"/>
+                </a:solidFill>
+                <a:latin typeface="Consolas" panose="020B0609020204030204" pitchFamily="49" charset="0"/>
+              </a:rPr>
+              <a:t>    </a:t>
+            </a:r>
+            <a:r>
+              <a:rPr lang="en-US" sz="1400" dirty="0">
+                <a:solidFill>
+                  <a:srgbClr val="0000FF"/>
+                </a:solidFill>
+                <a:latin typeface="Consolas" panose="020B0609020204030204" pitchFamily="49" charset="0"/>
+              </a:rPr>
+              <a:t>public</a:t>
+            </a:r>
+            <a:r>
+              <a:rPr lang="en-US" sz="1400" dirty="0">
+                <a:solidFill>
+                  <a:srgbClr val="000000"/>
+                </a:solidFill>
+                <a:latin typeface="Consolas" panose="020B0609020204030204" pitchFamily="49" charset="0"/>
+              </a:rPr>
+              <a:t> </a:t>
+            </a:r>
+            <a:r>
+              <a:rPr lang="en-US" sz="1400" dirty="0">
+                <a:solidFill>
+                  <a:srgbClr val="0000FF"/>
+                </a:solidFill>
+                <a:latin typeface="Consolas" panose="020B0609020204030204" pitchFamily="49" charset="0"/>
+              </a:rPr>
+              <a:t>virtual</a:t>
+            </a:r>
+            <a:r>
+              <a:rPr lang="en-US" sz="1400" dirty="0">
+                <a:solidFill>
+                  <a:srgbClr val="000000"/>
+                </a:solidFill>
+                <a:latin typeface="Consolas" panose="020B0609020204030204" pitchFamily="49" charset="0"/>
+              </a:rPr>
+              <a:t> </a:t>
+            </a:r>
+            <a:r>
+              <a:rPr lang="en-US" sz="1400" dirty="0" err="1">
+                <a:solidFill>
+                  <a:srgbClr val="000000"/>
+                </a:solidFill>
+                <a:latin typeface="Consolas" panose="020B0609020204030204" pitchFamily="49" charset="0"/>
+              </a:rPr>
+              <a:t>ICollection</a:t>
+            </a:r>
+            <a:r>
+              <a:rPr lang="en-US" sz="1400" dirty="0">
+                <a:solidFill>
+                  <a:srgbClr val="000000"/>
+                </a:solidFill>
+                <a:latin typeface="Consolas" panose="020B0609020204030204" pitchFamily="49" charset="0"/>
+              </a:rPr>
+              <a:t>&lt;</a:t>
+            </a:r>
+            <a:r>
+              <a:rPr lang="en-US" sz="1400" dirty="0" err="1">
+                <a:solidFill>
+                  <a:srgbClr val="000000"/>
+                </a:solidFill>
+                <a:latin typeface="Consolas" panose="020B0609020204030204" pitchFamily="49" charset="0"/>
+              </a:rPr>
+              <a:t>EmployeeDepartmentHistory</a:t>
+            </a:r>
+            <a:r>
+              <a:rPr lang="en-US" sz="1400" dirty="0">
+                <a:solidFill>
+                  <a:srgbClr val="000000"/>
+                </a:solidFill>
+                <a:latin typeface="Consolas" panose="020B0609020204030204" pitchFamily="49" charset="0"/>
+              </a:rPr>
+              <a:t>&gt; Depart</a:t>
+            </a:r>
+          </a:p>
+          <a:p>
+            <a:endParaRPr lang="en-GB" sz="1400" dirty="0">
+              <a:solidFill>
+                <a:srgbClr val="000000"/>
+              </a:solidFill>
+              <a:latin typeface="Consolas" panose="020B0609020204030204" pitchFamily="49" charset="0"/>
+            </a:endParaRPr>
+          </a:p>
+          <a:p>
+            <a:r>
+              <a:rPr lang="en-GB" sz="1400" dirty="0">
+                <a:solidFill>
+                  <a:srgbClr val="000000"/>
+                </a:solidFill>
+                <a:latin typeface="Consolas" panose="020B0609020204030204" pitchFamily="49" charset="0"/>
+              </a:rPr>
+              <a:t>    </a:t>
+            </a:r>
+            <a:r>
+              <a:rPr lang="en-GB" sz="1400" dirty="0">
+                <a:solidFill>
+                  <a:srgbClr val="0000FF"/>
+                </a:solidFill>
+                <a:latin typeface="Consolas" panose="020B0609020204030204" pitchFamily="49" charset="0"/>
+              </a:rPr>
+              <a:t>public</a:t>
+            </a:r>
+            <a:r>
+              <a:rPr lang="en-GB" sz="1400" dirty="0">
+                <a:solidFill>
+                  <a:srgbClr val="000000"/>
+                </a:solidFill>
+                <a:latin typeface="Consolas" panose="020B0609020204030204" pitchFamily="49" charset="0"/>
+              </a:rPr>
+              <a:t> </a:t>
+            </a:r>
+            <a:r>
+              <a:rPr lang="en-GB" sz="1400" dirty="0">
+                <a:solidFill>
+                  <a:srgbClr val="0000FF"/>
+                </a:solidFill>
+                <a:latin typeface="Consolas" panose="020B0609020204030204" pitchFamily="49" charset="0"/>
+              </a:rPr>
+              <a:t>override</a:t>
+            </a:r>
+            <a:r>
+              <a:rPr lang="en-GB" sz="1400" dirty="0">
+                <a:solidFill>
+                  <a:srgbClr val="000000"/>
+                </a:solidFill>
+                <a:latin typeface="Consolas" panose="020B0609020204030204" pitchFamily="49" charset="0"/>
+              </a:rPr>
+              <a:t> </a:t>
+            </a:r>
+            <a:r>
+              <a:rPr lang="en-GB" sz="1400" dirty="0">
+                <a:solidFill>
+                  <a:srgbClr val="0000FF"/>
+                </a:solidFill>
+                <a:latin typeface="Consolas" panose="020B0609020204030204" pitchFamily="49" charset="0"/>
+              </a:rPr>
+              <a:t>string</a:t>
+            </a:r>
+            <a:r>
+              <a:rPr lang="en-GB" sz="1400" dirty="0">
+                <a:solidFill>
+                  <a:srgbClr val="000000"/>
+                </a:solidFill>
+                <a:latin typeface="Consolas" panose="020B0609020204030204" pitchFamily="49" charset="0"/>
+              </a:rPr>
+              <a:t> </a:t>
+            </a:r>
+            <a:r>
+              <a:rPr lang="en-GB" sz="1400" dirty="0" err="1">
+                <a:solidFill>
+                  <a:srgbClr val="000000"/>
+                </a:solidFill>
+                <a:latin typeface="Consolas" panose="020B0609020204030204" pitchFamily="49" charset="0"/>
+              </a:rPr>
+              <a:t>ToString</a:t>
+            </a:r>
+            <a:r>
+              <a:rPr lang="en-GB" sz="1400" dirty="0">
+                <a:solidFill>
+                  <a:srgbClr val="000000"/>
+                </a:solidFill>
+                <a:latin typeface="Consolas" panose="020B0609020204030204" pitchFamily="49" charset="0"/>
+              </a:rPr>
+              <a:t>() =&gt; </a:t>
+            </a:r>
+            <a:r>
+              <a:rPr lang="en-GB" sz="1400" dirty="0">
+                <a:solidFill>
+                  <a:srgbClr val="A31515"/>
+                </a:solidFill>
+                <a:latin typeface="Consolas" panose="020B0609020204030204" pitchFamily="49" charset="0"/>
+              </a:rPr>
+              <a:t>$"</a:t>
+            </a:r>
+            <a:r>
+              <a:rPr lang="en-GB" sz="1400" dirty="0">
+                <a:solidFill>
+                  <a:srgbClr val="000000"/>
+                </a:solidFill>
+                <a:latin typeface="Consolas" panose="020B0609020204030204" pitchFamily="49" charset="0"/>
+              </a:rPr>
+              <a:t>{</a:t>
+            </a:r>
+            <a:r>
+              <a:rPr lang="en-GB" sz="1400" dirty="0" err="1">
+                <a:solidFill>
+                  <a:srgbClr val="000000"/>
+                </a:solidFill>
+                <a:latin typeface="Consolas" panose="020B0609020204030204" pitchFamily="49" charset="0"/>
+              </a:rPr>
+              <a:t>PersonDetails</a:t>
+            </a:r>
+            <a:r>
+              <a:rPr lang="en-GB" sz="1400" dirty="0">
+                <a:solidFill>
+                  <a:srgbClr val="000000"/>
+                </a:solidFill>
+                <a:latin typeface="Consolas" panose="020B0609020204030204" pitchFamily="49" charset="0"/>
+              </a:rPr>
+              <a:t>}</a:t>
+            </a:r>
+            <a:r>
+              <a:rPr lang="en-GB" sz="1400" dirty="0">
+                <a:solidFill>
+                  <a:srgbClr val="A31515"/>
+                </a:solidFill>
+                <a:latin typeface="Consolas" panose="020B0609020204030204" pitchFamily="49" charset="0"/>
+              </a:rPr>
+              <a:t>"</a:t>
+            </a:r>
+            <a:r>
+              <a:rPr lang="en-GB" sz="1400" dirty="0">
+                <a:solidFill>
+                  <a:srgbClr val="000000"/>
+                </a:solidFill>
+                <a:latin typeface="Consolas" panose="020B0609020204030204" pitchFamily="49" charset="0"/>
+              </a:rPr>
+              <a:t>;</a:t>
+            </a:r>
+          </a:p>
+          <a:p>
+            <a:r>
+              <a:rPr lang="en-GB" sz="1400" dirty="0">
+                <a:solidFill>
+                  <a:srgbClr val="000000"/>
+                </a:solidFill>
+                <a:latin typeface="Consolas" panose="020B0609020204030204" pitchFamily="49" charset="0"/>
+              </a:rPr>
+              <a:t>}</a:t>
+            </a:r>
+            <a:endParaRPr lang="en-GB" sz="1400" dirty="0"/>
+          </a:p>
+        </p:txBody>
+      </p:sp>
+      <p:grpSp>
+        <p:nvGrpSpPr>
+          <p:cNvPr id="5" name="Group 4">
+            <a:extLst>
+              <a:ext uri="{FF2B5EF4-FFF2-40B4-BE49-F238E27FC236}">
+                <a16:creationId xmlns:a16="http://schemas.microsoft.com/office/drawing/2014/main" id="{CF4DACAB-2F31-4851-92D8-F332559B4D79}"/>
+              </a:ext>
+            </a:extLst>
+          </p:cNvPr>
+          <p:cNvGrpSpPr/>
+          <p:nvPr/>
+        </p:nvGrpSpPr>
+        <p:grpSpPr>
+          <a:xfrm>
+            <a:off x="7811589" y="741997"/>
+            <a:ext cx="3823061" cy="964883"/>
+            <a:chOff x="3616272" y="1618099"/>
+            <a:chExt cx="3823061" cy="964883"/>
+          </a:xfrm>
+        </p:grpSpPr>
+        <p:sp>
+          <p:nvSpPr>
+            <p:cNvPr id="6" name="TextBox 5">
+              <a:extLst>
+                <a:ext uri="{FF2B5EF4-FFF2-40B4-BE49-F238E27FC236}">
+                  <a16:creationId xmlns:a16="http://schemas.microsoft.com/office/drawing/2014/main" id="{82AD786B-77AC-4F75-8C7B-04831E0E081E}"/>
+                </a:ext>
+              </a:extLst>
+            </p:cNvPr>
+            <p:cNvSpPr txBox="1"/>
+            <p:nvPr/>
+          </p:nvSpPr>
+          <p:spPr>
+            <a:xfrm>
+              <a:off x="4143672" y="1618099"/>
+              <a:ext cx="3295661" cy="830997"/>
+            </a:xfrm>
+            <a:prstGeom prst="rect">
+              <a:avLst/>
+            </a:prstGeom>
+            <a:solidFill>
+              <a:schemeClr val="bg1"/>
+            </a:solidFill>
+            <a:ln w="28575">
+              <a:solidFill>
+                <a:schemeClr val="accent1"/>
+              </a:solidFill>
+            </a:ln>
+          </p:spPr>
+          <p:txBody>
+            <a:bodyPr wrap="square" rtlCol="0">
+              <a:spAutoFit/>
+            </a:bodyPr>
+            <a:lstStyle/>
+            <a:p>
+              <a:r>
+                <a:rPr lang="en-GB" sz="1200" dirty="0">
+                  <a:solidFill>
+                    <a:srgbClr val="FF0000"/>
+                  </a:solidFill>
+                </a:rPr>
+                <a:t>A record (in C# 9) is an immutable class. Properties have an </a:t>
+              </a:r>
+              <a:r>
+                <a:rPr lang="en-GB" sz="1100" dirty="0" err="1">
+                  <a:latin typeface="Consolas" panose="020B0609020204030204" pitchFamily="49" charset="0"/>
+                </a:rPr>
+                <a:t>init</a:t>
+              </a:r>
+              <a:r>
+                <a:rPr lang="en-GB" sz="1200" dirty="0">
+                  <a:solidFill>
+                    <a:srgbClr val="FF0000"/>
+                  </a:solidFill>
+                </a:rPr>
+                <a:t> rather than a </a:t>
+              </a:r>
+              <a:r>
+                <a:rPr lang="en-GB" sz="1100" dirty="0">
+                  <a:latin typeface="Consolas" panose="020B0609020204030204" pitchFamily="49" charset="0"/>
+                </a:rPr>
+                <a:t>set</a:t>
+              </a:r>
+              <a:r>
+                <a:rPr lang="en-GB" sz="1200" dirty="0">
+                  <a:solidFill>
+                    <a:srgbClr val="FF0000"/>
+                  </a:solidFill>
+                </a:rPr>
+                <a:t>, which means the property may only be set when constructing the object.</a:t>
+              </a:r>
+            </a:p>
+          </p:txBody>
+        </p:sp>
+        <p:cxnSp>
+          <p:nvCxnSpPr>
+            <p:cNvPr id="7" name="Straight Arrow Connector 6">
+              <a:extLst>
+                <a:ext uri="{FF2B5EF4-FFF2-40B4-BE49-F238E27FC236}">
+                  <a16:creationId xmlns:a16="http://schemas.microsoft.com/office/drawing/2014/main" id="{7CF528E7-3C51-41CD-87B7-F0A50EE16C4F}"/>
+                </a:ext>
+              </a:extLst>
+            </p:cNvPr>
+            <p:cNvCxnSpPr>
+              <a:cxnSpLocks/>
+              <a:stCxn id="6" idx="2"/>
+            </p:cNvCxnSpPr>
+            <p:nvPr/>
+          </p:nvCxnSpPr>
+          <p:spPr>
+            <a:xfrm flipH="1">
+              <a:off x="5662786" y="2449096"/>
+              <a:ext cx="128717" cy="133886"/>
+            </a:xfrm>
+            <a:prstGeom prst="straightConnector1">
+              <a:avLst/>
+            </a:prstGeom>
+            <a:ln w="28575">
+              <a:tailEnd type="triangle"/>
+            </a:ln>
+          </p:spPr>
+          <p:style>
+            <a:lnRef idx="1">
+              <a:schemeClr val="accent1"/>
+            </a:lnRef>
+            <a:fillRef idx="0">
+              <a:schemeClr val="accent1"/>
+            </a:fillRef>
+            <a:effectRef idx="0">
+              <a:schemeClr val="accent1"/>
+            </a:effectRef>
+            <a:fontRef idx="minor">
+              <a:schemeClr val="tx1"/>
+            </a:fontRef>
+          </p:style>
+        </p:cxnSp>
+        <p:cxnSp>
+          <p:nvCxnSpPr>
+            <p:cNvPr id="8" name="Straight Arrow Connector 7">
+              <a:extLst>
+                <a:ext uri="{FF2B5EF4-FFF2-40B4-BE49-F238E27FC236}">
+                  <a16:creationId xmlns:a16="http://schemas.microsoft.com/office/drawing/2014/main" id="{861208DE-3434-414B-BE86-DDA72A99E646}"/>
+                </a:ext>
+              </a:extLst>
+            </p:cNvPr>
+            <p:cNvCxnSpPr>
+              <a:cxnSpLocks/>
+              <a:stCxn id="6" idx="1"/>
+            </p:cNvCxnSpPr>
+            <p:nvPr/>
+          </p:nvCxnSpPr>
+          <p:spPr>
+            <a:xfrm flipH="1">
+              <a:off x="3616272" y="2033598"/>
+              <a:ext cx="527400" cy="0"/>
+            </a:xfrm>
+            <a:prstGeom prst="straightConnector1">
+              <a:avLst/>
+            </a:prstGeom>
+            <a:ln w="28575">
+              <a:tailEnd type="triangle"/>
+            </a:ln>
+          </p:spPr>
+          <p:style>
+            <a:lnRef idx="1">
+              <a:schemeClr val="accent1"/>
+            </a:lnRef>
+            <a:fillRef idx="0">
+              <a:schemeClr val="accent1"/>
+            </a:fillRef>
+            <a:effectRef idx="0">
+              <a:schemeClr val="accent1"/>
+            </a:effectRef>
+            <a:fontRef idx="minor">
+              <a:schemeClr val="tx1"/>
+            </a:fontRef>
+          </p:style>
+        </p:cxnSp>
+      </p:grpSp>
+    </p:spTree>
+    <p:extLst>
+      <p:ext uri="{BB962C8B-B14F-4D97-AF65-F5344CB8AC3E}">
+        <p14:creationId xmlns:p14="http://schemas.microsoft.com/office/powerpoint/2010/main" val="1390112203"/>
+      </p:ext>
+    </p:extLst>
+  </p:cSld>
+  <p:clrMapOvr>
+    <a:masterClrMapping/>
+  </p:clrMapOvr>
+</p:sld>
+</file>
+
+<file path=ppt/slides/slide30.xml><?xml version="1.0" encoding="utf-8"?>
 <p:sld xmlns:a="http://schemas.openxmlformats.org/drawingml/2006/main" xmlns:r="http://schemas.openxmlformats.org/officeDocument/2006/relationships" xmlns:p="http://schemas.openxmlformats.org/presentationml/2006/main">
   <p:cSld>
     <p:spTree>
@@ -19459,10 +23075,10 @@
         </p:nvGrpSpPr>
         <p:grpSpPr>
           <a:xfrm>
-            <a:off x="159798" y="2955581"/>
-            <a:ext cx="2716567" cy="1217790"/>
-            <a:chOff x="-1072889" y="7609755"/>
-            <a:chExt cx="4413291" cy="1201771"/>
+            <a:off x="158173" y="2861296"/>
+            <a:ext cx="2715656" cy="1384995"/>
+            <a:chOff x="-1075529" y="7516712"/>
+            <a:chExt cx="4411811" cy="1366777"/>
           </a:xfrm>
         </p:grpSpPr>
         <p:sp>
@@ -19479,8 +23095,8 @@
           </p:nvSpPr>
           <p:spPr>
             <a:xfrm>
-              <a:off x="-1072889" y="7609755"/>
-              <a:ext cx="3735708" cy="1201771"/>
+              <a:off x="-1075529" y="7516712"/>
+              <a:ext cx="3735708" cy="1366777"/>
             </a:xfrm>
             <a:prstGeom prst="rect">
               <a:avLst/>
@@ -19506,23 +23122,7 @@
                     <a:srgbClr val="FF0000"/>
                   </a:solidFill>
                 </a:rPr>
-                <a:t>2. The email is </a:t>
-              </a:r>
-              <a:r>
-                <a:rPr lang="en-GB" sz="1200">
-                  <a:solidFill>
-                    <a:srgbClr val="FF0000"/>
-                  </a:solidFill>
-                </a:rPr>
-                <a:t>sent using a deferred </a:t>
-              </a:r>
-              <a:r>
-                <a:rPr lang="en-GB" sz="1200" dirty="0">
-                  <a:solidFill>
-                    <a:srgbClr val="FF0000"/>
-                  </a:solidFill>
-                </a:rPr>
-                <a:t>function, which won’t be executed until after </a:t>
+                <a:t>2. The email is sent using a deferred function, which will be invoked by the framework only after </a:t>
               </a:r>
               <a:r>
                 <a:rPr lang="en-GB" sz="1100" dirty="0" err="1">
@@ -19588,8 +23188,8 @@
           </p:nvCxnSpPr>
           <p:spPr>
             <a:xfrm>
-              <a:off x="2662819" y="8210641"/>
-              <a:ext cx="677583" cy="1"/>
+              <a:off x="2660179" y="8200101"/>
+              <a:ext cx="676103" cy="0"/>
             </a:xfrm>
             <a:prstGeom prst="straightConnector1">
               <a:avLst/>
@@ -19895,7 +23495,7 @@
 </p:sld>
 </file>
 
-<file path=ppt/slides/slide3.xml><?xml version="1.0" encoding="utf-8"?>
+<file path=ppt/slides/slide4.xml><?xml version="1.0" encoding="utf-8"?>
 <p:sld xmlns:a="http://schemas.openxmlformats.org/drawingml/2006/main" xmlns:r="http://schemas.openxmlformats.org/officeDocument/2006/relationships" xmlns:p="http://schemas.openxmlformats.org/presentationml/2006/main">
   <p:cSld>
     <p:spTree>
@@ -21748,7 +25348,7 @@
 </p:sld>
 </file>
 
-<file path=ppt/slides/slide4.xml><?xml version="1.0" encoding="utf-8"?>
+<file path=ppt/slides/slide5.xml><?xml version="1.0" encoding="utf-8"?>
 <p:sld xmlns:a="http://schemas.openxmlformats.org/drawingml/2006/main" xmlns:r="http://schemas.openxmlformats.org/officeDocument/2006/relationships" xmlns:p="http://schemas.openxmlformats.org/presentationml/2006/main">
   <p:cSld>
     <p:spTree>
@@ -23186,7 +26786,7 @@
 </p:sld>
 </file>
 
-<file path=ppt/slides/slide5.xml><?xml version="1.0" encoding="utf-8"?>
+<file path=ppt/slides/slide6.xml><?xml version="1.0" encoding="utf-8"?>
 <p:sld xmlns:a="http://schemas.openxmlformats.org/drawingml/2006/main" xmlns:r="http://schemas.openxmlformats.org/officeDocument/2006/relationships" xmlns:p="http://schemas.openxmlformats.org/presentationml/2006/main">
   <p:cSld>
     <p:spTree>
@@ -24797,7 +28397,7 @@
 </p:sld>
 </file>
 
-<file path=ppt/slides/slide6.xml><?xml version="1.0" encoding="utf-8"?>
+<file path=ppt/slides/slide7.xml><?xml version="1.0" encoding="utf-8"?>
 <p:sld xmlns:a="http://schemas.openxmlformats.org/drawingml/2006/main" xmlns:r="http://schemas.openxmlformats.org/officeDocument/2006/relationships" xmlns:p="http://schemas.openxmlformats.org/presentationml/2006/main">
   <p:cSld>
     <p:spTree>
@@ -26237,7 +29837,7 @@
 </p:sld>
 </file>
 
-<file path=ppt/slides/slide7.xml><?xml version="1.0" encoding="utf-8"?>
+<file path=ppt/slides/slide8.xml><?xml version="1.0" encoding="utf-8"?>
 <p:sld xmlns:a="http://schemas.openxmlformats.org/drawingml/2006/main" xmlns:r="http://schemas.openxmlformats.org/officeDocument/2006/relationships" xmlns:p="http://schemas.openxmlformats.org/presentationml/2006/main">
   <p:cSld>
     <p:spTree>
@@ -26526,7 +30126,7 @@
 </p:sld>
 </file>
 
-<file path=ppt/slides/slide8.xml><?xml version="1.0" encoding="utf-8"?>
+<file path=ppt/slides/slide9.xml><?xml version="1.0" encoding="utf-8"?>
 <p:sld xmlns:a="http://schemas.openxmlformats.org/drawingml/2006/main" xmlns:r="http://schemas.openxmlformats.org/officeDocument/2006/relationships" xmlns:p="http://schemas.openxmlformats.org/presentationml/2006/main">
   <p:cSld>
     <p:spTree>
@@ -27142,521 +30742,6 @@
 </p:sld>
 </file>
 
-<file path=ppt/slides/slide9.xml><?xml version="1.0" encoding="utf-8"?>
-<p:sld xmlns:a="http://schemas.openxmlformats.org/drawingml/2006/main" xmlns:r="http://schemas.openxmlformats.org/officeDocument/2006/relationships" xmlns:p="http://schemas.openxmlformats.org/presentationml/2006/main">
-  <p:cSld>
-    <p:spTree>
-      <p:nvGrpSpPr>
-        <p:cNvPr id="1" name=""/>
-        <p:cNvGrpSpPr/>
-        <p:nvPr/>
-      </p:nvGrpSpPr>
-      <p:grpSpPr>
-        <a:xfrm>
-          <a:off x="0" y="0"/>
-          <a:ext cx="0" cy="0"/>
-          <a:chOff x="0" y="0"/>
-          <a:chExt cx="0" cy="0"/>
-        </a:xfrm>
-      </p:grpSpPr>
-      <p:sp>
-        <p:nvSpPr>
-          <p:cNvPr id="2" name="Title 1">
-            <a:extLst>
-              <a:ext uri="{FF2B5EF4-FFF2-40B4-BE49-F238E27FC236}">
-                <a16:creationId xmlns:a16="http://schemas.microsoft.com/office/drawing/2014/main" id="{8EDDC412-877C-4510-B156-A22697AAD67E}"/>
-              </a:ext>
-            </a:extLst>
-          </p:cNvPr>
-          <p:cNvSpPr>
-            <a:spLocks noGrp="1"/>
-          </p:cNvSpPr>
-          <p:nvPr>
-            <p:ph type="title"/>
-          </p:nvPr>
-        </p:nvSpPr>
-        <p:spPr>
-          <a:xfrm>
-            <a:off x="838200" y="198669"/>
-            <a:ext cx="10515600" cy="482368"/>
-          </a:xfrm>
-        </p:spPr>
-        <p:txBody>
-          <a:bodyPr>
-            <a:normAutofit fontScale="90000"/>
-          </a:bodyPr>
-          <a:lstStyle/>
-          <a:p>
-            <a:r>
-              <a:rPr lang="en-GB" sz="3200" dirty="0"/>
-              <a:t>The dialog is derived directly from the function parameter list</a:t>
-            </a:r>
-          </a:p>
-        </p:txBody>
-      </p:sp>
-      <p:pic>
-        <p:nvPicPr>
-          <p:cNvPr id="6" name="Picture 5">
-            <a:extLst>
-              <a:ext uri="{FF2B5EF4-FFF2-40B4-BE49-F238E27FC236}">
-                <a16:creationId xmlns:a16="http://schemas.microsoft.com/office/drawing/2014/main" id="{ECD16EF6-F80D-4B76-9D9F-8A676E7FCBDD}"/>
-              </a:ext>
-            </a:extLst>
-          </p:cNvPr>
-          <p:cNvPicPr>
-            <a:picLocks noChangeAspect="1"/>
-          </p:cNvPicPr>
-          <p:nvPr/>
-        </p:nvPicPr>
-        <p:blipFill>
-          <a:blip r:embed="rId2"/>
-          <a:stretch>
-            <a:fillRect/>
-          </a:stretch>
-        </p:blipFill>
-        <p:spPr>
-          <a:xfrm>
-            <a:off x="0" y="681037"/>
-            <a:ext cx="6128491" cy="4532094"/>
-          </a:xfrm>
-          <a:prstGeom prst="rect">
-            <a:avLst/>
-          </a:prstGeom>
-        </p:spPr>
-      </p:pic>
-      <p:pic>
-        <p:nvPicPr>
-          <p:cNvPr id="8" name="Picture 7">
-            <a:extLst>
-              <a:ext uri="{FF2B5EF4-FFF2-40B4-BE49-F238E27FC236}">
-                <a16:creationId xmlns:a16="http://schemas.microsoft.com/office/drawing/2014/main" id="{5F033765-CDFD-4053-A999-F4D5BEBE4139}"/>
-              </a:ext>
-            </a:extLst>
-          </p:cNvPr>
-          <p:cNvPicPr>
-            <a:picLocks noChangeAspect="1"/>
-          </p:cNvPicPr>
-          <p:nvPr/>
-        </p:nvPicPr>
-        <p:blipFill rotWithShape="1">
-          <a:blip r:embed="rId3"/>
-          <a:srcRect t="21218" r="71121"/>
-          <a:stretch/>
-        </p:blipFill>
-        <p:spPr>
-          <a:xfrm>
-            <a:off x="0" y="1639683"/>
-            <a:ext cx="1760448" cy="3578634"/>
-          </a:xfrm>
-          <a:prstGeom prst="rect">
-            <a:avLst/>
-          </a:prstGeom>
-        </p:spPr>
-      </p:pic>
-      <p:pic>
-        <p:nvPicPr>
-          <p:cNvPr id="12" name="Picture 11">
-            <a:extLst>
-              <a:ext uri="{FF2B5EF4-FFF2-40B4-BE49-F238E27FC236}">
-                <a16:creationId xmlns:a16="http://schemas.microsoft.com/office/drawing/2014/main" id="{E066CD39-466C-48F9-A0A9-E2DBCC8EFC2E}"/>
-              </a:ext>
-            </a:extLst>
-          </p:cNvPr>
-          <p:cNvPicPr>
-            <a:picLocks noChangeAspect="1"/>
-          </p:cNvPicPr>
-          <p:nvPr/>
-        </p:nvPicPr>
-        <p:blipFill rotWithShape="1">
-          <a:blip r:embed="rId4"/>
-          <a:srcRect l="29828" t="21560" b="34375"/>
-          <a:stretch/>
-        </p:blipFill>
-        <p:spPr>
-          <a:xfrm>
-            <a:off x="1818289" y="1639683"/>
-            <a:ext cx="4277711" cy="1986017"/>
-          </a:xfrm>
-          <a:prstGeom prst="rect">
-            <a:avLst/>
-          </a:prstGeom>
-        </p:spPr>
-      </p:pic>
-      <p:pic>
-        <p:nvPicPr>
-          <p:cNvPr id="16" name="Picture 15">
-            <a:extLst>
-              <a:ext uri="{FF2B5EF4-FFF2-40B4-BE49-F238E27FC236}">
-                <a16:creationId xmlns:a16="http://schemas.microsoft.com/office/drawing/2014/main" id="{4BEB2A3E-991F-4F64-A719-10343F673F18}"/>
-              </a:ext>
-            </a:extLst>
-          </p:cNvPr>
-          <p:cNvPicPr>
-            <a:picLocks noChangeAspect="1"/>
-          </p:cNvPicPr>
-          <p:nvPr/>
-        </p:nvPicPr>
-        <p:blipFill>
-          <a:blip r:embed="rId5"/>
-          <a:stretch>
-            <a:fillRect/>
-          </a:stretch>
-        </p:blipFill>
-        <p:spPr>
-          <a:xfrm>
-            <a:off x="3467010" y="4028253"/>
-            <a:ext cx="8229600" cy="2543175"/>
-          </a:xfrm>
-          <a:prstGeom prst="rect">
-            <a:avLst/>
-          </a:prstGeom>
-        </p:spPr>
-      </p:pic>
-      <p:grpSp>
-        <p:nvGrpSpPr>
-          <p:cNvPr id="74" name="Group 73">
-            <a:extLst>
-              <a:ext uri="{FF2B5EF4-FFF2-40B4-BE49-F238E27FC236}">
-                <a16:creationId xmlns:a16="http://schemas.microsoft.com/office/drawing/2014/main" id="{E9B360C8-7F12-4B01-8D50-F19DB4C8BEB7}"/>
-              </a:ext>
-            </a:extLst>
-          </p:cNvPr>
-          <p:cNvGrpSpPr/>
-          <p:nvPr/>
-        </p:nvGrpSpPr>
-        <p:grpSpPr>
-          <a:xfrm>
-            <a:off x="2835564" y="1825454"/>
-            <a:ext cx="5443936" cy="3511499"/>
-            <a:chOff x="-1419537" y="1557757"/>
-            <a:chExt cx="5443936" cy="3511499"/>
-          </a:xfrm>
-        </p:grpSpPr>
-        <p:sp>
-          <p:nvSpPr>
-            <p:cNvPr id="75" name="TextBox 74">
-              <a:extLst>
-                <a:ext uri="{FF2B5EF4-FFF2-40B4-BE49-F238E27FC236}">
-                  <a16:creationId xmlns:a16="http://schemas.microsoft.com/office/drawing/2014/main" id="{4B22083C-D0D1-4062-8239-B0FC219DA9E4}"/>
-                </a:ext>
-              </a:extLst>
-            </p:cNvPr>
-            <p:cNvSpPr txBox="1"/>
-            <p:nvPr/>
-          </p:nvSpPr>
-          <p:spPr>
-            <a:xfrm>
-              <a:off x="2196355" y="1557757"/>
-              <a:ext cx="1828044" cy="1200329"/>
-            </a:xfrm>
-            <a:prstGeom prst="rect">
-              <a:avLst/>
-            </a:prstGeom>
-            <a:solidFill>
-              <a:schemeClr val="bg1"/>
-            </a:solidFill>
-            <a:ln w="28575">
-              <a:solidFill>
-                <a:schemeClr val="accent1"/>
-              </a:solidFill>
-            </a:ln>
-          </p:spPr>
-          <p:txBody>
-            <a:bodyPr wrap="square" rtlCol="0">
-              <a:spAutoFit/>
-            </a:bodyPr>
-            <a:lstStyle/>
-            <a:p>
-              <a:r>
-                <a:rPr lang="en-GB" sz="1200" dirty="0">
-                  <a:solidFill>
-                    <a:srgbClr val="FF0000"/>
-                  </a:solidFill>
-                </a:rPr>
-                <a:t>1. The parameter name is used (reformatted) as a label, and the parameter type used to </a:t>
-              </a:r>
-              <a:r>
-                <a:rPr lang="en-GB" sz="1200">
-                  <a:solidFill>
-                    <a:srgbClr val="FF0000"/>
-                  </a:solidFill>
-                </a:rPr>
-                <a:t>provide generic </a:t>
-              </a:r>
-              <a:r>
-                <a:rPr lang="en-GB" sz="1200" dirty="0">
-                  <a:solidFill>
-                    <a:srgbClr val="FF0000"/>
-                  </a:solidFill>
-                </a:rPr>
-                <a:t>validation and/or other behaviour at the UI. </a:t>
-              </a:r>
-            </a:p>
-          </p:txBody>
-        </p:sp>
-        <p:cxnSp>
-          <p:nvCxnSpPr>
-            <p:cNvPr id="76" name="Straight Arrow Connector 75">
-              <a:extLst>
-                <a:ext uri="{FF2B5EF4-FFF2-40B4-BE49-F238E27FC236}">
-                  <a16:creationId xmlns:a16="http://schemas.microsoft.com/office/drawing/2014/main" id="{3840FF87-8976-49D9-97DA-2282396D3D03}"/>
-                </a:ext>
-              </a:extLst>
-            </p:cNvPr>
-            <p:cNvCxnSpPr>
-              <a:cxnSpLocks/>
-              <a:stCxn id="75" idx="2"/>
-            </p:cNvCxnSpPr>
-            <p:nvPr/>
-          </p:nvCxnSpPr>
-          <p:spPr>
-            <a:xfrm flipH="1">
-              <a:off x="1711591" y="2758086"/>
-              <a:ext cx="1398786" cy="2311170"/>
-            </a:xfrm>
-            <a:prstGeom prst="straightConnector1">
-              <a:avLst/>
-            </a:prstGeom>
-            <a:ln w="28575">
-              <a:tailEnd type="triangle"/>
-            </a:ln>
-          </p:spPr>
-          <p:style>
-            <a:lnRef idx="1">
-              <a:schemeClr val="accent1"/>
-            </a:lnRef>
-            <a:fillRef idx="0">
-              <a:schemeClr val="accent1"/>
-            </a:fillRef>
-            <a:effectRef idx="0">
-              <a:schemeClr val="accent1"/>
-            </a:effectRef>
-            <a:fontRef idx="minor">
-              <a:schemeClr val="tx1"/>
-            </a:fontRef>
-          </p:style>
-        </p:cxnSp>
-        <p:cxnSp>
-          <p:nvCxnSpPr>
-            <p:cNvPr id="77" name="Straight Arrow Connector 76">
-              <a:extLst>
-                <a:ext uri="{FF2B5EF4-FFF2-40B4-BE49-F238E27FC236}">
-                  <a16:creationId xmlns:a16="http://schemas.microsoft.com/office/drawing/2014/main" id="{6E540FB8-CC76-4648-A4B0-9104F2AE6053}"/>
-                </a:ext>
-              </a:extLst>
-            </p:cNvPr>
-            <p:cNvCxnSpPr>
-              <a:cxnSpLocks/>
-              <a:stCxn id="75" idx="1"/>
-            </p:cNvCxnSpPr>
-            <p:nvPr/>
-          </p:nvCxnSpPr>
-          <p:spPr>
-            <a:xfrm flipH="1">
-              <a:off x="-1419537" y="2157922"/>
-              <a:ext cx="3615892" cy="92333"/>
-            </a:xfrm>
-            <a:prstGeom prst="straightConnector1">
-              <a:avLst/>
-            </a:prstGeom>
-            <a:ln w="28575">
-              <a:tailEnd type="triangle"/>
-            </a:ln>
-          </p:spPr>
-          <p:style>
-            <a:lnRef idx="1">
-              <a:schemeClr val="accent1"/>
-            </a:lnRef>
-            <a:fillRef idx="0">
-              <a:schemeClr val="accent1"/>
-            </a:fillRef>
-            <a:effectRef idx="0">
-              <a:schemeClr val="accent1"/>
-            </a:effectRef>
-            <a:fontRef idx="minor">
-              <a:schemeClr val="tx1"/>
-            </a:fontRef>
-          </p:style>
-        </p:cxnSp>
-      </p:grpSp>
-      <p:grpSp>
-        <p:nvGrpSpPr>
-          <p:cNvPr id="34" name="Group 33">
-            <a:extLst>
-              <a:ext uri="{FF2B5EF4-FFF2-40B4-BE49-F238E27FC236}">
-                <a16:creationId xmlns:a16="http://schemas.microsoft.com/office/drawing/2014/main" id="{5625BFF8-08A9-4481-A5DA-78F3CFDCBB94}"/>
-              </a:ext>
-            </a:extLst>
-          </p:cNvPr>
-          <p:cNvGrpSpPr/>
-          <p:nvPr/>
-        </p:nvGrpSpPr>
-        <p:grpSpPr>
-          <a:xfrm>
-            <a:off x="1635560" y="2782822"/>
-            <a:ext cx="2543408" cy="3044549"/>
-            <a:chOff x="-9146507" y="55156"/>
-            <a:chExt cx="2543408" cy="3044549"/>
-          </a:xfrm>
-        </p:grpSpPr>
-        <p:sp>
-          <p:nvSpPr>
-            <p:cNvPr id="35" name="TextBox 34">
-              <a:extLst>
-                <a:ext uri="{FF2B5EF4-FFF2-40B4-BE49-F238E27FC236}">
-                  <a16:creationId xmlns:a16="http://schemas.microsoft.com/office/drawing/2014/main" id="{B6114426-285F-401E-B9FD-B8FF70A3A357}"/>
-                </a:ext>
-              </a:extLst>
-            </p:cNvPr>
-            <p:cNvSpPr txBox="1"/>
-            <p:nvPr/>
-          </p:nvSpPr>
-          <p:spPr>
-            <a:xfrm>
-              <a:off x="-9146507" y="2268708"/>
-              <a:ext cx="1760448" cy="830997"/>
-            </a:xfrm>
-            <a:prstGeom prst="rect">
-              <a:avLst/>
-            </a:prstGeom>
-            <a:solidFill>
-              <a:schemeClr val="bg1"/>
-            </a:solidFill>
-            <a:ln w="28575">
-              <a:solidFill>
-                <a:schemeClr val="accent1"/>
-              </a:solidFill>
-            </a:ln>
-          </p:spPr>
-          <p:txBody>
-            <a:bodyPr wrap="square" rtlCol="0">
-              <a:spAutoFit/>
-            </a:bodyPr>
-            <a:lstStyle/>
-            <a:p>
-              <a:r>
-                <a:rPr lang="en-GB" sz="1200" dirty="0">
-                  <a:solidFill>
-                    <a:srgbClr val="FF0000"/>
-                  </a:solidFill>
-                </a:rPr>
-                <a:t>2. All parameters are made mandatory at the UI unless an </a:t>
-              </a:r>
-              <a:r>
-                <a:rPr lang="en-GB" sz="1100" dirty="0">
-                  <a:latin typeface="Consolas" panose="020B0609020204030204" pitchFamily="49" charset="0"/>
-                </a:rPr>
-                <a:t>Optionally</a:t>
-              </a:r>
-              <a:r>
-                <a:rPr lang="en-GB" sz="1200" dirty="0">
-                  <a:solidFill>
-                    <a:srgbClr val="FF0000"/>
-                  </a:solidFill>
-                </a:rPr>
-                <a:t> attribute is added. </a:t>
-              </a:r>
-            </a:p>
-          </p:txBody>
-        </p:sp>
-        <p:cxnSp>
-          <p:nvCxnSpPr>
-            <p:cNvPr id="36" name="Straight Arrow Connector 35">
-              <a:extLst>
-                <a:ext uri="{FF2B5EF4-FFF2-40B4-BE49-F238E27FC236}">
-                  <a16:creationId xmlns:a16="http://schemas.microsoft.com/office/drawing/2014/main" id="{E9126131-AC27-420A-B7C8-28743445B263}"/>
-                </a:ext>
-              </a:extLst>
-            </p:cNvPr>
-            <p:cNvCxnSpPr>
-              <a:cxnSpLocks/>
-              <a:stCxn id="35" idx="3"/>
-            </p:cNvCxnSpPr>
-            <p:nvPr/>
-          </p:nvCxnSpPr>
-          <p:spPr>
-            <a:xfrm>
-              <a:off x="-7386059" y="2684207"/>
-              <a:ext cx="782960" cy="0"/>
-            </a:xfrm>
-            <a:prstGeom prst="straightConnector1">
-              <a:avLst/>
-            </a:prstGeom>
-            <a:ln w="28575">
-              <a:tailEnd type="triangle"/>
-            </a:ln>
-          </p:spPr>
-          <p:style>
-            <a:lnRef idx="1">
-              <a:schemeClr val="accent1"/>
-            </a:lnRef>
-            <a:fillRef idx="0">
-              <a:schemeClr val="accent1"/>
-            </a:fillRef>
-            <a:effectRef idx="0">
-              <a:schemeClr val="accent1"/>
-            </a:effectRef>
-            <a:fontRef idx="minor">
-              <a:schemeClr val="tx1"/>
-            </a:fontRef>
-          </p:style>
-        </p:cxnSp>
-        <p:cxnSp>
-          <p:nvCxnSpPr>
-            <p:cNvPr id="37" name="Straight Arrow Connector 36">
-              <a:extLst>
-                <a:ext uri="{FF2B5EF4-FFF2-40B4-BE49-F238E27FC236}">
-                  <a16:creationId xmlns:a16="http://schemas.microsoft.com/office/drawing/2014/main" id="{6D2FD5B8-86A2-4F3F-9FA9-4CCE9F97058A}"/>
-                </a:ext>
-              </a:extLst>
-            </p:cNvPr>
-            <p:cNvCxnSpPr>
-              <a:cxnSpLocks/>
-              <a:stCxn id="35" idx="0"/>
-            </p:cNvCxnSpPr>
-            <p:nvPr/>
-          </p:nvCxnSpPr>
-          <p:spPr>
-            <a:xfrm flipV="1">
-              <a:off x="-8266283" y="55156"/>
-              <a:ext cx="1485340" cy="2213552"/>
-            </a:xfrm>
-            <a:prstGeom prst="straightConnector1">
-              <a:avLst/>
-            </a:prstGeom>
-            <a:ln w="28575">
-              <a:tailEnd type="triangle"/>
-            </a:ln>
-          </p:spPr>
-          <p:style>
-            <a:lnRef idx="1">
-              <a:schemeClr val="accent1"/>
-            </a:lnRef>
-            <a:fillRef idx="0">
-              <a:schemeClr val="accent1"/>
-            </a:fillRef>
-            <a:effectRef idx="0">
-              <a:schemeClr val="accent1"/>
-            </a:effectRef>
-            <a:fontRef idx="minor">
-              <a:schemeClr val="tx1"/>
-            </a:fontRef>
-          </p:style>
-        </p:cxnSp>
-      </p:grpSp>
-    </p:spTree>
-    <p:extLst>
-      <p:ext uri="{BB962C8B-B14F-4D97-AF65-F5344CB8AC3E}">
-        <p14:creationId xmlns:p14="http://schemas.microsoft.com/office/powerpoint/2010/main" val="928203412"/>
-      </p:ext>
-    </p:extLst>
-  </p:cSld>
-  <p:clrMapOvr>
-    <a:masterClrMapping/>
-  </p:clrMapOvr>
-</p:sld>
-</file>
-
 <file path=ppt/theme/theme1.xml><?xml version="1.0" encoding="utf-8"?>
 <a:theme xmlns:a="http://schemas.openxmlformats.org/drawingml/2006/main" name="Office Theme">
   <a:themeElements>

--- a/Documentation/Naked Functions/The Naked Functions programming model.pptx
+++ b/Documentation/Naked Functions/The Naked Functions programming model.pptx
@@ -316,7 +316,7 @@
           <a:p>
             <a:fld id="{E3F01F1A-3FFE-456C-AE2E-C951E976C8D1}" type="datetimeFigureOut">
               <a:rPr lang="en-GB" smtClean="0"/>
-              <a:t>04/03/2021</a:t>
+              <a:t>11/03/2021</a:t>
             </a:fld>
             <a:endParaRPr lang="en-GB"/>
           </a:p>
@@ -516,7 +516,7 @@
           <a:p>
             <a:fld id="{E3F01F1A-3FFE-456C-AE2E-C951E976C8D1}" type="datetimeFigureOut">
               <a:rPr lang="en-GB" smtClean="0"/>
-              <a:t>04/03/2021</a:t>
+              <a:t>11/03/2021</a:t>
             </a:fld>
             <a:endParaRPr lang="en-GB"/>
           </a:p>
@@ -726,7 +726,7 @@
           <a:p>
             <a:fld id="{E3F01F1A-3FFE-456C-AE2E-C951E976C8D1}" type="datetimeFigureOut">
               <a:rPr lang="en-GB" smtClean="0"/>
-              <a:t>04/03/2021</a:t>
+              <a:t>11/03/2021</a:t>
             </a:fld>
             <a:endParaRPr lang="en-GB"/>
           </a:p>
@@ -926,7 +926,7 @@
           <a:p>
             <a:fld id="{E3F01F1A-3FFE-456C-AE2E-C951E976C8D1}" type="datetimeFigureOut">
               <a:rPr lang="en-GB" smtClean="0"/>
-              <a:t>04/03/2021</a:t>
+              <a:t>11/03/2021</a:t>
             </a:fld>
             <a:endParaRPr lang="en-GB"/>
           </a:p>
@@ -1202,7 +1202,7 @@
           <a:p>
             <a:fld id="{E3F01F1A-3FFE-456C-AE2E-C951E976C8D1}" type="datetimeFigureOut">
               <a:rPr lang="en-GB" smtClean="0"/>
-              <a:t>04/03/2021</a:t>
+              <a:t>11/03/2021</a:t>
             </a:fld>
             <a:endParaRPr lang="en-GB"/>
           </a:p>
@@ -1470,7 +1470,7 @@
           <a:p>
             <a:fld id="{E3F01F1A-3FFE-456C-AE2E-C951E976C8D1}" type="datetimeFigureOut">
               <a:rPr lang="en-GB" smtClean="0"/>
-              <a:t>04/03/2021</a:t>
+              <a:t>11/03/2021</a:t>
             </a:fld>
             <a:endParaRPr lang="en-GB"/>
           </a:p>
@@ -1885,7 +1885,7 @@
           <a:p>
             <a:fld id="{E3F01F1A-3FFE-456C-AE2E-C951E976C8D1}" type="datetimeFigureOut">
               <a:rPr lang="en-GB" smtClean="0"/>
-              <a:t>04/03/2021</a:t>
+              <a:t>11/03/2021</a:t>
             </a:fld>
             <a:endParaRPr lang="en-GB"/>
           </a:p>
@@ -2027,7 +2027,7 @@
           <a:p>
             <a:fld id="{E3F01F1A-3FFE-456C-AE2E-C951E976C8D1}" type="datetimeFigureOut">
               <a:rPr lang="en-GB" smtClean="0"/>
-              <a:t>04/03/2021</a:t>
+              <a:t>11/03/2021</a:t>
             </a:fld>
             <a:endParaRPr lang="en-GB"/>
           </a:p>
@@ -2140,7 +2140,7 @@
           <a:p>
             <a:fld id="{E3F01F1A-3FFE-456C-AE2E-C951E976C8D1}" type="datetimeFigureOut">
               <a:rPr lang="en-GB" smtClean="0"/>
-              <a:t>04/03/2021</a:t>
+              <a:t>11/03/2021</a:t>
             </a:fld>
             <a:endParaRPr lang="en-GB"/>
           </a:p>
@@ -2453,7 +2453,7 @@
           <a:p>
             <a:fld id="{E3F01F1A-3FFE-456C-AE2E-C951E976C8D1}" type="datetimeFigureOut">
               <a:rPr lang="en-GB" smtClean="0"/>
-              <a:t>04/03/2021</a:t>
+              <a:t>11/03/2021</a:t>
             </a:fld>
             <a:endParaRPr lang="en-GB"/>
           </a:p>
@@ -2742,7 +2742,7 @@
           <a:p>
             <a:fld id="{E3F01F1A-3FFE-456C-AE2E-C951E976C8D1}" type="datetimeFigureOut">
               <a:rPr lang="en-GB" smtClean="0"/>
-              <a:t>04/03/2021</a:t>
+              <a:t>11/03/2021</a:t>
             </a:fld>
             <a:endParaRPr lang="en-GB"/>
           </a:p>
@@ -2985,7 +2985,7 @@
           <a:p>
             <a:fld id="{E3F01F1A-3FFE-456C-AE2E-C951E976C8D1}" type="datetimeFigureOut">
               <a:rPr lang="en-GB" smtClean="0"/>
-              <a:t>04/03/2021</a:t>
+              <a:t>11/03/2021</a:t>
             </a:fld>
             <a:endParaRPr lang="en-GB"/>
           </a:p>
@@ -23907,10 +23907,10 @@
         </p:nvGrpSpPr>
         <p:grpSpPr>
           <a:xfrm>
-            <a:off x="2635363" y="2256755"/>
-            <a:ext cx="3257100" cy="676556"/>
-            <a:chOff x="2586433" y="1401309"/>
-            <a:chExt cx="3296440" cy="1667093"/>
+            <a:off x="2635363" y="2286980"/>
+            <a:ext cx="3225507" cy="646331"/>
+            <a:chOff x="2586433" y="1475786"/>
+            <a:chExt cx="3264465" cy="1592616"/>
           </a:xfrm>
         </p:grpSpPr>
         <p:sp>
@@ -23989,9 +23989,9 @@
             <p:nvPr/>
           </p:nvCxnSpPr>
           <p:spPr>
-            <a:xfrm flipV="1">
-              <a:off x="5115816" y="1401309"/>
-              <a:ext cx="767057" cy="870786"/>
+            <a:xfrm>
+              <a:off x="5115816" y="2272095"/>
+              <a:ext cx="735082" cy="606818"/>
             </a:xfrm>
             <a:prstGeom prst="straightConnector1">
               <a:avLst/>
